--- a/ppt/3-Linux源码阅读、编译调试和启动过程.pptx
+++ b/ppt/3-Linux源码阅读、编译调试和启动过程.pptx
@@ -2,42 +2,42 @@
 <file path=ppt/presentation.xml><?xml version="1.0" encoding="utf-8"?>
 <p:presentation xmlns:a="http://schemas.openxmlformats.org/drawingml/2006/main" xmlns:r="http://schemas.openxmlformats.org/officeDocument/2006/relationships" xmlns:p="http://schemas.openxmlformats.org/presentationml/2006/main">
   <p:sldMasterIdLst>
-    <p:sldMasterId id="2147483648" r:id="rId5"/>
+    <p:sldMasterId id="2147483648" r:id="rId1"/>
   </p:sldMasterIdLst>
   <p:notesMasterIdLst>
-    <p:notesMasterId r:id="rId7"/>
+    <p:notesMasterId r:id="rId33"/>
   </p:notesMasterIdLst>
   <p:sldIdLst>
-    <p:sldId id="256" r:id="rId8"/>
-    <p:sldId id="257" r:id="rId9"/>
-    <p:sldId id="258" r:id="rId10"/>
-    <p:sldId id="259" r:id="rId11"/>
-    <p:sldId id="260" r:id="rId12"/>
-    <p:sldId id="261" r:id="rId13"/>
-    <p:sldId id="262" r:id="rId14"/>
-    <p:sldId id="263" r:id="rId15"/>
-    <p:sldId id="264" r:id="rId16"/>
-    <p:sldId id="265" r:id="rId17"/>
-    <p:sldId id="266" r:id="rId18"/>
-    <p:sldId id="267" r:id="rId19"/>
-    <p:sldId id="268" r:id="rId20"/>
-    <p:sldId id="269" r:id="rId21"/>
-    <p:sldId id="270" r:id="rId22"/>
-    <p:sldId id="271" r:id="rId23"/>
-    <p:sldId id="272" r:id="rId24"/>
-    <p:sldId id="273" r:id="rId25"/>
-    <p:sldId id="274" r:id="rId26"/>
-    <p:sldId id="275" r:id="rId27"/>
-    <p:sldId id="276" r:id="rId28"/>
-    <p:sldId id="277" r:id="rId29"/>
-    <p:sldId id="278" r:id="rId30"/>
-    <p:sldId id="279" r:id="rId31"/>
-    <p:sldId id="280" r:id="rId32"/>
-    <p:sldId id="281" r:id="rId33"/>
-    <p:sldId id="282" r:id="rId34"/>
-    <p:sldId id="283" r:id="rId35"/>
-    <p:sldId id="284" r:id="rId36"/>
-    <p:sldId id="285" r:id="rId37"/>
+    <p:sldId id="256" r:id="rId3"/>
+    <p:sldId id="257" r:id="rId4"/>
+    <p:sldId id="258" r:id="rId5"/>
+    <p:sldId id="259" r:id="rId6"/>
+    <p:sldId id="260" r:id="rId7"/>
+    <p:sldId id="261" r:id="rId8"/>
+    <p:sldId id="262" r:id="rId9"/>
+    <p:sldId id="263" r:id="rId10"/>
+    <p:sldId id="264" r:id="rId11"/>
+    <p:sldId id="265" r:id="rId12"/>
+    <p:sldId id="266" r:id="rId13"/>
+    <p:sldId id="267" r:id="rId14"/>
+    <p:sldId id="268" r:id="rId15"/>
+    <p:sldId id="269" r:id="rId16"/>
+    <p:sldId id="270" r:id="rId17"/>
+    <p:sldId id="271" r:id="rId18"/>
+    <p:sldId id="272" r:id="rId19"/>
+    <p:sldId id="273" r:id="rId20"/>
+    <p:sldId id="274" r:id="rId21"/>
+    <p:sldId id="275" r:id="rId22"/>
+    <p:sldId id="276" r:id="rId23"/>
+    <p:sldId id="277" r:id="rId24"/>
+    <p:sldId id="278" r:id="rId25"/>
+    <p:sldId id="279" r:id="rId26"/>
+    <p:sldId id="280" r:id="rId27"/>
+    <p:sldId id="281" r:id="rId28"/>
+    <p:sldId id="282" r:id="rId29"/>
+    <p:sldId id="283" r:id="rId30"/>
+    <p:sldId id="284" r:id="rId31"/>
+    <p:sldId id="285" r:id="rId32"/>
   </p:sldIdLst>
   <p:sldSz cx="24384000" cy="13716000"/>
   <p:notesSz cx="6858000" cy="9144000"/>
@@ -56,8 +56,7 @@
       <a:buSzTx/>
       <a:buFontTx/>
       <a:buNone/>
-      <a:tabLst/>
-      <a:defRPr b="0" baseline="0" cap="none" i="0" spc="0" strike="noStrike" sz="1800" u="none" kumimoji="0" normalizeH="0">
+      <a:defRPr kumimoji="0" sz="1800" b="0" i="0" u="none" strike="noStrike" cap="none" spc="0" normalizeH="0" baseline="0">
         <a:ln>
           <a:noFill/>
         </a:ln>
@@ -82,8 +81,7 @@
       <a:buSzTx/>
       <a:buFontTx/>
       <a:buNone/>
-      <a:tabLst/>
-      <a:defRPr b="0" baseline="0" cap="none" i="0" spc="0" strike="noStrike" sz="5000" u="none" kumimoji="0" normalizeH="0">
+      <a:defRPr kumimoji="0" sz="5000" b="0" i="0" u="none" strike="noStrike" cap="none" spc="0" normalizeH="0" baseline="0">
         <a:ln>
           <a:noFill/>
         </a:ln>
@@ -112,8 +110,7 @@
       <a:buSzTx/>
       <a:buFontTx/>
       <a:buNone/>
-      <a:tabLst/>
-      <a:defRPr b="0" baseline="0" cap="none" i="0" spc="0" strike="noStrike" sz="5000" u="none" kumimoji="0" normalizeH="0">
+      <a:defRPr kumimoji="0" sz="5000" b="0" i="0" u="none" strike="noStrike" cap="none" spc="0" normalizeH="0" baseline="0">
         <a:ln>
           <a:noFill/>
         </a:ln>
@@ -142,8 +139,7 @@
       <a:buSzTx/>
       <a:buFontTx/>
       <a:buNone/>
-      <a:tabLst/>
-      <a:defRPr b="0" baseline="0" cap="none" i="0" spc="0" strike="noStrike" sz="5000" u="none" kumimoji="0" normalizeH="0">
+      <a:defRPr kumimoji="0" sz="5000" b="0" i="0" u="none" strike="noStrike" cap="none" spc="0" normalizeH="0" baseline="0">
         <a:ln>
           <a:noFill/>
         </a:ln>
@@ -172,8 +168,7 @@
       <a:buSzTx/>
       <a:buFontTx/>
       <a:buNone/>
-      <a:tabLst/>
-      <a:defRPr b="0" baseline="0" cap="none" i="0" spc="0" strike="noStrike" sz="5000" u="none" kumimoji="0" normalizeH="0">
+      <a:defRPr kumimoji="0" sz="5000" b="0" i="0" u="none" strike="noStrike" cap="none" spc="0" normalizeH="0" baseline="0">
         <a:ln>
           <a:noFill/>
         </a:ln>
@@ -202,8 +197,7 @@
       <a:buSzTx/>
       <a:buFontTx/>
       <a:buNone/>
-      <a:tabLst/>
-      <a:defRPr b="0" baseline="0" cap="none" i="0" spc="0" strike="noStrike" sz="5000" u="none" kumimoji="0" normalizeH="0">
+      <a:defRPr kumimoji="0" sz="5000" b="0" i="0" u="none" strike="noStrike" cap="none" spc="0" normalizeH="0" baseline="0">
         <a:ln>
           <a:noFill/>
         </a:ln>
@@ -232,8 +226,7 @@
       <a:buSzTx/>
       <a:buFontTx/>
       <a:buNone/>
-      <a:tabLst/>
-      <a:defRPr b="0" baseline="0" cap="none" i="0" spc="0" strike="noStrike" sz="5000" u="none" kumimoji="0" normalizeH="0">
+      <a:defRPr kumimoji="0" sz="5000" b="0" i="0" u="none" strike="noStrike" cap="none" spc="0" normalizeH="0" baseline="0">
         <a:ln>
           <a:noFill/>
         </a:ln>
@@ -262,8 +255,7 @@
       <a:buSzTx/>
       <a:buFontTx/>
       <a:buNone/>
-      <a:tabLst/>
-      <a:defRPr b="0" baseline="0" cap="none" i="0" spc="0" strike="noStrike" sz="5000" u="none" kumimoji="0" normalizeH="0">
+      <a:defRPr kumimoji="0" sz="5000" b="0" i="0" u="none" strike="noStrike" cap="none" spc="0" normalizeH="0" baseline="0">
         <a:ln>
           <a:noFill/>
         </a:ln>
@@ -292,8 +284,7 @@
       <a:buSzTx/>
       <a:buFontTx/>
       <a:buNone/>
-      <a:tabLst/>
-      <a:defRPr b="0" baseline="0" cap="none" i="0" spc="0" strike="noStrike" sz="5000" u="none" kumimoji="0" normalizeH="0">
+      <a:defRPr kumimoji="0" sz="5000" b="0" i="0" u="none" strike="noStrike" cap="none" spc="0" normalizeH="0" baseline="0">
         <a:ln>
           <a:noFill/>
         </a:ln>
@@ -322,8 +313,7 @@
       <a:buSzTx/>
       <a:buFontTx/>
       <a:buNone/>
-      <a:tabLst/>
-      <a:defRPr b="0" baseline="0" cap="none" i="0" spc="0" strike="noStrike" sz="5000" u="none" kumimoji="0" normalizeH="0">
+      <a:defRPr kumimoji="0" sz="5000" b="0" i="0" u="none" strike="noStrike" cap="none" spc="0" normalizeH="0" baseline="0">
         <a:ln>
           <a:noFill/>
         </a:ln>
@@ -342,13 +332,14 @@
 </p:presentation>
 </file>
 
-<file path=ppt/commentAuthors.xml><?xml version="1.0" encoding="utf-8"?>
-<p:cmAuthorLst xmlns:a="http://schemas.openxmlformats.org/drawingml/2006/main" xmlns:r="http://schemas.openxmlformats.org/officeDocument/2006/relationships" xmlns:p="http://schemas.openxmlformats.org/presentationml/2006/main"/>
-</file>
-
 <file path=ppt/notesMasters/notesMaster1.xml><?xml version="1.0" encoding="utf-8"?>
 <p:notesMaster xmlns:a="http://schemas.openxmlformats.org/drawingml/2006/main" xmlns:r="http://schemas.openxmlformats.org/officeDocument/2006/relationships" xmlns:p="http://schemas.openxmlformats.org/presentationml/2006/main">
   <p:cSld>
+    <p:bg>
+      <p:bgRef idx="1001">
+        <a:schemeClr val="bg1"/>
+      </p:bgRef>
+    </p:bg>
     <p:spTree>
       <p:nvGrpSpPr>
         <p:cNvPr id="1" name=""/>
@@ -383,9 +374,7 @@
         <p:txBody>
           <a:bodyPr/>
           <a:lstStyle/>
-          <a:p>
-            <a:pPr/>
-          </a:p>
+          <a:p/>
         </p:txBody>
       </p:sp>
       <p:sp>
@@ -408,9 +397,7 @@
         <p:txBody>
           <a:bodyPr/>
           <a:lstStyle/>
-          <a:p>
-            <a:pPr/>
-          </a:p>
+          <a:p/>
         </p:txBody>
       </p:sp>
     </p:spTree>
@@ -419,7 +406,7 @@
   <p:notesStyle>
     <a:lvl1pPr defTabSz="457200" latinLnBrk="0">
       <a:lnSpc>
-        <a:spcPct val="117999"/>
+        <a:spcPct val="118000"/>
       </a:lnSpc>
       <a:defRPr sz="2200">
         <a:latin typeface="Helvetica Neue"/>
@@ -430,7 +417,7 @@
     </a:lvl1pPr>
     <a:lvl2pPr indent="228600" defTabSz="457200" latinLnBrk="0">
       <a:lnSpc>
-        <a:spcPct val="117999"/>
+        <a:spcPct val="118000"/>
       </a:lnSpc>
       <a:defRPr sz="2200">
         <a:latin typeface="Helvetica Neue"/>
@@ -441,7 +428,7 @@
     </a:lvl2pPr>
     <a:lvl3pPr indent="457200" defTabSz="457200" latinLnBrk="0">
       <a:lnSpc>
-        <a:spcPct val="117999"/>
+        <a:spcPct val="118000"/>
       </a:lnSpc>
       <a:defRPr sz="2200">
         <a:latin typeface="Helvetica Neue"/>
@@ -452,7 +439,7 @@
     </a:lvl3pPr>
     <a:lvl4pPr indent="685800" defTabSz="457200" latinLnBrk="0">
       <a:lnSpc>
-        <a:spcPct val="117999"/>
+        <a:spcPct val="118000"/>
       </a:lnSpc>
       <a:defRPr sz="2200">
         <a:latin typeface="Helvetica Neue"/>
@@ -463,7 +450,7 @@
     </a:lvl4pPr>
     <a:lvl5pPr indent="914400" defTabSz="457200" latinLnBrk="0">
       <a:lnSpc>
-        <a:spcPct val="117999"/>
+        <a:spcPct val="118000"/>
       </a:lnSpc>
       <a:defRPr sz="2200">
         <a:latin typeface="Helvetica Neue"/>
@@ -474,7 +461,7 @@
     </a:lvl5pPr>
     <a:lvl6pPr indent="1143000" defTabSz="457200" latinLnBrk="0">
       <a:lnSpc>
-        <a:spcPct val="117999"/>
+        <a:spcPct val="118000"/>
       </a:lnSpc>
       <a:defRPr sz="2200">
         <a:latin typeface="Helvetica Neue"/>
@@ -485,7 +472,7 @@
     </a:lvl6pPr>
     <a:lvl7pPr indent="1371600" defTabSz="457200" latinLnBrk="0">
       <a:lnSpc>
-        <a:spcPct val="117999"/>
+        <a:spcPct val="118000"/>
       </a:lnSpc>
       <a:defRPr sz="2200">
         <a:latin typeface="Helvetica Neue"/>
@@ -496,7 +483,7 @@
     </a:lvl7pPr>
     <a:lvl8pPr indent="1600200" defTabSz="457200" latinLnBrk="0">
       <a:lnSpc>
-        <a:spcPct val="117999"/>
+        <a:spcPct val="118000"/>
       </a:lnSpc>
       <a:defRPr sz="2200">
         <a:latin typeface="Helvetica Neue"/>
@@ -507,7 +494,7 @@
     </a:lvl8pPr>
     <a:lvl9pPr indent="1828800" defTabSz="457200" latinLnBrk="0">
       <a:lnSpc>
-        <a:spcPct val="117999"/>
+        <a:spcPct val="118000"/>
       </a:lnSpc>
       <a:defRPr sz="2200">
         <a:latin typeface="Helvetica Neue"/>
@@ -521,7 +508,7 @@
 </file>
 
 <file path=ppt/slideLayouts/slideLayout1.xml><?xml version="1.0" encoding="utf-8"?>
-<p:sldLayout xmlns:a="http://schemas.openxmlformats.org/drawingml/2006/main" xmlns:r="http://schemas.openxmlformats.org/officeDocument/2006/relationships" xmlns:p="http://schemas.openxmlformats.org/presentationml/2006/main" type="title" showMasterSp="1" showMasterPhAnim="1">
+<p:sldLayout xmlns:a="http://schemas.openxmlformats.org/drawingml/2006/main" xmlns:r="http://schemas.openxmlformats.org/officeDocument/2006/relationships" xmlns:p="http://schemas.openxmlformats.org/presentationml/2006/main" type="title">
   <p:cSld name="标题与副标题">
     <p:spTree>
       <p:nvGrpSpPr>
@@ -542,7 +529,7 @@
           <p:cNvPr id="11" name="Shape 11"/>
           <p:cNvSpPr/>
           <p:nvPr>
-            <p:ph type="title"/>
+            <p:ph type="title" hasCustomPrompt="1"/>
           </p:nvPr>
         </p:nvSpPr>
         <p:spPr>
@@ -558,7 +545,6 @@
           <a:bodyPr anchor="b"/>
           <a:lstStyle/>
           <a:p>
-            <a:pPr/>
             <a:r>
               <a:t>标题文本</a:t>
             </a:r>
@@ -570,7 +556,7 @@
           <p:cNvPr id="12" name="Shape 12"/>
           <p:cNvSpPr/>
           <p:nvPr>
-            <p:ph type="body" sz="quarter" idx="1"/>
+            <p:ph type="body" sz="quarter" idx="1" hasCustomPrompt="1"/>
           </p:nvPr>
         </p:nvSpPr>
         <p:spPr>
@@ -627,7 +613,6 @@
             </a:lvl5pPr>
           </a:lstStyle>
           <a:p>
-            <a:pPr/>
             <a:r>
               <a:t>正文级别 1</a:t>
             </a:r>
@@ -675,8 +660,10 @@
           <a:bodyPr/>
           <a:lstStyle/>
           <a:p>
-            <a:pPr/>
-            <a:fld id="{86CB4B4D-7CA3-9044-876B-883B54F8677D}" type="slidenum"/>
+            <a:fld id="{86CB4B4D-7CA3-9044-876B-883B54F8677D}" type="slidenum">
+              <a:rPr/>
+            </a:fld>
+            <a:endParaRPr/>
           </a:p>
         </p:txBody>
       </p:sp>
@@ -685,12 +672,12 @@
   <p:clrMapOvr>
     <a:masterClrMapping/>
   </p:clrMapOvr>
-  <p:transition xmlns:p14="http://schemas.microsoft.com/office/powerpoint/2010/main" spd="med" advClick="1"/>
+  <p:transition spd="med"/>
 </p:sldLayout>
 </file>
 
 <file path=ppt/slideLayouts/slideLayout10.xml><?xml version="1.0" encoding="utf-8"?>
-<p:sldLayout xmlns:a="http://schemas.openxmlformats.org/drawingml/2006/main" xmlns:r="http://schemas.openxmlformats.org/officeDocument/2006/relationships" xmlns:p="http://schemas.openxmlformats.org/presentationml/2006/main" type="tx" showMasterSp="1" showMasterPhAnim="1">
+<p:sldLayout xmlns:a="http://schemas.openxmlformats.org/drawingml/2006/main" xmlns:r="http://schemas.openxmlformats.org/officeDocument/2006/relationships" xmlns:p="http://schemas.openxmlformats.org/presentationml/2006/main" type="tx">
   <p:cSld name="引文">
     <p:spTree>
       <p:nvGrpSpPr>
@@ -711,7 +698,7 @@
           <p:cNvPr id="93" name="Shape 93"/>
           <p:cNvSpPr/>
           <p:nvPr>
-            <p:ph type="body" sz="quarter" idx="13"/>
+            <p:ph type="body" sz="quarter" idx="13" hasCustomPrompt="1"/>
           </p:nvPr>
         </p:nvSpPr>
         <p:spPr>
@@ -743,7 +730,6 @@
             </a:lvl1pPr>
           </a:lstStyle>
           <a:p>
-            <a:pPr/>
             <a:r>
               <a:t>–Johnny Appleseed</a:t>
             </a:r>
@@ -755,7 +741,7 @@
           <p:cNvPr id="94" name="Shape 94"/>
           <p:cNvSpPr/>
           <p:nvPr>
-            <p:ph type="body" sz="quarter" idx="14"/>
+            <p:ph type="body" sz="quarter" idx="14" hasCustomPrompt="1"/>
           </p:nvPr>
         </p:nvSpPr>
         <p:spPr>
@@ -781,7 +767,6 @@
             </a:lvl1pPr>
           </a:lstStyle>
           <a:p>
-            <a:pPr/>
             <a:r>
               <a:t>“在此键入引文。”</a:t>
             </a:r>
@@ -805,8 +790,10 @@
           <a:bodyPr/>
           <a:lstStyle/>
           <a:p>
-            <a:pPr/>
-            <a:fld id="{86CB4B4D-7CA3-9044-876B-883B54F8677D}" type="slidenum"/>
+            <a:fld id="{86CB4B4D-7CA3-9044-876B-883B54F8677D}" type="slidenum">
+              <a:rPr/>
+            </a:fld>
+            <a:endParaRPr/>
           </a:p>
         </p:txBody>
       </p:sp>
@@ -815,12 +802,12 @@
   <p:clrMapOvr>
     <a:masterClrMapping/>
   </p:clrMapOvr>
-  <p:transition xmlns:p14="http://schemas.microsoft.com/office/powerpoint/2010/main" spd="med" advClick="1"/>
+  <p:transition spd="med"/>
 </p:sldLayout>
 </file>
 
 <file path=ppt/slideLayouts/slideLayout11.xml><?xml version="1.0" encoding="utf-8"?>
-<p:sldLayout xmlns:a="http://schemas.openxmlformats.org/drawingml/2006/main" xmlns:r="http://schemas.openxmlformats.org/officeDocument/2006/relationships" xmlns:p="http://schemas.openxmlformats.org/presentationml/2006/main" type="tx" showMasterSp="1" showMasterPhAnim="1">
+<p:sldLayout xmlns:a="http://schemas.openxmlformats.org/drawingml/2006/main" xmlns:r="http://schemas.openxmlformats.org/officeDocument/2006/relationships" xmlns:p="http://schemas.openxmlformats.org/presentationml/2006/main" type="tx">
   <p:cSld name="照片">
     <p:spTree>
       <p:nvGrpSpPr>
@@ -858,9 +845,7 @@
             <a:noAutofit/>
           </a:bodyPr>
           <a:lstStyle/>
-          <a:p>
-            <a:pPr/>
-          </a:p>
+          <a:p/>
         </p:txBody>
       </p:sp>
       <p:sp>
@@ -880,8 +865,10 @@
           <a:bodyPr/>
           <a:lstStyle/>
           <a:p>
-            <a:pPr/>
-            <a:fld id="{86CB4B4D-7CA3-9044-876B-883B54F8677D}" type="slidenum"/>
+            <a:fld id="{86CB4B4D-7CA3-9044-876B-883B54F8677D}" type="slidenum">
+              <a:rPr/>
+            </a:fld>
+            <a:endParaRPr/>
           </a:p>
         </p:txBody>
       </p:sp>
@@ -890,12 +877,12 @@
   <p:clrMapOvr>
     <a:masterClrMapping/>
   </p:clrMapOvr>
-  <p:transition xmlns:p14="http://schemas.microsoft.com/office/powerpoint/2010/main" spd="med" advClick="1"/>
+  <p:transition spd="med"/>
 </p:sldLayout>
 </file>
 
 <file path=ppt/slideLayouts/slideLayout12.xml><?xml version="1.0" encoding="utf-8"?>
-<p:sldLayout xmlns:a="http://schemas.openxmlformats.org/drawingml/2006/main" xmlns:r="http://schemas.openxmlformats.org/officeDocument/2006/relationships" xmlns:p="http://schemas.openxmlformats.org/presentationml/2006/main" type="tx" showMasterSp="1" showMasterPhAnim="1">
+<p:sldLayout xmlns:a="http://schemas.openxmlformats.org/drawingml/2006/main" xmlns:r="http://schemas.openxmlformats.org/officeDocument/2006/relationships" xmlns:p="http://schemas.openxmlformats.org/presentationml/2006/main" type="tx">
   <p:cSld name="空白">
     <p:spTree>
       <p:nvGrpSpPr>
@@ -928,8 +915,10 @@
           <a:bodyPr/>
           <a:lstStyle/>
           <a:p>
-            <a:pPr/>
-            <a:fld id="{86CB4B4D-7CA3-9044-876B-883B54F8677D}" type="slidenum"/>
+            <a:fld id="{86CB4B4D-7CA3-9044-876B-883B54F8677D}" type="slidenum">
+              <a:rPr/>
+            </a:fld>
+            <a:endParaRPr/>
           </a:p>
         </p:txBody>
       </p:sp>
@@ -938,12 +927,12 @@
   <p:clrMapOvr>
     <a:masterClrMapping/>
   </p:clrMapOvr>
-  <p:transition xmlns:p14="http://schemas.microsoft.com/office/powerpoint/2010/main" spd="med" advClick="1"/>
+  <p:transition spd="med"/>
 </p:sldLayout>
 </file>
 
 <file path=ppt/slideLayouts/slideLayout2.xml><?xml version="1.0" encoding="utf-8"?>
-<p:sldLayout xmlns:a="http://schemas.openxmlformats.org/drawingml/2006/main" xmlns:r="http://schemas.openxmlformats.org/officeDocument/2006/relationships" xmlns:p="http://schemas.openxmlformats.org/presentationml/2006/main" type="tx" showMasterSp="1" showMasterPhAnim="1">
+<p:sldLayout xmlns:a="http://schemas.openxmlformats.org/drawingml/2006/main" xmlns:r="http://schemas.openxmlformats.org/officeDocument/2006/relationships" xmlns:p="http://schemas.openxmlformats.org/presentationml/2006/main" type="tx">
   <p:cSld name="照片 - 水平">
     <p:spTree>
       <p:nvGrpSpPr>
@@ -981,9 +970,7 @@
             <a:noAutofit/>
           </a:bodyPr>
           <a:lstStyle/>
-          <a:p>
-            <a:pPr/>
-          </a:p>
+          <a:p/>
         </p:txBody>
       </p:sp>
       <p:sp>
@@ -991,7 +978,7 @@
           <p:cNvPr id="21" name="Shape 21"/>
           <p:cNvSpPr/>
           <p:nvPr>
-            <p:ph type="title"/>
+            <p:ph type="title" hasCustomPrompt="1"/>
           </p:nvPr>
         </p:nvSpPr>
         <p:spPr>
@@ -1007,7 +994,6 @@
           <a:bodyPr anchor="b"/>
           <a:lstStyle/>
           <a:p>
-            <a:pPr/>
             <a:r>
               <a:t>标题文本</a:t>
             </a:r>
@@ -1019,7 +1005,7 @@
           <p:cNvPr id="22" name="Shape 22"/>
           <p:cNvSpPr/>
           <p:nvPr>
-            <p:ph type="body" sz="quarter" idx="1"/>
+            <p:ph type="body" sz="quarter" idx="1" hasCustomPrompt="1"/>
           </p:nvPr>
         </p:nvSpPr>
         <p:spPr>
@@ -1076,7 +1062,6 @@
             </a:lvl5pPr>
           </a:lstStyle>
           <a:p>
-            <a:pPr/>
             <a:r>
               <a:t>正文级别 1</a:t>
             </a:r>
@@ -1124,8 +1109,10 @@
           <a:bodyPr/>
           <a:lstStyle/>
           <a:p>
-            <a:pPr/>
-            <a:fld id="{86CB4B4D-7CA3-9044-876B-883B54F8677D}" type="slidenum"/>
+            <a:fld id="{86CB4B4D-7CA3-9044-876B-883B54F8677D}" type="slidenum">
+              <a:rPr/>
+            </a:fld>
+            <a:endParaRPr/>
           </a:p>
         </p:txBody>
       </p:sp>
@@ -1134,12 +1121,12 @@
   <p:clrMapOvr>
     <a:masterClrMapping/>
   </p:clrMapOvr>
-  <p:transition xmlns:p14="http://schemas.microsoft.com/office/powerpoint/2010/main" spd="med" advClick="1"/>
+  <p:transition spd="med"/>
 </p:sldLayout>
 </file>
 
 <file path=ppt/slideLayouts/slideLayout3.xml><?xml version="1.0" encoding="utf-8"?>
-<p:sldLayout xmlns:a="http://schemas.openxmlformats.org/drawingml/2006/main" xmlns:r="http://schemas.openxmlformats.org/officeDocument/2006/relationships" xmlns:p="http://schemas.openxmlformats.org/presentationml/2006/main" type="tx" showMasterSp="1" showMasterPhAnim="1">
+<p:sldLayout xmlns:a="http://schemas.openxmlformats.org/drawingml/2006/main" xmlns:r="http://schemas.openxmlformats.org/officeDocument/2006/relationships" xmlns:p="http://schemas.openxmlformats.org/presentationml/2006/main" type="tx">
   <p:cSld name="标题 - 居中">
     <p:spTree>
       <p:nvGrpSpPr>
@@ -1160,7 +1147,7 @@
           <p:cNvPr id="30" name="Shape 30"/>
           <p:cNvSpPr/>
           <p:nvPr>
-            <p:ph type="title"/>
+            <p:ph type="title" hasCustomPrompt="1"/>
           </p:nvPr>
         </p:nvSpPr>
         <p:spPr>
@@ -1176,7 +1163,6 @@
           <a:bodyPr/>
           <a:lstStyle/>
           <a:p>
-            <a:pPr/>
             <a:r>
               <a:t>标题文本</a:t>
             </a:r>
@@ -1200,8 +1186,10 @@
           <a:bodyPr/>
           <a:lstStyle/>
           <a:p>
-            <a:pPr/>
-            <a:fld id="{86CB4B4D-7CA3-9044-876B-883B54F8677D}" type="slidenum"/>
+            <a:fld id="{86CB4B4D-7CA3-9044-876B-883B54F8677D}" type="slidenum">
+              <a:rPr/>
+            </a:fld>
+            <a:endParaRPr/>
           </a:p>
         </p:txBody>
       </p:sp>
@@ -1210,12 +1198,12 @@
   <p:clrMapOvr>
     <a:masterClrMapping/>
   </p:clrMapOvr>
-  <p:transition xmlns:p14="http://schemas.microsoft.com/office/powerpoint/2010/main" spd="med" advClick="1"/>
+  <p:transition spd="med"/>
 </p:sldLayout>
 </file>
 
 <file path=ppt/slideLayouts/slideLayout4.xml><?xml version="1.0" encoding="utf-8"?>
-<p:sldLayout xmlns:a="http://schemas.openxmlformats.org/drawingml/2006/main" xmlns:r="http://schemas.openxmlformats.org/officeDocument/2006/relationships" xmlns:p="http://schemas.openxmlformats.org/presentationml/2006/main" type="tx" showMasterSp="1" showMasterPhAnim="1">
+<p:sldLayout xmlns:a="http://schemas.openxmlformats.org/drawingml/2006/main" xmlns:r="http://schemas.openxmlformats.org/officeDocument/2006/relationships" xmlns:p="http://schemas.openxmlformats.org/presentationml/2006/main" type="tx">
   <p:cSld name="照片 - 垂直">
     <p:spTree>
       <p:nvGrpSpPr>
@@ -1253,9 +1241,7 @@
             <a:noAutofit/>
           </a:bodyPr>
           <a:lstStyle/>
-          <a:p>
-            <a:pPr/>
-          </a:p>
+          <a:p/>
         </p:txBody>
       </p:sp>
       <p:sp>
@@ -1263,7 +1249,7 @@
           <p:cNvPr id="39" name="Shape 39"/>
           <p:cNvSpPr/>
           <p:nvPr>
-            <p:ph type="title"/>
+            <p:ph type="title" hasCustomPrompt="1"/>
           </p:nvPr>
         </p:nvSpPr>
         <p:spPr>
@@ -1283,7 +1269,6 @@
             </a:lvl1pPr>
           </a:lstStyle>
           <a:p>
-            <a:pPr/>
             <a:r>
               <a:t>标题文本</a:t>
             </a:r>
@@ -1295,7 +1280,7 @@
           <p:cNvPr id="40" name="Shape 40"/>
           <p:cNvSpPr/>
           <p:nvPr>
-            <p:ph type="body" sz="quarter" idx="1"/>
+            <p:ph type="body" sz="quarter" idx="1" hasCustomPrompt="1"/>
           </p:nvPr>
         </p:nvSpPr>
         <p:spPr>
@@ -1352,7 +1337,6 @@
             </a:lvl5pPr>
           </a:lstStyle>
           <a:p>
-            <a:pPr/>
             <a:r>
               <a:t>正文级别 1</a:t>
             </a:r>
@@ -1400,8 +1384,10 @@
           <a:bodyPr/>
           <a:lstStyle/>
           <a:p>
-            <a:pPr/>
-            <a:fld id="{86CB4B4D-7CA3-9044-876B-883B54F8677D}" type="slidenum"/>
+            <a:fld id="{86CB4B4D-7CA3-9044-876B-883B54F8677D}" type="slidenum">
+              <a:rPr/>
+            </a:fld>
+            <a:endParaRPr/>
           </a:p>
         </p:txBody>
       </p:sp>
@@ -1410,12 +1396,12 @@
   <p:clrMapOvr>
     <a:masterClrMapping/>
   </p:clrMapOvr>
-  <p:transition xmlns:p14="http://schemas.microsoft.com/office/powerpoint/2010/main" spd="med" advClick="1"/>
+  <p:transition spd="med"/>
 </p:sldLayout>
 </file>
 
 <file path=ppt/slideLayouts/slideLayout5.xml><?xml version="1.0" encoding="utf-8"?>
-<p:sldLayout xmlns:a="http://schemas.openxmlformats.org/drawingml/2006/main" xmlns:r="http://schemas.openxmlformats.org/officeDocument/2006/relationships" xmlns:p="http://schemas.openxmlformats.org/presentationml/2006/main" type="tx" showMasterSp="1" showMasterPhAnim="1">
+<p:sldLayout xmlns:a="http://schemas.openxmlformats.org/drawingml/2006/main" xmlns:r="http://schemas.openxmlformats.org/officeDocument/2006/relationships" xmlns:p="http://schemas.openxmlformats.org/presentationml/2006/main" type="tx">
   <p:cSld name="标题 - 顶部对齐">
     <p:spTree>
       <p:nvGrpSpPr>
@@ -1436,7 +1422,7 @@
           <p:cNvPr id="48" name="Shape 48"/>
           <p:cNvSpPr/>
           <p:nvPr>
-            <p:ph type="title"/>
+            <p:ph type="title" hasCustomPrompt="1"/>
           </p:nvPr>
         </p:nvSpPr>
         <p:spPr>
@@ -1448,7 +1434,6 @@
           <a:bodyPr/>
           <a:lstStyle/>
           <a:p>
-            <a:pPr/>
             <a:r>
               <a:t>标题文本</a:t>
             </a:r>
@@ -1472,8 +1457,10 @@
           <a:bodyPr/>
           <a:lstStyle/>
           <a:p>
-            <a:pPr/>
-            <a:fld id="{86CB4B4D-7CA3-9044-876B-883B54F8677D}" type="slidenum"/>
+            <a:fld id="{86CB4B4D-7CA3-9044-876B-883B54F8677D}" type="slidenum">
+              <a:rPr/>
+            </a:fld>
+            <a:endParaRPr/>
           </a:p>
         </p:txBody>
       </p:sp>
@@ -1482,12 +1469,12 @@
   <p:clrMapOvr>
     <a:masterClrMapping/>
   </p:clrMapOvr>
-  <p:transition xmlns:p14="http://schemas.microsoft.com/office/powerpoint/2010/main" spd="med" advClick="1"/>
+  <p:transition spd="med"/>
 </p:sldLayout>
 </file>
 
 <file path=ppt/slideLayouts/slideLayout6.xml><?xml version="1.0" encoding="utf-8"?>
-<p:sldLayout xmlns:a="http://schemas.openxmlformats.org/drawingml/2006/main" xmlns:r="http://schemas.openxmlformats.org/officeDocument/2006/relationships" xmlns:p="http://schemas.openxmlformats.org/presentationml/2006/main" type="tx" showMasterSp="1" showMasterPhAnim="1">
+<p:sldLayout xmlns:a="http://schemas.openxmlformats.org/drawingml/2006/main" xmlns:r="http://schemas.openxmlformats.org/officeDocument/2006/relationships" xmlns:p="http://schemas.openxmlformats.org/presentationml/2006/main" type="tx">
   <p:cSld name="标题与项目符号">
     <p:spTree>
       <p:nvGrpSpPr>
@@ -1508,7 +1495,7 @@
           <p:cNvPr id="56" name="Shape 56"/>
           <p:cNvSpPr/>
           <p:nvPr>
-            <p:ph type="title"/>
+            <p:ph type="title" hasCustomPrompt="1"/>
           </p:nvPr>
         </p:nvSpPr>
         <p:spPr>
@@ -1520,7 +1507,6 @@
           <a:bodyPr/>
           <a:lstStyle/>
           <a:p>
-            <a:pPr/>
             <a:r>
               <a:t>标题文本</a:t>
             </a:r>
@@ -1532,7 +1518,7 @@
           <p:cNvPr id="57" name="Shape 57"/>
           <p:cNvSpPr/>
           <p:nvPr>
-            <p:ph type="body" idx="1"/>
+            <p:ph type="body" idx="1" hasCustomPrompt="1"/>
           </p:nvPr>
         </p:nvSpPr>
         <p:spPr>
@@ -1544,7 +1530,6 @@
           <a:bodyPr/>
           <a:lstStyle/>
           <a:p>
-            <a:pPr/>
             <a:r>
               <a:t>正文级别 1</a:t>
             </a:r>
@@ -1592,8 +1577,10 @@
           <a:bodyPr/>
           <a:lstStyle/>
           <a:p>
-            <a:pPr/>
-            <a:fld id="{86CB4B4D-7CA3-9044-876B-883B54F8677D}" type="slidenum"/>
+            <a:fld id="{86CB4B4D-7CA3-9044-876B-883B54F8677D}" type="slidenum">
+              <a:rPr/>
+            </a:fld>
+            <a:endParaRPr/>
           </a:p>
         </p:txBody>
       </p:sp>
@@ -1602,12 +1589,12 @@
   <p:clrMapOvr>
     <a:masterClrMapping/>
   </p:clrMapOvr>
-  <p:transition xmlns:p14="http://schemas.microsoft.com/office/powerpoint/2010/main" spd="med" advClick="1"/>
+  <p:transition spd="med"/>
 </p:sldLayout>
 </file>
 
 <file path=ppt/slideLayouts/slideLayout7.xml><?xml version="1.0" encoding="utf-8"?>
-<p:sldLayout xmlns:a="http://schemas.openxmlformats.org/drawingml/2006/main" xmlns:r="http://schemas.openxmlformats.org/officeDocument/2006/relationships" xmlns:p="http://schemas.openxmlformats.org/presentationml/2006/main" type="tx" showMasterSp="1" showMasterPhAnim="1">
+<p:sldLayout xmlns:a="http://schemas.openxmlformats.org/drawingml/2006/main" xmlns:r="http://schemas.openxmlformats.org/officeDocument/2006/relationships" xmlns:p="http://schemas.openxmlformats.org/presentationml/2006/main" type="tx">
   <p:cSld name="标题、项目符号与照片">
     <p:spTree>
       <p:nvGrpSpPr>
@@ -1645,9 +1632,7 @@
             <a:noAutofit/>
           </a:bodyPr>
           <a:lstStyle/>
-          <a:p>
-            <a:pPr/>
-          </a:p>
+          <a:p/>
         </p:txBody>
       </p:sp>
       <p:sp>
@@ -1655,7 +1640,7 @@
           <p:cNvPr id="66" name="Shape 66"/>
           <p:cNvSpPr/>
           <p:nvPr>
-            <p:ph type="title"/>
+            <p:ph type="title" hasCustomPrompt="1"/>
           </p:nvPr>
         </p:nvSpPr>
         <p:spPr>
@@ -1667,7 +1652,6 @@
           <a:bodyPr/>
           <a:lstStyle/>
           <a:p>
-            <a:pPr/>
             <a:r>
               <a:t>标题文本</a:t>
             </a:r>
@@ -1679,7 +1663,7 @@
           <p:cNvPr id="67" name="Shape 67"/>
           <p:cNvSpPr/>
           <p:nvPr>
-            <p:ph type="body" sz="half" idx="1"/>
+            <p:ph type="body" sz="half" idx="1" hasCustomPrompt="1"/>
           </p:nvPr>
         </p:nvSpPr>
         <p:spPr>
@@ -1726,7 +1710,6 @@
             </a:lvl5pPr>
           </a:lstStyle>
           <a:p>
-            <a:pPr/>
             <a:r>
               <a:t>正文级别 1</a:t>
             </a:r>
@@ -1774,8 +1757,10 @@
           <a:bodyPr/>
           <a:lstStyle/>
           <a:p>
-            <a:pPr/>
-            <a:fld id="{86CB4B4D-7CA3-9044-876B-883B54F8677D}" type="slidenum"/>
+            <a:fld id="{86CB4B4D-7CA3-9044-876B-883B54F8677D}" type="slidenum">
+              <a:rPr/>
+            </a:fld>
+            <a:endParaRPr/>
           </a:p>
         </p:txBody>
       </p:sp>
@@ -1784,12 +1769,12 @@
   <p:clrMapOvr>
     <a:masterClrMapping/>
   </p:clrMapOvr>
-  <p:transition xmlns:p14="http://schemas.microsoft.com/office/powerpoint/2010/main" spd="med" advClick="1"/>
+  <p:transition spd="med"/>
 </p:sldLayout>
 </file>
 
 <file path=ppt/slideLayouts/slideLayout8.xml><?xml version="1.0" encoding="utf-8"?>
-<p:sldLayout xmlns:a="http://schemas.openxmlformats.org/drawingml/2006/main" xmlns:r="http://schemas.openxmlformats.org/officeDocument/2006/relationships" xmlns:p="http://schemas.openxmlformats.org/presentationml/2006/main" type="tx" showMasterSp="1" showMasterPhAnim="1">
+<p:sldLayout xmlns:a="http://schemas.openxmlformats.org/drawingml/2006/main" xmlns:r="http://schemas.openxmlformats.org/officeDocument/2006/relationships" xmlns:p="http://schemas.openxmlformats.org/presentationml/2006/main" type="tx">
   <p:cSld name="项目符号">
     <p:spTree>
       <p:nvGrpSpPr>
@@ -1810,7 +1795,7 @@
           <p:cNvPr id="75" name="Shape 75"/>
           <p:cNvSpPr/>
           <p:nvPr>
-            <p:ph type="body" idx="1"/>
+            <p:ph type="body" idx="1" hasCustomPrompt="1"/>
           </p:nvPr>
         </p:nvSpPr>
         <p:spPr>
@@ -1826,7 +1811,6 @@
           <a:bodyPr/>
           <a:lstStyle/>
           <a:p>
-            <a:pPr/>
             <a:r>
               <a:t>正文级别 1</a:t>
             </a:r>
@@ -1874,8 +1858,10 @@
           <a:bodyPr/>
           <a:lstStyle/>
           <a:p>
-            <a:pPr/>
-            <a:fld id="{86CB4B4D-7CA3-9044-876B-883B54F8677D}" type="slidenum"/>
+            <a:fld id="{86CB4B4D-7CA3-9044-876B-883B54F8677D}" type="slidenum">
+              <a:rPr/>
+            </a:fld>
+            <a:endParaRPr/>
           </a:p>
         </p:txBody>
       </p:sp>
@@ -1884,12 +1870,12 @@
   <p:clrMapOvr>
     <a:masterClrMapping/>
   </p:clrMapOvr>
-  <p:transition xmlns:p14="http://schemas.microsoft.com/office/powerpoint/2010/main" spd="med" advClick="1"/>
+  <p:transition spd="med"/>
 </p:sldLayout>
 </file>
 
 <file path=ppt/slideLayouts/slideLayout9.xml><?xml version="1.0" encoding="utf-8"?>
-<p:sldLayout xmlns:a="http://schemas.openxmlformats.org/drawingml/2006/main" xmlns:r="http://schemas.openxmlformats.org/officeDocument/2006/relationships" xmlns:p="http://schemas.openxmlformats.org/presentationml/2006/main" type="tx" showMasterSp="1" showMasterPhAnim="1">
+<p:sldLayout xmlns:a="http://schemas.openxmlformats.org/drawingml/2006/main" xmlns:r="http://schemas.openxmlformats.org/officeDocument/2006/relationships" xmlns:p="http://schemas.openxmlformats.org/presentationml/2006/main" type="tx">
   <p:cSld name="照片 - 3 联">
     <p:spTree>
       <p:nvGrpSpPr>
@@ -1927,9 +1913,7 @@
             <a:noAutofit/>
           </a:bodyPr>
           <a:lstStyle/>
-          <a:p>
-            <a:pPr/>
-          </a:p>
+          <a:p/>
         </p:txBody>
       </p:sp>
       <p:sp>
@@ -1954,9 +1938,7 @@
             <a:noAutofit/>
           </a:bodyPr>
           <a:lstStyle/>
-          <a:p>
-            <a:pPr/>
-          </a:p>
+          <a:p/>
         </p:txBody>
       </p:sp>
       <p:sp>
@@ -1981,9 +1963,7 @@
             <a:noAutofit/>
           </a:bodyPr>
           <a:lstStyle/>
-          <a:p>
-            <a:pPr/>
-          </a:p>
+          <a:p/>
         </p:txBody>
       </p:sp>
       <p:sp>
@@ -2003,8 +1983,10 @@
           <a:bodyPr/>
           <a:lstStyle/>
           <a:p>
-            <a:pPr/>
-            <a:fld id="{86CB4B4D-7CA3-9044-876B-883B54F8677D}" type="slidenum"/>
+            <a:fld id="{86CB4B4D-7CA3-9044-876B-883B54F8677D}" type="slidenum">
+              <a:rPr/>
+            </a:fld>
+            <a:endParaRPr/>
           </a:p>
         </p:txBody>
       </p:sp>
@@ -2013,7 +1995,7 @@
   <p:clrMapOvr>
     <a:masterClrMapping/>
   </p:clrMapOvr>
-  <p:transition xmlns:p14="http://schemas.microsoft.com/office/powerpoint/2010/main" spd="med" advClick="1"/>
+  <p:transition spd="med"/>
 </p:sldLayout>
 </file>
 
@@ -2025,6 +2007,7 @@
         <a:solidFill>
           <a:srgbClr val="FFFFFF"/>
         </a:solidFill>
+        <a:effectLst/>
       </p:bgPr>
     </p:bg>
     <p:spTree>
@@ -2060,19 +2043,13 @@
           <a:ln w="12700">
             <a:miter lim="400000"/>
           </a:ln>
-          <a:extLst>
-            <a:ext uri="{C572A759-6A51-4108-AA02-DFA0A04FC94B}">
-              <ma14:wrappingTextBoxFlag xmlns:ma14="http://schemas.microsoft.com/office/mac/drawingml/2011/main" val="1"/>
-            </a:ext>
-          </a:extLst>
         </p:spPr>
         <p:txBody>
           <a:bodyPr lIns="50800" tIns="50800" rIns="50800" bIns="50800" anchor="ctr">
-            <a:normAutofit fontScale="100000" lnSpcReduction="0"/>
+            <a:normAutofit/>
           </a:bodyPr>
           <a:lstStyle/>
           <a:p>
-            <a:pPr/>
             <a:r>
               <a:t>标题文本</a:t>
             </a:r>
@@ -2098,19 +2075,13 @@
           <a:ln w="12700">
             <a:miter lim="400000"/>
           </a:ln>
-          <a:extLst>
-            <a:ext uri="{C572A759-6A51-4108-AA02-DFA0A04FC94B}">
-              <ma14:wrappingTextBoxFlag xmlns:ma14="http://schemas.microsoft.com/office/mac/drawingml/2011/main" val="1"/>
-            </a:ext>
-          </a:extLst>
         </p:spPr>
         <p:txBody>
           <a:bodyPr lIns="50800" tIns="50800" rIns="50800" bIns="50800" anchor="ctr">
-            <a:normAutofit fontScale="100000" lnSpcReduction="0"/>
+            <a:normAutofit/>
           </a:bodyPr>
           <a:lstStyle/>
           <a:p>
-            <a:pPr/>
             <a:r>
               <a:t>正文级别 1</a:t>
             </a:r>
@@ -2171,8 +2142,10 @@
             </a:lvl1pPr>
           </a:lstStyle>
           <a:p>
-            <a:pPr/>
-            <a:fld id="{86CB4B4D-7CA3-9044-876B-883B54F8677D}" type="slidenum"/>
+            <a:fld id="{86CB4B4D-7CA3-9044-876B-883B54F8677D}" type="slidenum">
+              <a:rPr/>
+            </a:fld>
+            <a:endParaRPr/>
           </a:p>
         </p:txBody>
       </p:sp>
@@ -2180,20 +2153,20 @@
   </p:cSld>
   <p:clrMap bg1="lt1" tx1="dk1" bg2="lt2" tx2="dk2" accent1="accent1" accent2="accent2" accent3="accent3" accent4="accent4" accent5="accent5" accent6="accent6" hlink="hlink" folHlink="folHlink"/>
   <p:sldLayoutIdLst>
-    <p:sldLayoutId id="2147483649" r:id="rId2"/>
-    <p:sldLayoutId id="2147483650" r:id="rId3"/>
-    <p:sldLayoutId id="2147483651" r:id="rId4"/>
-    <p:sldLayoutId id="2147483652" r:id="rId5"/>
-    <p:sldLayoutId id="2147483653" r:id="rId6"/>
-    <p:sldLayoutId id="2147483654" r:id="rId7"/>
-    <p:sldLayoutId id="2147483655" r:id="rId8"/>
-    <p:sldLayoutId id="2147483656" r:id="rId9"/>
-    <p:sldLayoutId id="2147483657" r:id="rId10"/>
-    <p:sldLayoutId id="2147483658" r:id="rId11"/>
-    <p:sldLayoutId id="2147483659" r:id="rId12"/>
-    <p:sldLayoutId id="2147483660" r:id="rId13"/>
+    <p:sldLayoutId id="2147483649" r:id="rId1"/>
+    <p:sldLayoutId id="2147483650" r:id="rId2"/>
+    <p:sldLayoutId id="2147483651" r:id="rId3"/>
+    <p:sldLayoutId id="2147483652" r:id="rId4"/>
+    <p:sldLayoutId id="2147483653" r:id="rId5"/>
+    <p:sldLayoutId id="2147483654" r:id="rId6"/>
+    <p:sldLayoutId id="2147483655" r:id="rId7"/>
+    <p:sldLayoutId id="2147483656" r:id="rId8"/>
+    <p:sldLayoutId id="2147483657" r:id="rId9"/>
+    <p:sldLayoutId id="2147483658" r:id="rId10"/>
+    <p:sldLayoutId id="2147483659" r:id="rId11"/>
+    <p:sldLayoutId id="2147483660" r:id="rId12"/>
   </p:sldLayoutIdLst>
-  <p:transition xmlns:p14="http://schemas.microsoft.com/office/powerpoint/2010/main" spd="med" advClick="1"/>
+  <p:transition spd="med"/>
   <p:txStyles>
     <p:titleStyle>
       <a:lvl1pPr marL="0" marR="0" indent="0" algn="ctr" defTabSz="825500" rtl="0" latinLnBrk="0">
@@ -2210,8 +2183,7 @@
         <a:buSzTx/>
         <a:buFontTx/>
         <a:buNone/>
-        <a:tabLst/>
-        <a:defRPr b="0" baseline="0" cap="none" i="0" spc="0" strike="noStrike" sz="11200" u="none">
+        <a:defRPr sz="11200" b="0" i="0" u="none" strike="noStrike" cap="none" spc="0" baseline="0">
           <a:ln>
             <a:noFill/>
           </a:ln>
@@ -2239,8 +2211,7 @@
         <a:buSzTx/>
         <a:buFontTx/>
         <a:buNone/>
-        <a:tabLst/>
-        <a:defRPr b="0" baseline="0" cap="none" i="0" spc="0" strike="noStrike" sz="11200" u="none">
+        <a:defRPr sz="11200" b="0" i="0" u="none" strike="noStrike" cap="none" spc="0" baseline="0">
           <a:ln>
             <a:noFill/>
           </a:ln>
@@ -2268,8 +2239,7 @@
         <a:buSzTx/>
         <a:buFontTx/>
         <a:buNone/>
-        <a:tabLst/>
-        <a:defRPr b="0" baseline="0" cap="none" i="0" spc="0" strike="noStrike" sz="11200" u="none">
+        <a:defRPr sz="11200" b="0" i="0" u="none" strike="noStrike" cap="none" spc="0" baseline="0">
           <a:ln>
             <a:noFill/>
           </a:ln>
@@ -2297,8 +2267,7 @@
         <a:buSzTx/>
         <a:buFontTx/>
         <a:buNone/>
-        <a:tabLst/>
-        <a:defRPr b="0" baseline="0" cap="none" i="0" spc="0" strike="noStrike" sz="11200" u="none">
+        <a:defRPr sz="11200" b="0" i="0" u="none" strike="noStrike" cap="none" spc="0" baseline="0">
           <a:ln>
             <a:noFill/>
           </a:ln>
@@ -2326,8 +2295,7 @@
         <a:buSzTx/>
         <a:buFontTx/>
         <a:buNone/>
-        <a:tabLst/>
-        <a:defRPr b="0" baseline="0" cap="none" i="0" spc="0" strike="noStrike" sz="11200" u="none">
+        <a:defRPr sz="11200" b="0" i="0" u="none" strike="noStrike" cap="none" spc="0" baseline="0">
           <a:ln>
             <a:noFill/>
           </a:ln>
@@ -2355,8 +2323,7 @@
         <a:buSzTx/>
         <a:buFontTx/>
         <a:buNone/>
-        <a:tabLst/>
-        <a:defRPr b="0" baseline="0" cap="none" i="0" spc="0" strike="noStrike" sz="11200" u="none">
+        <a:defRPr sz="11200" b="0" i="0" u="none" strike="noStrike" cap="none" spc="0" baseline="0">
           <a:ln>
             <a:noFill/>
           </a:ln>
@@ -2384,8 +2351,7 @@
         <a:buSzTx/>
         <a:buFontTx/>
         <a:buNone/>
-        <a:tabLst/>
-        <a:defRPr b="0" baseline="0" cap="none" i="0" spc="0" strike="noStrike" sz="11200" u="none">
+        <a:defRPr sz="11200" b="0" i="0" u="none" strike="noStrike" cap="none" spc="0" baseline="0">
           <a:ln>
             <a:noFill/>
           </a:ln>
@@ -2413,8 +2379,7 @@
         <a:buSzTx/>
         <a:buFontTx/>
         <a:buNone/>
-        <a:tabLst/>
-        <a:defRPr b="0" baseline="0" cap="none" i="0" spc="0" strike="noStrike" sz="11200" u="none">
+        <a:defRPr sz="11200" b="0" i="0" u="none" strike="noStrike" cap="none" spc="0" baseline="0">
           <a:ln>
             <a:noFill/>
           </a:ln>
@@ -2442,8 +2407,7 @@
         <a:buSzTx/>
         <a:buFontTx/>
         <a:buNone/>
-        <a:tabLst/>
-        <a:defRPr b="0" baseline="0" cap="none" i="0" spc="0" strike="noStrike" sz="11200" u="none">
+        <a:defRPr sz="11200" b="0" i="0" u="none" strike="noStrike" cap="none" spc="0" baseline="0">
           <a:ln>
             <a:noFill/>
           </a:ln>
@@ -2473,8 +2437,7 @@
         <a:buSzPct val="75000"/>
         <a:buFontTx/>
         <a:buChar char="•"/>
-        <a:tabLst/>
-        <a:defRPr b="0" baseline="0" cap="none" i="0" spc="0" strike="noStrike" sz="5200" u="none">
+        <a:defRPr sz="5200" b="0" i="0" u="none" strike="noStrike" cap="none" spc="0" baseline="0">
           <a:ln>
             <a:noFill/>
           </a:ln>
@@ -2502,8 +2465,7 @@
         <a:buSzPct val="75000"/>
         <a:buFontTx/>
         <a:buChar char="•"/>
-        <a:tabLst/>
-        <a:defRPr b="0" baseline="0" cap="none" i="0" spc="0" strike="noStrike" sz="5200" u="none">
+        <a:defRPr sz="5200" b="0" i="0" u="none" strike="noStrike" cap="none" spc="0" baseline="0">
           <a:ln>
             <a:noFill/>
           </a:ln>
@@ -2531,8 +2493,7 @@
         <a:buSzPct val="75000"/>
         <a:buFontTx/>
         <a:buChar char="•"/>
-        <a:tabLst/>
-        <a:defRPr b="0" baseline="0" cap="none" i="0" spc="0" strike="noStrike" sz="5200" u="none">
+        <a:defRPr sz="5200" b="0" i="0" u="none" strike="noStrike" cap="none" spc="0" baseline="0">
           <a:ln>
             <a:noFill/>
           </a:ln>
@@ -2560,8 +2521,7 @@
         <a:buSzPct val="75000"/>
         <a:buFontTx/>
         <a:buChar char="•"/>
-        <a:tabLst/>
-        <a:defRPr b="0" baseline="0" cap="none" i="0" spc="0" strike="noStrike" sz="5200" u="none">
+        <a:defRPr sz="5200" b="0" i="0" u="none" strike="noStrike" cap="none" spc="0" baseline="0">
           <a:ln>
             <a:noFill/>
           </a:ln>
@@ -2589,8 +2549,7 @@
         <a:buSzPct val="75000"/>
         <a:buFontTx/>
         <a:buChar char="•"/>
-        <a:tabLst/>
-        <a:defRPr b="0" baseline="0" cap="none" i="0" spc="0" strike="noStrike" sz="5200" u="none">
+        <a:defRPr sz="5200" b="0" i="0" u="none" strike="noStrike" cap="none" spc="0" baseline="0">
           <a:ln>
             <a:noFill/>
           </a:ln>
@@ -2618,8 +2577,7 @@
         <a:buSzPct val="75000"/>
         <a:buFontTx/>
         <a:buChar char="•"/>
-        <a:tabLst/>
-        <a:defRPr b="0" baseline="0" cap="none" i="0" spc="0" strike="noStrike" sz="5200" u="none">
+        <a:defRPr sz="5200" b="0" i="0" u="none" strike="noStrike" cap="none" spc="0" baseline="0">
           <a:ln>
             <a:noFill/>
           </a:ln>
@@ -2647,8 +2605,7 @@
         <a:buSzPct val="75000"/>
         <a:buFontTx/>
         <a:buChar char="•"/>
-        <a:tabLst/>
-        <a:defRPr b="0" baseline="0" cap="none" i="0" spc="0" strike="noStrike" sz="5200" u="none">
+        <a:defRPr sz="5200" b="0" i="0" u="none" strike="noStrike" cap="none" spc="0" baseline="0">
           <a:ln>
             <a:noFill/>
           </a:ln>
@@ -2676,8 +2633,7 @@
         <a:buSzPct val="75000"/>
         <a:buFontTx/>
         <a:buChar char="•"/>
-        <a:tabLst/>
-        <a:defRPr b="0" baseline="0" cap="none" i="0" spc="0" strike="noStrike" sz="5200" u="none">
+        <a:defRPr sz="5200" b="0" i="0" u="none" strike="noStrike" cap="none" spc="0" baseline="0">
           <a:ln>
             <a:noFill/>
           </a:ln>
@@ -2705,8 +2661,7 @@
         <a:buSzPct val="75000"/>
         <a:buFontTx/>
         <a:buChar char="•"/>
-        <a:tabLst/>
-        <a:defRPr b="0" baseline="0" cap="none" i="0" spc="0" strike="noStrike" sz="5200" u="none">
+        <a:defRPr sz="5200" b="0" i="0" u="none" strike="noStrike" cap="none" spc="0" baseline="0">
           <a:ln>
             <a:noFill/>
           </a:ln>
@@ -2736,8 +2691,7 @@
         <a:buSzTx/>
         <a:buFontTx/>
         <a:buNone/>
-        <a:tabLst/>
-        <a:defRPr b="0" baseline="0" cap="none" i="0" spc="0" strike="noStrike" sz="2400" u="none">
+        <a:defRPr sz="2400" b="0" i="0" u="none" strike="noStrike" cap="none" spc="0" baseline="0">
           <a:ln>
             <a:noFill/>
           </a:ln>
@@ -2765,8 +2719,7 @@
         <a:buSzTx/>
         <a:buFontTx/>
         <a:buNone/>
-        <a:tabLst/>
-        <a:defRPr b="0" baseline="0" cap="none" i="0" spc="0" strike="noStrike" sz="2400" u="none">
+        <a:defRPr sz="2400" b="0" i="0" u="none" strike="noStrike" cap="none" spc="0" baseline="0">
           <a:ln>
             <a:noFill/>
           </a:ln>
@@ -2794,8 +2747,7 @@
         <a:buSzTx/>
         <a:buFontTx/>
         <a:buNone/>
-        <a:tabLst/>
-        <a:defRPr b="0" baseline="0" cap="none" i="0" spc="0" strike="noStrike" sz="2400" u="none">
+        <a:defRPr sz="2400" b="0" i="0" u="none" strike="noStrike" cap="none" spc="0" baseline="0">
           <a:ln>
             <a:noFill/>
           </a:ln>
@@ -2823,8 +2775,7 @@
         <a:buSzTx/>
         <a:buFontTx/>
         <a:buNone/>
-        <a:tabLst/>
-        <a:defRPr b="0" baseline="0" cap="none" i="0" spc="0" strike="noStrike" sz="2400" u="none">
+        <a:defRPr sz="2400" b="0" i="0" u="none" strike="noStrike" cap="none" spc="0" baseline="0">
           <a:ln>
             <a:noFill/>
           </a:ln>
@@ -2852,8 +2803,7 @@
         <a:buSzTx/>
         <a:buFontTx/>
         <a:buNone/>
-        <a:tabLst/>
-        <a:defRPr b="0" baseline="0" cap="none" i="0" spc="0" strike="noStrike" sz="2400" u="none">
+        <a:defRPr sz="2400" b="0" i="0" u="none" strike="noStrike" cap="none" spc="0" baseline="0">
           <a:ln>
             <a:noFill/>
           </a:ln>
@@ -2881,8 +2831,7 @@
         <a:buSzTx/>
         <a:buFontTx/>
         <a:buNone/>
-        <a:tabLst/>
-        <a:defRPr b="0" baseline="0" cap="none" i="0" spc="0" strike="noStrike" sz="2400" u="none">
+        <a:defRPr sz="2400" b="0" i="0" u="none" strike="noStrike" cap="none" spc="0" baseline="0">
           <a:ln>
             <a:noFill/>
           </a:ln>
@@ -2910,8 +2859,7 @@
         <a:buSzTx/>
         <a:buFontTx/>
         <a:buNone/>
-        <a:tabLst/>
-        <a:defRPr b="0" baseline="0" cap="none" i="0" spc="0" strike="noStrike" sz="2400" u="none">
+        <a:defRPr sz="2400" b="0" i="0" u="none" strike="noStrike" cap="none" spc="0" baseline="0">
           <a:ln>
             <a:noFill/>
           </a:ln>
@@ -2939,8 +2887,7 @@
         <a:buSzTx/>
         <a:buFontTx/>
         <a:buNone/>
-        <a:tabLst/>
-        <a:defRPr b="0" baseline="0" cap="none" i="0" spc="0" strike="noStrike" sz="2400" u="none">
+        <a:defRPr sz="2400" b="0" i="0" u="none" strike="noStrike" cap="none" spc="0" baseline="0">
           <a:ln>
             <a:noFill/>
           </a:ln>
@@ -2968,8 +2915,7 @@
         <a:buSzTx/>
         <a:buFontTx/>
         <a:buNone/>
-        <a:tabLst/>
-        <a:defRPr b="0" baseline="0" cap="none" i="0" spc="0" strike="noStrike" sz="2400" u="none">
+        <a:defRPr sz="2400" b="0" i="0" u="none" strike="noStrike" cap="none" spc="0" baseline="0">
           <a:ln>
             <a:noFill/>
           </a:ln>
@@ -2989,7 +2935,7 @@
 </file>
 
 <file path=ppt/slides/slide1.xml><?xml version="1.0" encoding="utf-8"?>
-<p:sld xmlns:a="http://schemas.openxmlformats.org/drawingml/2006/main" xmlns:r="http://schemas.openxmlformats.org/officeDocument/2006/relationships" xmlns:p="http://schemas.openxmlformats.org/presentationml/2006/main" showMasterSp="1" showMasterPhAnim="1">
+<p:sld xmlns:a="http://schemas.openxmlformats.org/drawingml/2006/main" xmlns:r="http://schemas.openxmlformats.org/officeDocument/2006/relationships" xmlns:p="http://schemas.openxmlformats.org/presentationml/2006/main">
   <p:cSld>
     <p:spTree>
       <p:nvGrpSpPr>
@@ -3022,91 +2968,20 @@
           <a:bodyPr/>
           <a:lstStyle/>
           <a:p>
-            <a:pPr/>
             <a:r>
               <a:t>庖丁解牛Linux内核分析</a:t>
             </a:r>
           </a:p>
           <a:p>
-            <a:pPr/>
             <a:r>
               <a:t>源码阅读、编译调试和启动过程</a:t>
             </a:r>
           </a:p>
         </p:txBody>
       </p:sp>
-      <p:pic>
-        <p:nvPicPr>
-          <p:cNvPr id="120" name="pasted-image.png"/>
-          <p:cNvPicPr>
-            <a:picLocks noChangeAspect="1"/>
-          </p:cNvPicPr>
-          <p:nvPr/>
-        </p:nvPicPr>
-        <p:blipFill>
-          <a:blip r:embed="rId2">
-            <a:extLst/>
-          </a:blip>
-          <a:stretch>
-            <a:fillRect/>
-          </a:stretch>
-        </p:blipFill>
-        <p:spPr>
-          <a:xfrm>
-            <a:off x="19086777" y="9340198"/>
-            <a:ext cx="3604906" cy="3604905"/>
-          </a:xfrm>
-          <a:prstGeom prst="rect">
-            <a:avLst/>
-          </a:prstGeom>
-          <a:ln w="12700">
-            <a:miter lim="400000"/>
-          </a:ln>
-        </p:spPr>
-      </p:pic>
-      <p:sp>
-        <p:nvSpPr>
-          <p:cNvPr id="121" name="Shape 121"/>
-          <p:cNvSpPr/>
-          <p:nvPr/>
-        </p:nvSpPr>
-        <p:spPr>
-          <a:xfrm>
-            <a:off x="20070080" y="12798845"/>
-            <a:ext cx="1638301" cy="635001"/>
-          </a:xfrm>
-          <a:prstGeom prst="rect">
-            <a:avLst/>
-          </a:prstGeom>
-          <a:ln w="12700">
-            <a:miter lim="400000"/>
-          </a:ln>
-          <a:extLst>
-            <a:ext uri="{C572A759-6A51-4108-AA02-DFA0A04FC94B}">
-              <ma14:wrappingTextBoxFlag xmlns:ma14="http://schemas.microsoft.com/office/mac/drawingml/2011/main" val="1"/>
-            </a:ext>
-          </a:extLst>
-        </p:spPr>
-        <p:txBody>
-          <a:bodyPr wrap="none" lIns="50800" tIns="50800" rIns="50800" bIns="50800" anchor="ctr">
-            <a:spAutoFit/>
-          </a:bodyPr>
-          <a:lstStyle>
-            <a:lvl1pPr>
-              <a:defRPr sz="3000"/>
-            </a:lvl1pPr>
-          </a:lstStyle>
-          <a:p>
-            <a:pPr/>
-            <a:r>
-              <a:t>关注孟宁</a:t>
-            </a:r>
-          </a:p>
-        </p:txBody>
-      </p:sp>
-      <p:sp>
-        <p:nvSpPr>
-          <p:cNvPr id="122" name="Shape 122"/>
+      <p:sp>
+        <p:nvSpPr>
+          <p:cNvPr id="158" name="Shape 158"/>
           <p:cNvSpPr/>
           <p:nvPr/>
         </p:nvSpPr>
@@ -3121,15 +2996,10 @@
           <a:ln w="12700">
             <a:miter lim="400000"/>
           </a:ln>
-          <a:extLst>
-            <a:ext uri="{C572A759-6A51-4108-AA02-DFA0A04FC94B}">
-              <ma14:wrappingTextBoxFlag xmlns:ma14="http://schemas.microsoft.com/office/mac/drawingml/2011/main" val="1"/>
-            </a:ext>
-          </a:extLst>
         </p:spPr>
         <p:txBody>
           <a:bodyPr lIns="50800" tIns="50800" rIns="50800" bIns="50800">
-            <a:normAutofit fontScale="100000" lnSpcReduction="0"/>
+            <a:normAutofit/>
           </a:bodyPr>
           <a:lstStyle>
             <a:lvl1pPr>
@@ -3137,53 +3007,40 @@
             </a:lvl1pPr>
           </a:lstStyle>
           <a:p>
-            <a:pPr/>
-            <a:r>
+            <a:r>
+              <a:rPr>
+                <a:sym typeface="+mn-ea"/>
+              </a:rPr>
               <a:t>孟宁</a:t>
             </a:r>
-          </a:p>
-        </p:txBody>
-      </p:sp>
-      <p:pic>
-        <p:nvPicPr>
-          <p:cNvPr id="123" name="pasted-image.png"/>
-          <p:cNvPicPr>
-            <a:picLocks noChangeAspect="1"/>
-          </p:cNvPicPr>
-          <p:nvPr/>
-        </p:nvPicPr>
-        <p:blipFill>
-          <a:blip r:embed="rId3">
-            <a:extLst/>
-          </a:blip>
-          <a:stretch>
-            <a:fillRect/>
-          </a:stretch>
-        </p:blipFill>
-        <p:spPr>
-          <a:xfrm>
-            <a:off x="18982463" y="8889223"/>
-            <a:ext cx="4506855" cy="4506856"/>
-          </a:xfrm>
-          <a:prstGeom prst="rect">
-            <a:avLst/>
-          </a:prstGeom>
-          <a:ln w="12700">
-            <a:miter lim="400000"/>
-          </a:ln>
-        </p:spPr>
-      </p:pic>
+            <a:endParaRPr>
+              <a:sym typeface="+mn-ea"/>
+            </a:endParaRPr>
+          </a:p>
+          <a:p>
+            <a:r>
+              <a:rPr lang="en-US" altLang="zh-CN">
+                <a:sym typeface="+mn-ea"/>
+              </a:rPr>
+              <a:t>mengning@ustc.edu.cn</a:t>
+            </a:r>
+            <a:endParaRPr lang="en-US" altLang="zh-CN">
+              <a:sym typeface="+mn-ea"/>
+            </a:endParaRPr>
+          </a:p>
+        </p:txBody>
+      </p:sp>
     </p:spTree>
   </p:cSld>
   <p:clrMapOvr>
     <a:masterClrMapping/>
   </p:clrMapOvr>
-  <p:transition xmlns:p14="http://schemas.microsoft.com/office/powerpoint/2010/main" spd="med" advClick="1"/>
+  <p:transition spd="med"/>
 </p:sld>
 </file>
 
 <file path=ppt/slides/slide10.xml><?xml version="1.0" encoding="utf-8"?>
-<p:sld xmlns:a="http://schemas.openxmlformats.org/drawingml/2006/main" xmlns:r="http://schemas.openxmlformats.org/officeDocument/2006/relationships" xmlns:p="http://schemas.openxmlformats.org/presentationml/2006/main" showMasterSp="1" showMasterPhAnim="1">
+<p:sld xmlns:a="http://schemas.openxmlformats.org/drawingml/2006/main" xmlns:r="http://schemas.openxmlformats.org/officeDocument/2006/relationships" xmlns:p="http://schemas.openxmlformats.org/presentationml/2006/main">
   <p:cSld>
     <p:spTree>
       <p:nvGrpSpPr>
@@ -3216,7 +3073,6 @@
           <a:bodyPr/>
           <a:lstStyle/>
           <a:p>
-            <a:pPr/>
             <a:r>
               <a:t>用VSCode阅读Linux内核源代码</a:t>
             </a:r>
@@ -3240,44 +3096,44 @@
           <a:bodyPr/>
           <a:lstStyle/>
           <a:p>
-            <a:pPr marL="520700" indent="-520700" defTabSz="676909">
+            <a:pPr marL="520700" indent="-520700" defTabSz="676910">
               <a:spcBef>
                 <a:spcPts val="4800"/>
               </a:spcBef>
-              <a:defRPr sz="4264"/>
+              <a:defRPr sz="4265"/>
             </a:pPr>
             <a:r>
               <a:t>Visual Studio Code（以下简称 VSCode）近年来获得了爆炸式增长，成为广大开发者工具库中的必备神器。VSCode 是一个轻量且强大的代码编辑器，支持 Windows，macOS X 和 Linux。内置 JavaScript、TypeScript 和 Node.js 支持，而且拥有丰富的插件生态系统，可通过安装插件来支持 C++、C#、Python、PHP 等其他语言。Visual Studio Code 的官方下载地址为： https://code.visualstudio.com/#alt-downloads</a:t>
             </a:r>
           </a:p>
           <a:p>
-            <a:pPr marL="520700" indent="-520700" defTabSz="676909">
+            <a:pPr marL="520700" indent="-520700" defTabSz="676910">
               <a:spcBef>
                 <a:spcPts val="4800"/>
               </a:spcBef>
-              <a:defRPr sz="4264"/>
+              <a:defRPr sz="4265"/>
             </a:pPr>
             <a:r>
               <a:t>下载完 vscode 安装文件在 Windows 和 OS X 下即可图形化安装，在此不做赘述；在 Linux 下以 Ubuntu Linux 为例可以使用类似如下命令安装：</a:t>
             </a:r>
           </a:p>
           <a:p>
-            <a:pPr marL="520700" indent="-520700" defTabSz="676909">
+            <a:pPr marL="520700" indent="-520700" defTabSz="676910">
               <a:spcBef>
                 <a:spcPts val="4800"/>
               </a:spcBef>
-              <a:defRPr sz="4264"/>
+              <a:defRPr sz="4265"/>
             </a:pPr>
             <a:r>
               <a:t> sudo apt install ./&lt;filename&gt;.deb</a:t>
             </a:r>
           </a:p>
           <a:p>
-            <a:pPr marL="520700" indent="-520700" defTabSz="676909">
+            <a:pPr marL="520700" indent="-520700" defTabSz="676910">
               <a:spcBef>
                 <a:spcPts val="4800"/>
               </a:spcBef>
-              <a:defRPr sz="4264"/>
+              <a:defRPr sz="4265"/>
             </a:pPr>
             <a:r>
               <a:t>VSCode的基本使用方法可以参考官网使用手册或者二维码，在此不在赘述。</a:t>
@@ -3285,46 +3141,24 @@
           </a:p>
         </p:txBody>
       </p:sp>
-      <p:pic>
-        <p:nvPicPr>
-          <p:cNvPr id="153" name="pasted-image.png"/>
-          <p:cNvPicPr>
-            <a:picLocks noChangeAspect="1"/>
-          </p:cNvPicPr>
-          <p:nvPr/>
-        </p:nvPicPr>
-        <p:blipFill>
-          <a:blip r:embed="rId2">
-            <a:extLst/>
-          </a:blip>
-          <a:stretch>
-            <a:fillRect/>
-          </a:stretch>
-        </p:blipFill>
-        <p:spPr>
-          <a:xfrm>
-            <a:off x="20659585" y="9310026"/>
-            <a:ext cx="2768601" cy="2768601"/>
-          </a:xfrm>
-          <a:prstGeom prst="rect">
-            <a:avLst/>
-          </a:prstGeom>
-          <a:ln w="12700">
-            <a:miter lim="400000"/>
-          </a:ln>
-        </p:spPr>
-      </p:pic>
     </p:spTree>
   </p:cSld>
   <p:clrMapOvr>
     <a:masterClrMapping/>
   </p:clrMapOvr>
-  <p:transition xmlns:p14="http://schemas.microsoft.com/office/powerpoint/2010/main" spd="med" advClick="1" p14:dur="1000"/>
+  <mc:AlternateContent xmlns:mc="http://schemas.openxmlformats.org/markup-compatibility/2006">
+    <mc:Choice xmlns:p14="http://schemas.microsoft.com/office/powerpoint/2010/main" Requires="p14">
+      <p:transition spd="med" p14:dur="1000"/>
+    </mc:Choice>
+    <mc:Fallback>
+      <p:transition spd="med"/>
+    </mc:Fallback>
+  </mc:AlternateContent>
 </p:sld>
 </file>
 
 <file path=ppt/slides/slide11.xml><?xml version="1.0" encoding="utf-8"?>
-<p:sld xmlns:a="http://schemas.openxmlformats.org/drawingml/2006/main" xmlns:r="http://schemas.openxmlformats.org/officeDocument/2006/relationships" xmlns:p="http://schemas.openxmlformats.org/presentationml/2006/main" showMasterSp="1" showMasterPhAnim="1">
+<p:sld xmlns:a="http://schemas.openxmlformats.org/drawingml/2006/main" xmlns:r="http://schemas.openxmlformats.org/officeDocument/2006/relationships" xmlns:p="http://schemas.openxmlformats.org/presentationml/2006/main">
   <p:cSld>
     <p:spTree>
       <p:nvGrpSpPr>
@@ -3357,7 +3191,6 @@
           <a:bodyPr/>
           <a:lstStyle/>
           <a:p>
-            <a:pPr/>
             <a:r>
               <a:t>配置 VSCode</a:t>
             </a:r>
@@ -3381,44 +3214,44 @@
           <a:bodyPr/>
           <a:lstStyle/>
           <a:p>
-            <a:pPr marL="552450" indent="-552450" defTabSz="718184">
+            <a:pPr marL="552450" indent="-552450" defTabSz="718185">
               <a:spcBef>
                 <a:spcPts val="5100"/>
               </a:spcBef>
-              <a:defRPr sz="4524"/>
+              <a:defRPr sz="4525"/>
             </a:pPr>
             <a:r>
               <a:t>由于 Linux 内核高度定制化，所以没有办法直接通过配置 includePath 等让 Intellisense 正常提示，这里借助一个 Python 脚本来生成 compile_commands.json 文件帮助 Intellisense 正常提示（包括头文件和宏定义等）。在Linux源代码目录下直接运行如下命令就可以生成 compile_commands.json 了。</a:t>
             </a:r>
           </a:p>
           <a:p>
-            <a:pPr marL="552450" indent="-552450" defTabSz="718184">
+            <a:pPr marL="552450" indent="-552450" defTabSz="718185">
               <a:spcBef>
                 <a:spcPts val="5100"/>
               </a:spcBef>
-              <a:defRPr sz="4524"/>
+              <a:defRPr sz="4525"/>
             </a:pPr>
             <a:r>
               <a:t>python ./scripts/gen_compile_commands.py</a:t>
             </a:r>
           </a:p>
           <a:p>
-            <a:pPr marL="552450" indent="-552450" defTabSz="718184">
+            <a:pPr marL="552450" indent="-552450" defTabSz="718185">
               <a:spcBef>
                 <a:spcPts val="5100"/>
               </a:spcBef>
-              <a:defRPr sz="4524"/>
+              <a:defRPr sz="4525"/>
             </a:pPr>
             <a:r>
               <a:t>还要安装VSCode插件C/C++ Intellisense和C/C++ Themes。由于插件C/C++ Intellisense需要GNU Global，还需要使用如下命令安装GNU Global。</a:t>
             </a:r>
           </a:p>
           <a:p>
-            <a:pPr marL="552450" indent="-552450" defTabSz="718184">
+            <a:pPr marL="552450" indent="-552450" defTabSz="718185">
               <a:spcBef>
                 <a:spcPts val="5100"/>
               </a:spcBef>
-              <a:defRPr sz="4524"/>
+              <a:defRPr sz="4525"/>
             </a:pPr>
             <a:r>
               <a:t>sudo apt install global</a:t>
@@ -3431,12 +3264,19 @@
   <p:clrMapOvr>
     <a:masterClrMapping/>
   </p:clrMapOvr>
-  <p:transition xmlns:p14="http://schemas.microsoft.com/office/powerpoint/2010/main" spd="med" advClick="1" p14:dur="1000"/>
+  <mc:AlternateContent xmlns:mc="http://schemas.openxmlformats.org/markup-compatibility/2006">
+    <mc:Choice xmlns:p14="http://schemas.microsoft.com/office/powerpoint/2010/main" Requires="p14">
+      <p:transition spd="med" p14:dur="1000"/>
+    </mc:Choice>
+    <mc:Fallback>
+      <p:transition spd="med"/>
+    </mc:Fallback>
+  </mc:AlternateContent>
 </p:sld>
 </file>
 
 <file path=ppt/slides/slide12.xml><?xml version="1.0" encoding="utf-8"?>
-<p:sld xmlns:a="http://schemas.openxmlformats.org/drawingml/2006/main" xmlns:r="http://schemas.openxmlformats.org/officeDocument/2006/relationships" xmlns:p="http://schemas.openxmlformats.org/presentationml/2006/main" showMasterSp="1" showMasterPhAnim="1">
+<p:sld xmlns:a="http://schemas.openxmlformats.org/drawingml/2006/main" xmlns:r="http://schemas.openxmlformats.org/officeDocument/2006/relationships" xmlns:p="http://schemas.openxmlformats.org/presentationml/2006/main">
   <p:cSld>
     <p:spTree>
       <p:nvGrpSpPr>
@@ -3469,7 +3309,6 @@
           <a:bodyPr/>
           <a:lstStyle/>
           <a:p>
-            <a:pPr/>
             <a:r>
               <a:t>配置 VSCode</a:t>
             </a:r>
@@ -3501,7 +3340,7 @@
               <a:spcBef>
                 <a:spcPts val="4700"/>
               </a:spcBef>
-              <a:defRPr sz="4212"/>
+              <a:defRPr sz="4210"/>
             </a:pPr>
             <a:r>
               <a:t>配置 VSCode 配置文件.vscode/c_cpp_properties.json</a:t>
@@ -3512,7 +3351,7 @@
               <a:spcBef>
                 <a:spcPts val="4700"/>
               </a:spcBef>
-              <a:defRPr sz="4212"/>
+              <a:defRPr sz="4210"/>
             </a:pPr>
             <a:r>
               <a:t>这样VSCode就能自动搜索跳转到函数定义了，阅读代码会方便很多。由于Linux内核代码非常庞大，为加速搜索速度还可以设置排除一些干扰文件，比如修改配置文件.vscode/settings.json</a:t>
@@ -3523,17 +3362,16 @@
               <a:spcBef>
                 <a:spcPts val="4700"/>
               </a:spcBef>
-              <a:defRPr sz="4212"/>
+              <a:defRPr sz="4210"/>
             </a:pPr>
             <a:r>
               <a:t>配置文件参见</a:t>
             </a:r>
             <a:r>
-              <a:rPr u="sng">
-                <a:hlinkClick r:id="rId2" invalidUrl="" action="" tgtFrame="" tooltip="" history="1" highlightClick="0" endSnd="0"/>
-              </a:rPr>
+              <a:rPr u="sng"/>
               <a:t>https://github.com/mengning/linuxkernel/tree/master/src/kerneldebuging</a:t>
             </a:r>
+            <a:endParaRPr u="sng"/>
           </a:p>
         </p:txBody>
       </p:sp>
@@ -3546,9 +3384,7 @@
           <p:nvPr/>
         </p:nvPicPr>
         <p:blipFill>
-          <a:blip r:embed="rId3">
-            <a:extLst/>
-          </a:blip>
+          <a:blip r:embed="rId1"/>
           <a:stretch>
             <a:fillRect/>
           </a:stretch>
@@ -3563,6 +3399,8 @@
           </a:prstGeom>
           <a:ln w="12700">
             <a:miter lim="400000"/>
+            <a:headEnd/>
+            <a:tailEnd/>
           </a:ln>
         </p:spPr>
       </p:pic>
@@ -3571,12 +3409,19 @@
   <p:clrMapOvr>
     <a:masterClrMapping/>
   </p:clrMapOvr>
-  <p:transition xmlns:p14="http://schemas.microsoft.com/office/powerpoint/2010/main" spd="med" advClick="1" p14:dur="1000"/>
+  <mc:AlternateContent xmlns:mc="http://schemas.openxmlformats.org/markup-compatibility/2006">
+    <mc:Choice xmlns:p14="http://schemas.microsoft.com/office/powerpoint/2010/main" Requires="p14">
+      <p:transition spd="med" p14:dur="1000"/>
+    </mc:Choice>
+    <mc:Fallback>
+      <p:transition spd="med"/>
+    </mc:Fallback>
+  </mc:AlternateContent>
 </p:sld>
 </file>
 
 <file path=ppt/slides/slide13.xml><?xml version="1.0" encoding="utf-8"?>
-<p:sld xmlns:a="http://schemas.openxmlformats.org/drawingml/2006/main" xmlns:r="http://schemas.openxmlformats.org/officeDocument/2006/relationships" xmlns:p="http://schemas.openxmlformats.org/presentationml/2006/main" showMasterSp="1" showMasterPhAnim="1">
+<p:sld xmlns:a="http://schemas.openxmlformats.org/drawingml/2006/main" xmlns:r="http://schemas.openxmlformats.org/officeDocument/2006/relationships" xmlns:p="http://schemas.openxmlformats.org/presentationml/2006/main">
   <p:cSld>
     <p:spTree>
       <p:nvGrpSpPr>
@@ -3609,7 +3454,6 @@
           <a:bodyPr/>
           <a:lstStyle/>
           <a:p>
-            <a:pPr/>
             <a:r>
               <a:t>编译配置安装Linux内核的步骤</a:t>
             </a:r>
@@ -3633,110 +3477,110 @@
           <a:bodyPr/>
           <a:lstStyle/>
           <a:p>
-            <a:pPr marL="361950" indent="-361950" defTabSz="470534">
+            <a:pPr marL="361950" indent="-361950" defTabSz="470535">
               <a:spcBef>
                 <a:spcPts val="3300"/>
               </a:spcBef>
-              <a:defRPr sz="2964"/>
+              <a:defRPr sz="2965"/>
             </a:pPr>
             <a:r>
               <a:t>（1）安装开发工具</a:t>
             </a:r>
           </a:p>
           <a:p>
-            <a:pPr marL="361950" indent="-361950" defTabSz="470534">
+            <a:pPr marL="361950" indent="-361950" defTabSz="470535">
               <a:spcBef>
                 <a:spcPts val="3300"/>
               </a:spcBef>
-              <a:defRPr sz="2964"/>
+              <a:defRPr sz="2965"/>
             </a:pPr>
             <a:r>
               <a:t>（2）下载内核源代码</a:t>
             </a:r>
           </a:p>
           <a:p>
-            <a:pPr marL="361950" indent="-361950" defTabSz="470534">
+            <a:pPr marL="361950" indent="-361950" defTabSz="470535">
               <a:spcBef>
                 <a:spcPts val="3300"/>
               </a:spcBef>
-              <a:defRPr sz="2964"/>
+              <a:defRPr sz="2965"/>
             </a:pPr>
             <a:r>
               <a:t>（3）准备配置文件.config</a:t>
             </a:r>
           </a:p>
           <a:p>
-            <a:pPr marL="361950" indent="-361950" defTabSz="470534">
+            <a:pPr marL="361950" indent="-361950" defTabSz="470535">
               <a:spcBef>
                 <a:spcPts val="3300"/>
               </a:spcBef>
-              <a:defRPr sz="2964"/>
+              <a:defRPr sz="2965"/>
             </a:pPr>
             <a:r>
               <a:t>（4）make menuconfig：配置内核选项</a:t>
             </a:r>
           </a:p>
           <a:p>
-            <a:pPr marL="361950" indent="-361950" defTabSz="470534">
+            <a:pPr marL="361950" indent="-361950" defTabSz="470535">
               <a:spcBef>
                 <a:spcPts val="3300"/>
               </a:spcBef>
-              <a:defRPr sz="2964"/>
+              <a:defRPr sz="2965"/>
             </a:pPr>
             <a:r>
               <a:t>（5）make [-j #] 编译内核</a:t>
             </a:r>
           </a:p>
           <a:p>
-            <a:pPr marL="361950" indent="-361950" defTabSz="470534">
+            <a:pPr marL="361950" indent="-361950" defTabSz="470535">
               <a:spcBef>
                 <a:spcPts val="3300"/>
               </a:spcBef>
-              <a:defRPr sz="2964"/>
+              <a:defRPr sz="2965"/>
             </a:pPr>
             <a:r>
               <a:t>（6）make modules_install：安装模块</a:t>
             </a:r>
           </a:p>
           <a:p>
-            <a:pPr marL="361950" indent="-361950" defTabSz="470534">
+            <a:pPr marL="361950" indent="-361950" defTabSz="470535">
               <a:spcBef>
                 <a:spcPts val="3300"/>
               </a:spcBef>
-              <a:defRPr sz="2964"/>
+              <a:defRPr sz="2965"/>
             </a:pPr>
             <a:r>
               <a:t>（7）make install ：安装内核文件</a:t>
             </a:r>
           </a:p>
           <a:p>
-            <a:pPr marL="361950" indent="-361950" defTabSz="470534">
+            <a:pPr marL="361950" indent="-361950" defTabSz="470535">
               <a:spcBef>
                 <a:spcPts val="3300"/>
               </a:spcBef>
-              <a:defRPr sz="2964"/>
+              <a:defRPr sz="2965"/>
             </a:pPr>
             <a:r>
               <a:t>（8）安装bzImage</a:t>
             </a:r>
           </a:p>
           <a:p>
-            <a:pPr marL="361950" indent="-361950" defTabSz="470534">
+            <a:pPr marL="361950" indent="-361950" defTabSz="470535">
               <a:spcBef>
                 <a:spcPts val="3300"/>
               </a:spcBef>
-              <a:defRPr sz="2964"/>
+              <a:defRPr sz="2965"/>
             </a:pPr>
             <a:r>
               <a:t>（9）生成initramfs根文件系统镜像，也习惯于命名为rootfs</a:t>
             </a:r>
           </a:p>
           <a:p>
-            <a:pPr marL="361950" indent="-361950" defTabSz="470534">
+            <a:pPr marL="361950" indent="-361950" defTabSz="470535">
               <a:spcBef>
                 <a:spcPts val="3300"/>
               </a:spcBef>
-              <a:defRPr sz="2964"/>
+              <a:defRPr sz="2965"/>
             </a:pPr>
             <a:r>
               <a:t>（10）编辑bootloader的配置文件启用新内核</a:t>
@@ -3749,12 +3593,19 @@
   <p:clrMapOvr>
     <a:masterClrMapping/>
   </p:clrMapOvr>
-  <p:transition xmlns:p14="http://schemas.microsoft.com/office/powerpoint/2010/main" spd="med" advClick="1" p14:dur="1000"/>
+  <mc:AlternateContent xmlns:mc="http://schemas.openxmlformats.org/markup-compatibility/2006">
+    <mc:Choice xmlns:p14="http://schemas.microsoft.com/office/powerpoint/2010/main" Requires="p14">
+      <p:transition spd="med" p14:dur="1000"/>
+    </mc:Choice>
+    <mc:Fallback>
+      <p:transition spd="med"/>
+    </mc:Fallback>
+  </mc:AlternateContent>
 </p:sld>
 </file>
 
 <file path=ppt/slides/slide14.xml><?xml version="1.0" encoding="utf-8"?>
-<p:sld xmlns:a="http://schemas.openxmlformats.org/drawingml/2006/main" xmlns:r="http://schemas.openxmlformats.org/officeDocument/2006/relationships" xmlns:p="http://schemas.openxmlformats.org/presentationml/2006/main" showMasterSp="1" showMasterPhAnim="1">
+<p:sld xmlns:a="http://schemas.openxmlformats.org/drawingml/2006/main" xmlns:r="http://schemas.openxmlformats.org/officeDocument/2006/relationships" xmlns:p="http://schemas.openxmlformats.org/presentationml/2006/main">
   <p:cSld>
     <p:spTree>
       <p:nvGrpSpPr>
@@ -3787,7 +3638,6 @@
           <a:bodyPr/>
           <a:lstStyle/>
           <a:p>
-            <a:pPr/>
             <a:r>
               <a:t>配置Linux内核的方法</a:t>
             </a:r>
@@ -3811,99 +3661,99 @@
           <a:bodyPr/>
           <a:lstStyle/>
           <a:p>
-            <a:pPr marL="406400" indent="-406400" defTabSz="528319">
+            <a:pPr marL="406400" indent="-406400" defTabSz="528320">
               <a:spcBef>
                 <a:spcPts val="3700"/>
               </a:spcBef>
-              <a:defRPr sz="3328"/>
+              <a:defRPr sz="3330"/>
             </a:pPr>
             <a:r>
               <a:t>“更新”模式进行配置Linux内核：</a:t>
             </a:r>
           </a:p>
           <a:p>
-            <a:pPr marL="406400" indent="-406400" defTabSz="528319">
+            <a:pPr marL="406400" indent="-406400" defTabSz="528320">
               <a:spcBef>
                 <a:spcPts val="3700"/>
               </a:spcBef>
-              <a:defRPr sz="3328"/>
+              <a:defRPr sz="3330"/>
             </a:pPr>
             <a:r>
               <a:t>（a）make config：基于命令行以遍历的方式去配置内核中可配置的每个选项。</a:t>
             </a:r>
           </a:p>
           <a:p>
-            <a:pPr marL="406400" indent="-406400" defTabSz="528319">
+            <a:pPr marL="406400" indent="-406400" defTabSz="528320">
               <a:spcBef>
                 <a:spcPts val="3700"/>
               </a:spcBef>
-              <a:defRPr sz="3328"/>
+              <a:defRPr sz="3330"/>
             </a:pPr>
             <a:r>
               <a:t>（b）make menuconfig：基于curses的文本窗口界面。</a:t>
             </a:r>
           </a:p>
           <a:p>
-            <a:pPr marL="406400" indent="-406400" defTabSz="528319">
+            <a:pPr marL="406400" indent="-406400" defTabSz="528320">
               <a:spcBef>
                 <a:spcPts val="3700"/>
               </a:spcBef>
-              <a:defRPr sz="3328"/>
+              <a:defRPr sz="3330"/>
             </a:pPr>
             <a:r>
               <a:t>（c）make gconfig：基于GTK (GNOME)环境窗口界面。</a:t>
             </a:r>
           </a:p>
           <a:p>
-            <a:pPr marL="406400" indent="-406400" defTabSz="528319">
+            <a:pPr marL="406400" indent="-406400" defTabSz="528320">
               <a:spcBef>
                 <a:spcPts val="3700"/>
               </a:spcBef>
-              <a:defRPr sz="3328"/>
+              <a:defRPr sz="3330"/>
             </a:pPr>
             <a:r>
               <a:t>（d）make xconfig：基于QT(KDE)环境的窗口界面。</a:t>
             </a:r>
           </a:p>
           <a:p>
-            <a:pPr marL="406400" indent="-406400" defTabSz="528319">
+            <a:pPr marL="406400" indent="-406400" defTabSz="528320">
               <a:spcBef>
                 <a:spcPts val="3700"/>
               </a:spcBef>
-              <a:defRPr sz="3328"/>
+              <a:defRPr sz="3330"/>
             </a:pPr>
             <a:r>
               <a:t>“全新配置”模式进行配置重新生成.config文件的方法：</a:t>
             </a:r>
           </a:p>
           <a:p>
-            <a:pPr marL="406400" indent="-406400" defTabSz="528319">
+            <a:pPr marL="406400" indent="-406400" defTabSz="528320">
               <a:spcBef>
                 <a:spcPts val="3700"/>
               </a:spcBef>
-              <a:defRPr sz="3328"/>
+              <a:defRPr sz="3330"/>
             </a:pPr>
             <a:r>
               <a:t>（a）make defconfig：基于本机内核为目标平台提供的“默认”配置进行配置。</a:t>
             </a:r>
           </a:p>
           <a:p>
-            <a:pPr marL="406400" indent="-406400" defTabSz="528319">
+            <a:pPr marL="406400" indent="-406400" defTabSz="528320">
               <a:spcBef>
                 <a:spcPts val="3700"/>
               </a:spcBef>
-              <a:defRPr sz="3328"/>
+              <a:defRPr sz="3330"/>
             </a:pPr>
             <a:r>
               <a:t>（b）make allyesconfig: 所有选项均回答为“yes”。</a:t>
             </a:r>
           </a:p>
           <a:p>
-            <a:pPr marL="406400" indent="-406400" defTabSz="528319">
+            <a:pPr marL="406400" indent="-406400" defTabSz="528320">
               <a:spcBef>
                 <a:spcPts val="3700"/>
               </a:spcBef>
-              <a:defRPr sz="3328"/>
+              <a:defRPr sz="3330"/>
             </a:pPr>
             <a:r>
               <a:t>（c）make allnoconfig: 所有选项均回答为"no”。</a:t>
@@ -3916,12 +3766,19 @@
   <p:clrMapOvr>
     <a:masterClrMapping/>
   </p:clrMapOvr>
-  <p:transition xmlns:p14="http://schemas.microsoft.com/office/powerpoint/2010/main" spd="med" advClick="1" p14:dur="1000"/>
+  <mc:AlternateContent xmlns:mc="http://schemas.openxmlformats.org/markup-compatibility/2006">
+    <mc:Choice xmlns:p14="http://schemas.microsoft.com/office/powerpoint/2010/main" Requires="p14">
+      <p:transition spd="med" p14:dur="1000"/>
+    </mc:Choice>
+    <mc:Fallback>
+      <p:transition spd="med"/>
+    </mc:Fallback>
+  </mc:AlternateContent>
 </p:sld>
 </file>
 
 <file path=ppt/slides/slide15.xml><?xml version="1.0" encoding="utf-8"?>
-<p:sld xmlns:a="http://schemas.openxmlformats.org/drawingml/2006/main" xmlns:r="http://schemas.openxmlformats.org/officeDocument/2006/relationships" xmlns:p="http://schemas.openxmlformats.org/presentationml/2006/main" showMasterSp="1" showMasterPhAnim="1">
+<p:sld xmlns:a="http://schemas.openxmlformats.org/drawingml/2006/main" xmlns:r="http://schemas.openxmlformats.org/officeDocument/2006/relationships" xmlns:p="http://schemas.openxmlformats.org/presentationml/2006/main">
   <p:cSld>
     <p:spTree>
       <p:nvGrpSpPr>
@@ -3954,7 +3811,6 @@
           <a:bodyPr/>
           <a:lstStyle/>
           <a:p>
-            <a:pPr/>
             <a:r>
               <a:t>安装开发工具</a:t>
             </a:r>
@@ -3978,19 +3834,16 @@
           <a:bodyPr/>
           <a:lstStyle/>
           <a:p>
-            <a:pPr/>
             <a:r>
               <a:t>sudo apt install build-essential</a:t>
             </a:r>
           </a:p>
           <a:p>
-            <a:pPr/>
             <a:r>
               <a:t>sudo apt install qemu # install QEMU</a:t>
             </a:r>
           </a:p>
           <a:p>
-            <a:pPr/>
             <a:r>
               <a:t>sudo apt install libncurses5-dev bison flex libssl-dev libelf-dev</a:t>
             </a:r>
@@ -4002,12 +3855,19 @@
   <p:clrMapOvr>
     <a:masterClrMapping/>
   </p:clrMapOvr>
-  <p:transition xmlns:p14="http://schemas.microsoft.com/office/powerpoint/2010/main" spd="med" advClick="1" p14:dur="1000"/>
+  <mc:AlternateContent xmlns:mc="http://schemas.openxmlformats.org/markup-compatibility/2006">
+    <mc:Choice xmlns:p14="http://schemas.microsoft.com/office/powerpoint/2010/main" Requires="p14">
+      <p:transition spd="med" p14:dur="1000"/>
+    </mc:Choice>
+    <mc:Fallback>
+      <p:transition spd="med"/>
+    </mc:Fallback>
+  </mc:AlternateContent>
 </p:sld>
 </file>
 
 <file path=ppt/slides/slide16.xml><?xml version="1.0" encoding="utf-8"?>
-<p:sld xmlns:a="http://schemas.openxmlformats.org/drawingml/2006/main" xmlns:r="http://schemas.openxmlformats.org/officeDocument/2006/relationships" xmlns:p="http://schemas.openxmlformats.org/presentationml/2006/main" showMasterSp="1" showMasterPhAnim="1">
+<p:sld xmlns:a="http://schemas.openxmlformats.org/drawingml/2006/main" xmlns:r="http://schemas.openxmlformats.org/officeDocument/2006/relationships" xmlns:p="http://schemas.openxmlformats.org/presentationml/2006/main">
   <p:cSld>
     <p:spTree>
       <p:nvGrpSpPr>
@@ -4040,7 +3900,6 @@
           <a:bodyPr/>
           <a:lstStyle/>
           <a:p>
-            <a:pPr/>
             <a:r>
               <a:t>下载内核源代码</a:t>
             </a:r>
@@ -4064,31 +3923,25 @@
           <a:bodyPr/>
           <a:lstStyle/>
           <a:p>
-            <a:pPr/>
-            <a:r>
-              <a:t>sudo apt install axel</a:t>
-            </a:r>
-          </a:p>
-          <a:p>
-            <a:pPr/>
-            <a:r>
-              <a:t>axel -n 20 https://mirrors.edge.kernel.org/pub/linux/kernel/v5.x/linux-5.4.34.tar.xz</a:t>
-            </a:r>
-          </a:p>
-          <a:p>
-            <a:pPr/>
+            <a:r>
+              <a:rPr lang="en-US"/>
+              <a:t>wget -c</a:t>
+            </a:r>
+            <a:r>
+              <a:t> https://mirrors.edge.kernel.org/pub/linux/kernel/v5.x/linux-5.4.34.tar.xz</a:t>
+            </a:r>
+          </a:p>
+          <a:p>
             <a:r>
               <a:t>xz -d linux-5.4.34.tar.xz</a:t>
             </a:r>
           </a:p>
           <a:p>
-            <a:pPr/>
             <a:r>
               <a:t>tar -xvf linux-5.4.34.tar</a:t>
             </a:r>
           </a:p>
           <a:p>
-            <a:pPr/>
             <a:r>
               <a:t>cd linux-5.4.34</a:t>
             </a:r>
@@ -4100,12 +3953,19 @@
   <p:clrMapOvr>
     <a:masterClrMapping/>
   </p:clrMapOvr>
-  <p:transition xmlns:p14="http://schemas.microsoft.com/office/powerpoint/2010/main" spd="med" advClick="1" p14:dur="1000"/>
+  <mc:AlternateContent xmlns:mc="http://schemas.openxmlformats.org/markup-compatibility/2006">
+    <mc:Choice xmlns:p14="http://schemas.microsoft.com/office/powerpoint/2010/main" Requires="p14">
+      <p:transition spd="med" p14:dur="1000"/>
+    </mc:Choice>
+    <mc:Fallback>
+      <p:transition spd="med"/>
+    </mc:Fallback>
+  </mc:AlternateContent>
 </p:sld>
 </file>
 
 <file path=ppt/slides/slide17.xml><?xml version="1.0" encoding="utf-8"?>
-<p:sld xmlns:a="http://schemas.openxmlformats.org/drawingml/2006/main" xmlns:r="http://schemas.openxmlformats.org/officeDocument/2006/relationships" xmlns:p="http://schemas.openxmlformats.org/presentationml/2006/main" showMasterSp="1" showMasterPhAnim="1">
+<p:sld xmlns:a="http://schemas.openxmlformats.org/drawingml/2006/main" xmlns:r="http://schemas.openxmlformats.org/officeDocument/2006/relationships" xmlns:p="http://schemas.openxmlformats.org/presentationml/2006/main">
   <p:cSld>
     <p:spTree>
       <p:nvGrpSpPr>
@@ -4138,7 +3998,6 @@
           <a:bodyPr/>
           <a:lstStyle/>
           <a:p>
-            <a:pPr/>
             <a:r>
               <a:t>配置内核选项</a:t>
             </a:r>
@@ -4166,7 +4025,7 @@
               <a:spcBef>
                 <a:spcPts val="3100"/>
               </a:spcBef>
-              <a:defRPr sz="2808"/>
+              <a:defRPr sz="2810"/>
             </a:pPr>
             <a:r>
               <a:t>make defconfig # Default configuration is based on 'x86_64_defconfig'</a:t>
@@ -4177,7 +4036,7 @@
               <a:spcBef>
                 <a:spcPts val="3100"/>
               </a:spcBef>
-              <a:defRPr sz="2808"/>
+              <a:defRPr sz="2810"/>
             </a:pPr>
             <a:r>
               <a:t>make menuconfig</a:t>
@@ -4188,7 +4047,7 @@
               <a:spcBef>
                 <a:spcPts val="3100"/>
               </a:spcBef>
-              <a:defRPr sz="2808"/>
+              <a:defRPr sz="2810"/>
             </a:pPr>
             <a:r>
               <a:t># 打开debug相关选项</a:t>
@@ -4199,7 +4058,7 @@
               <a:spcBef>
                 <a:spcPts val="3100"/>
               </a:spcBef>
-              <a:defRPr sz="2808"/>
+              <a:defRPr sz="2810"/>
             </a:pPr>
             <a:r>
               <a:t>Kernel hacking  ---&gt;</a:t>
@@ -4210,7 +4069,7 @@
               <a:spcBef>
                 <a:spcPts val="3100"/>
               </a:spcBef>
-              <a:defRPr sz="2808"/>
+              <a:defRPr sz="2810"/>
             </a:pPr>
             <a:r>
               <a:t>    Compile-time checks and compiler options  ---&gt;</a:t>
@@ -4221,7 +4080,7 @@
               <a:spcBef>
                 <a:spcPts val="3100"/>
               </a:spcBef>
-              <a:defRPr sz="2808"/>
+              <a:defRPr sz="2810"/>
             </a:pPr>
             <a:r>
               <a:t>        [*] Compile the kernel with debug info</a:t>
@@ -4232,7 +4091,7 @@
               <a:spcBef>
                 <a:spcPts val="3100"/>
               </a:spcBef>
-              <a:defRPr sz="2808"/>
+              <a:defRPr sz="2810"/>
             </a:pPr>
             <a:r>
               <a:t>        [*]   Provide GDB scripts for kernel debugging</a:t>
@@ -4243,7 +4102,7 @@
               <a:spcBef>
                 <a:spcPts val="3100"/>
               </a:spcBef>
-              <a:defRPr sz="2808"/>
+              <a:defRPr sz="2810"/>
             </a:pPr>
             <a:r>
               <a:t> [*] Kernel debugging</a:t>
@@ -4254,7 +4113,7 @@
               <a:spcBef>
                 <a:spcPts val="3100"/>
               </a:spcBef>
-              <a:defRPr sz="2808"/>
+              <a:defRPr sz="2810"/>
             </a:pPr>
             <a:r>
               <a:t># 关闭KASLR，否则会导致打断点失败</a:t>
@@ -4265,7 +4124,7 @@
               <a:spcBef>
                 <a:spcPts val="3100"/>
               </a:spcBef>
-              <a:defRPr sz="2808"/>
+              <a:defRPr sz="2810"/>
             </a:pPr>
             <a:r>
               <a:t>Processor type and features ----&gt;</a:t>
@@ -4276,7 +4135,7 @@
               <a:spcBef>
                 <a:spcPts val="3100"/>
               </a:spcBef>
-              <a:defRPr sz="2808"/>
+              <a:defRPr sz="2810"/>
             </a:pPr>
             <a:r>
               <a:t>    [] Randomize the address of the kernel image (KASLR)</a:t>
@@ -4289,12 +4148,19 @@
   <p:clrMapOvr>
     <a:masterClrMapping/>
   </p:clrMapOvr>
-  <p:transition xmlns:p14="http://schemas.microsoft.com/office/powerpoint/2010/main" spd="med" advClick="1" p14:dur="1000"/>
+  <mc:AlternateContent xmlns:mc="http://schemas.openxmlformats.org/markup-compatibility/2006">
+    <mc:Choice xmlns:p14="http://schemas.microsoft.com/office/powerpoint/2010/main" Requires="p14">
+      <p:transition spd="med" p14:dur="1000"/>
+    </mc:Choice>
+    <mc:Fallback>
+      <p:transition spd="med"/>
+    </mc:Fallback>
+  </mc:AlternateContent>
 </p:sld>
 </file>
 
 <file path=ppt/slides/slide18.xml><?xml version="1.0" encoding="utf-8"?>
-<p:sld xmlns:a="http://schemas.openxmlformats.org/drawingml/2006/main" xmlns:r="http://schemas.openxmlformats.org/officeDocument/2006/relationships" xmlns:p="http://schemas.openxmlformats.org/presentationml/2006/main" showMasterSp="1" showMasterPhAnim="1">
+<p:sld xmlns:a="http://schemas.openxmlformats.org/drawingml/2006/main" xmlns:r="http://schemas.openxmlformats.org/officeDocument/2006/relationships" xmlns:p="http://schemas.openxmlformats.org/presentationml/2006/main">
   <p:cSld>
     <p:spTree>
       <p:nvGrpSpPr>
@@ -4327,7 +4193,6 @@
           <a:bodyPr/>
           <a:lstStyle/>
           <a:p>
-            <a:pPr/>
             <a:r>
               <a:t>编译和运行内核</a:t>
             </a:r>
@@ -4351,19 +4216,16 @@
           <a:bodyPr/>
           <a:lstStyle/>
           <a:p>
-            <a:pPr/>
             <a:r>
               <a:t>make -j$(nproc) # nproc gives the number of CPU cores/threads available</a:t>
             </a:r>
           </a:p>
           <a:p>
-            <a:pPr/>
             <a:r>
               <a:t># 测试一下内核能不能正常加载运行，因为没有文件系统最终会kernel panic</a:t>
             </a:r>
           </a:p>
           <a:p>
-            <a:pPr/>
             <a:r>
               <a:t>qemu-system-x86_64 -kernel arch/x86/boot/bzImage</a:t>
             </a:r>
@@ -4375,12 +4237,19 @@
   <p:clrMapOvr>
     <a:masterClrMapping/>
   </p:clrMapOvr>
-  <p:transition xmlns:p14="http://schemas.microsoft.com/office/powerpoint/2010/main" spd="med" advClick="1" p14:dur="1000"/>
+  <mc:AlternateContent xmlns:mc="http://schemas.openxmlformats.org/markup-compatibility/2006">
+    <mc:Choice xmlns:p14="http://schemas.microsoft.com/office/powerpoint/2010/main" Requires="p14">
+      <p:transition spd="med" p14:dur="1000"/>
+    </mc:Choice>
+    <mc:Fallback>
+      <p:transition spd="med"/>
+    </mc:Fallback>
+  </mc:AlternateContent>
 </p:sld>
 </file>
 
 <file path=ppt/slides/slide19.xml><?xml version="1.0" encoding="utf-8"?>
-<p:sld xmlns:a="http://schemas.openxmlformats.org/drawingml/2006/main" xmlns:r="http://schemas.openxmlformats.org/officeDocument/2006/relationships" xmlns:p="http://schemas.openxmlformats.org/presentationml/2006/main" showMasterSp="1" showMasterPhAnim="1">
+<p:sld xmlns:a="http://schemas.openxmlformats.org/drawingml/2006/main" xmlns:r="http://schemas.openxmlformats.org/officeDocument/2006/relationships" xmlns:p="http://schemas.openxmlformats.org/presentationml/2006/main">
   <p:cSld>
     <p:spTree>
       <p:nvGrpSpPr>
@@ -4413,7 +4282,6 @@
           <a:bodyPr/>
           <a:lstStyle/>
           <a:p>
-            <a:pPr/>
             <a:r>
               <a:t>制作根文件系统</a:t>
             </a:r>
@@ -4437,13 +4305,11 @@
           <a:bodyPr/>
           <a:lstStyle/>
           <a:p>
-            <a:pPr/>
             <a:r>
               <a:t>电脑加电启动首先由bootloader加载内核，内核紧接着需要挂载内存根文件系统，其中包含必要的设备驱动和工具，bootloader加载根文件系统到内存中，内核会将其挂载到根目录/下，然后运行根文件系统中init脚本执行一些启动任务，最后才挂载真正的磁盘根文件系统。</a:t>
             </a:r>
           </a:p>
           <a:p>
-            <a:pPr/>
             <a:r>
               <a:t>我们这里为了简化实验环境，仅制作内存根文件系统。这里借助BusyBox 构建极简内存根文件系统，提供基本的用户态可执行程序。</a:t>
             </a:r>
@@ -4455,12 +4321,19 @@
   <p:clrMapOvr>
     <a:masterClrMapping/>
   </p:clrMapOvr>
-  <p:transition xmlns:p14="http://schemas.microsoft.com/office/powerpoint/2010/main" spd="med" advClick="1" p14:dur="1000"/>
+  <mc:AlternateContent xmlns:mc="http://schemas.openxmlformats.org/markup-compatibility/2006">
+    <mc:Choice xmlns:p14="http://schemas.microsoft.com/office/powerpoint/2010/main" Requires="p14">
+      <p:transition spd="med" p14:dur="1000"/>
+    </mc:Choice>
+    <mc:Fallback>
+      <p:transition spd="med"/>
+    </mc:Fallback>
+  </mc:AlternateContent>
 </p:sld>
 </file>
 
 <file path=ppt/slides/slide2.xml><?xml version="1.0" encoding="utf-8"?>
-<p:sld xmlns:a="http://schemas.openxmlformats.org/drawingml/2006/main" xmlns:r="http://schemas.openxmlformats.org/officeDocument/2006/relationships" xmlns:p="http://schemas.openxmlformats.org/presentationml/2006/main" showMasterSp="1" showMasterPhAnim="1">
+<p:sld xmlns:a="http://schemas.openxmlformats.org/drawingml/2006/main" xmlns:r="http://schemas.openxmlformats.org/officeDocument/2006/relationships" xmlns:p="http://schemas.openxmlformats.org/presentationml/2006/main">
   <p:cSld>
     <p:spTree>
       <p:nvGrpSpPr>
@@ -4493,7 +4366,6 @@
           <a:bodyPr/>
           <a:lstStyle/>
           <a:p>
-            <a:pPr/>
             <a:r>
               <a:t>庖丁解牛Linux内核分析</a:t>
             </a:r>
@@ -4517,25 +4389,21 @@
           <a:bodyPr/>
           <a:lstStyle/>
           <a:p>
-            <a:pPr/>
             <a:r>
               <a:t>Linux内核源代码概述</a:t>
             </a:r>
           </a:p>
           <a:p>
-            <a:pPr/>
             <a:r>
               <a:t>用VSCode阅读Linux内核源代码</a:t>
             </a:r>
           </a:p>
           <a:p>
-            <a:pPr/>
             <a:r>
               <a:t>搭建Linux内核调试环境</a:t>
             </a:r>
           </a:p>
           <a:p>
-            <a:pPr/>
             <a:r>
               <a:t>跟踪Linux内核的启动过程</a:t>
             </a:r>
@@ -4547,12 +4415,19 @@
   <p:clrMapOvr>
     <a:masterClrMapping/>
   </p:clrMapOvr>
-  <p:transition xmlns:p14="http://schemas.microsoft.com/office/powerpoint/2010/main" spd="med" advClick="1" p14:dur="1000"/>
+  <mc:AlternateContent xmlns:mc="http://schemas.openxmlformats.org/markup-compatibility/2006">
+    <mc:Choice xmlns:p14="http://schemas.microsoft.com/office/powerpoint/2010/main" Requires="p14">
+      <p:transition spd="med" p14:dur="1000"/>
+    </mc:Choice>
+    <mc:Fallback>
+      <p:transition spd="med"/>
+    </mc:Fallback>
+  </mc:AlternateContent>
 </p:sld>
 </file>
 
 <file path=ppt/slides/slide20.xml><?xml version="1.0" encoding="utf-8"?>
-<p:sld xmlns:a="http://schemas.openxmlformats.org/drawingml/2006/main" xmlns:r="http://schemas.openxmlformats.org/officeDocument/2006/relationships" xmlns:p="http://schemas.openxmlformats.org/presentationml/2006/main" showMasterSp="1" showMasterPhAnim="1">
+<p:sld xmlns:a="http://schemas.openxmlformats.org/drawingml/2006/main" xmlns:r="http://schemas.openxmlformats.org/officeDocument/2006/relationships" xmlns:p="http://schemas.openxmlformats.org/presentationml/2006/main">
   <p:cSld>
     <p:spTree>
       <p:nvGrpSpPr>
@@ -4585,7 +4460,6 @@
           <a:bodyPr/>
           <a:lstStyle/>
           <a:p>
-            <a:pPr/>
             <a:r>
               <a:t>制作内存根文件系统的过程</a:t>
             </a:r>
@@ -4606,31 +4480,71 @@
           </a:prstGeom>
         </p:spPr>
         <p:txBody>
-          <a:bodyPr/>
-          <a:lstStyle/>
-          <a:p>
-            <a:pPr/>
+          <a:bodyPr>
+            <a:normAutofit fontScale="60000"/>
+          </a:bodyPr>
+          <a:lstStyle/>
+          <a:p>
             <a:r>
               <a:t>首先从https://www.busybox.net下载 busybox源代码解压，解压完成后，跟内核一样先配置编译，并安装。</a:t>
             </a:r>
           </a:p>
           <a:p>
-            <a:pPr/>
-            <a:r>
-              <a:t>axel -n 20 https://busybox.net/downloads/busybox-1.31.1.tar.bz2</a:t>
-            </a:r>
-          </a:p>
-          <a:p>
-            <a:pPr/>
+            <a:pPr lvl="1"/>
+            <a:r>
+              <a:rPr lang="en-US"/>
+              <a:t>wget -c</a:t>
+            </a:r>
+            <a:r>
+              <a:t> https://busybox.net/downloads/busybox-1.31.1.tar.bz2</a:t>
+            </a:r>
+          </a:p>
+          <a:p>
+            <a:pPr lvl="1"/>
             <a:r>
               <a:t>tar -jxvf busybox-1.31.1.tar.bz2</a:t>
             </a:r>
           </a:p>
           <a:p>
-            <a:pPr/>
+            <a:pPr lvl="1"/>
             <a:r>
               <a:t>cd busybox-1.31.1</a:t>
             </a:r>
+          </a:p>
+          <a:p>
+            <a:r>
+              <a:rPr lang="zh-CN" altLang="en-US"/>
+              <a:t>也可以使用预编译的</a:t>
+            </a:r>
+            <a:r>
+              <a:rPr lang="en-US" altLang="zh-CN"/>
+              <a:t>Alpine mini rootfs</a:t>
+            </a:r>
+            <a:r>
+              <a:rPr lang="zh-CN" altLang="en-US"/>
+              <a:t>系统</a:t>
+            </a:r>
+            <a:endParaRPr lang="zh-CN" altLang="en-US"/>
+          </a:p>
+          <a:p>
+            <a:pPr lvl="1"/>
+            <a:r>
+              <a:rPr lang="en-US" altLang="zh-CN"/>
+              <a:t>wget -c https://dl-cdn.alpinelinux.org/alpine/v3.19/releases/x86_64/alpine-minirootfs-3.19.1-x86_64.tar.gz</a:t>
+            </a:r>
+            <a:endParaRPr lang="en-US" altLang="zh-CN"/>
+          </a:p>
+          <a:p>
+            <a:pPr lvl="1"/>
+            <a:r>
+              <a:rPr lang="zh-CN" altLang="en-US"/>
+              <a:t>参考</a:t>
+            </a:r>
+            <a:r>
+              <a:rPr lang="en-US" altLang="zh-CN"/>
+              <a:t>https://gitee.com/mengning997/linuxkernel/tree/master/kerneldebuging</a:t>
+            </a:r>
+            <a:endParaRPr lang="en-US" altLang="zh-CN"/>
           </a:p>
         </p:txBody>
       </p:sp>
@@ -4639,12 +4553,19 @@
   <p:clrMapOvr>
     <a:masterClrMapping/>
   </p:clrMapOvr>
-  <p:transition xmlns:p14="http://schemas.microsoft.com/office/powerpoint/2010/main" spd="med" advClick="1" p14:dur="1000"/>
+  <mc:AlternateContent xmlns:mc="http://schemas.openxmlformats.org/markup-compatibility/2006">
+    <mc:Choice xmlns:p14="http://schemas.microsoft.com/office/powerpoint/2010/main" Requires="p14">
+      <p:transition spd="med" p14:dur="1000"/>
+    </mc:Choice>
+    <mc:Fallback>
+      <p:transition spd="med"/>
+    </mc:Fallback>
+  </mc:AlternateContent>
 </p:sld>
 </file>
 
 <file path=ppt/slides/slide21.xml><?xml version="1.0" encoding="utf-8"?>
-<p:sld xmlns:a="http://schemas.openxmlformats.org/drawingml/2006/main" xmlns:r="http://schemas.openxmlformats.org/officeDocument/2006/relationships" xmlns:p="http://schemas.openxmlformats.org/presentationml/2006/main" showMasterSp="1" showMasterPhAnim="1">
+<p:sld xmlns:a="http://schemas.openxmlformats.org/drawingml/2006/main" xmlns:r="http://schemas.openxmlformats.org/officeDocument/2006/relationships" xmlns:p="http://schemas.openxmlformats.org/presentationml/2006/main">
   <p:cSld>
     <p:spTree>
       <p:nvGrpSpPr>
@@ -4677,7 +4598,6 @@
           <a:bodyPr/>
           <a:lstStyle/>
           <a:p>
-            <a:pPr/>
             <a:r>
               <a:t>制作内存根文件系统的过程</a:t>
             </a:r>
@@ -4701,37 +4621,31 @@
           <a:bodyPr/>
           <a:lstStyle/>
           <a:p>
-            <a:pPr/>
             <a:r>
               <a:t>make menuconfig</a:t>
             </a:r>
           </a:p>
           <a:p>
-            <a:pPr/>
             <a:r>
               <a:t>记得要编译成静态链接，不用动态链接库。</a:t>
             </a:r>
           </a:p>
           <a:p>
-            <a:pPr/>
             <a:r>
               <a:t>Settings  ---&gt;</a:t>
             </a:r>
           </a:p>
           <a:p>
-            <a:pPr/>
             <a:r>
               <a:t>    [*] Build static binary (no shared libs)</a:t>
             </a:r>
           </a:p>
           <a:p>
-            <a:pPr/>
             <a:r>
               <a:t>然后编译安装，默认会安装到源码目录下的 _install 目录中。</a:t>
             </a:r>
           </a:p>
           <a:p>
-            <a:pPr/>
             <a:r>
               <a:t>make -j$(nproc) &amp;&amp; make install</a:t>
             </a:r>
@@ -4743,12 +4657,19 @@
   <p:clrMapOvr>
     <a:masterClrMapping/>
   </p:clrMapOvr>
-  <p:transition xmlns:p14="http://schemas.microsoft.com/office/powerpoint/2010/main" spd="med" advClick="1" p14:dur="1000"/>
+  <mc:AlternateContent xmlns:mc="http://schemas.openxmlformats.org/markup-compatibility/2006">
+    <mc:Choice xmlns:p14="http://schemas.microsoft.com/office/powerpoint/2010/main" Requires="p14">
+      <p:transition spd="med" p14:dur="1000"/>
+    </mc:Choice>
+    <mc:Fallback>
+      <p:transition spd="med"/>
+    </mc:Fallback>
+  </mc:AlternateContent>
 </p:sld>
 </file>
 
 <file path=ppt/slides/slide22.xml><?xml version="1.0" encoding="utf-8"?>
-<p:sld xmlns:a="http://schemas.openxmlformats.org/drawingml/2006/main" xmlns:r="http://schemas.openxmlformats.org/officeDocument/2006/relationships" xmlns:p="http://schemas.openxmlformats.org/presentationml/2006/main" showMasterSp="1" showMasterPhAnim="1">
+<p:sld xmlns:a="http://schemas.openxmlformats.org/drawingml/2006/main" xmlns:r="http://schemas.openxmlformats.org/officeDocument/2006/relationships" xmlns:p="http://schemas.openxmlformats.org/presentationml/2006/main">
   <p:cSld>
     <p:spTree>
       <p:nvGrpSpPr>
@@ -4781,7 +4702,6 @@
           <a:bodyPr/>
           <a:lstStyle/>
           <a:p>
-            <a:pPr/>
             <a:r>
               <a:t>制作内存根文件系统的过程</a:t>
             </a:r>
@@ -4805,37 +4725,31 @@
           <a:bodyPr/>
           <a:lstStyle/>
           <a:p>
-            <a:pPr/>
             <a:r>
               <a:t>然后制作内存根文件系统镜像，大致过程如下：</a:t>
             </a:r>
           </a:p>
           <a:p>
-            <a:pPr/>
             <a:r>
               <a:t>mkdir rootfs</a:t>
             </a:r>
           </a:p>
           <a:p>
-            <a:pPr/>
             <a:r>
               <a:t>cd rootfs</a:t>
             </a:r>
           </a:p>
           <a:p>
-            <a:pPr/>
             <a:r>
               <a:t>cp ../busybox-1.31.1/_install/* ./ -rf</a:t>
             </a:r>
           </a:p>
           <a:p>
-            <a:pPr/>
             <a:r>
               <a:t>mkdir dev proc sys home</a:t>
             </a:r>
           </a:p>
           <a:p>
-            <a:pPr/>
             <a:r>
               <a:t>sudo cp -a /dev/{null,console,tty,tty1,tty2,tty3,tty4} dev/</a:t>
             </a:r>
@@ -4847,12 +4761,19 @@
   <p:clrMapOvr>
     <a:masterClrMapping/>
   </p:clrMapOvr>
-  <p:transition xmlns:p14="http://schemas.microsoft.com/office/powerpoint/2010/main" spd="med" advClick="1" p14:dur="1000"/>
+  <mc:AlternateContent xmlns:mc="http://schemas.openxmlformats.org/markup-compatibility/2006">
+    <mc:Choice xmlns:p14="http://schemas.microsoft.com/office/powerpoint/2010/main" Requires="p14">
+      <p:transition spd="med" p14:dur="1000"/>
+    </mc:Choice>
+    <mc:Fallback>
+      <p:transition spd="med"/>
+    </mc:Fallback>
+  </mc:AlternateContent>
 </p:sld>
 </file>
 
 <file path=ppt/slides/slide23.xml><?xml version="1.0" encoding="utf-8"?>
-<p:sld xmlns:a="http://schemas.openxmlformats.org/drawingml/2006/main" xmlns:r="http://schemas.openxmlformats.org/officeDocument/2006/relationships" xmlns:p="http://schemas.openxmlformats.org/presentationml/2006/main" showMasterSp="1" showMasterPhAnim="1">
+<p:sld xmlns:a="http://schemas.openxmlformats.org/drawingml/2006/main" xmlns:r="http://schemas.openxmlformats.org/officeDocument/2006/relationships" xmlns:p="http://schemas.openxmlformats.org/presentationml/2006/main">
   <p:cSld>
     <p:spTree>
       <p:nvGrpSpPr>
@@ -4885,7 +4806,6 @@
           <a:bodyPr/>
           <a:lstStyle/>
           <a:p>
-            <a:pPr/>
             <a:r>
               <a:t>制作内存根文件系统的过程</a:t>
             </a:r>
@@ -4913,84 +4833,84 @@
               <a:spcBef>
                 <a:spcPts val="3500"/>
               </a:spcBef>
-              <a:defRPr sz="3172"/>
+              <a:defRPr sz="3170"/>
             </a:pPr>
             <a:r>
               <a:t>准备init脚本文件放在根文件系统跟目录下（rootfs/init），添加如下内容到init文件。</a:t>
             </a:r>
           </a:p>
           <a:p>
-            <a:pPr lvl="1" marL="774700" indent="-387350" defTabSz="503555">
+            <a:pPr marL="774700" lvl="1" indent="-387350" defTabSz="503555">
               <a:spcBef>
                 <a:spcPts val="3500"/>
               </a:spcBef>
-              <a:defRPr sz="3172"/>
+              <a:defRPr sz="3170"/>
             </a:pPr>
             <a:r>
               <a:t>#!/bin/sh</a:t>
             </a:r>
           </a:p>
           <a:p>
-            <a:pPr lvl="1" marL="774700" indent="-387350" defTabSz="503555">
+            <a:pPr marL="774700" lvl="1" indent="-387350" defTabSz="503555">
               <a:spcBef>
                 <a:spcPts val="3500"/>
               </a:spcBef>
-              <a:defRPr sz="3172"/>
+              <a:defRPr sz="3170"/>
             </a:pPr>
             <a:r>
               <a:t>mount -t proc none /proc</a:t>
             </a:r>
           </a:p>
           <a:p>
-            <a:pPr lvl="1" marL="774700" indent="-387350" defTabSz="503555">
+            <a:pPr marL="774700" lvl="1" indent="-387350" defTabSz="503555">
               <a:spcBef>
                 <a:spcPts val="3500"/>
               </a:spcBef>
-              <a:defRPr sz="3172"/>
+              <a:defRPr sz="3170"/>
             </a:pPr>
             <a:r>
               <a:t>mount -t sysfs none /sys</a:t>
             </a:r>
           </a:p>
           <a:p>
-            <a:pPr lvl="1" marL="774700" indent="-387350" defTabSz="503555">
+            <a:pPr marL="774700" lvl="1" indent="-387350" defTabSz="503555">
               <a:spcBef>
                 <a:spcPts val="3500"/>
               </a:spcBef>
-              <a:defRPr sz="3172"/>
+              <a:defRPr sz="3170"/>
             </a:pPr>
             <a:r>
               <a:t>echo "Wellcome MengningOS!"</a:t>
             </a:r>
           </a:p>
           <a:p>
-            <a:pPr lvl="1" marL="774700" indent="-387350" defTabSz="503555">
+            <a:pPr marL="774700" lvl="1" indent="-387350" defTabSz="503555">
               <a:spcBef>
                 <a:spcPts val="3500"/>
               </a:spcBef>
-              <a:defRPr sz="3172"/>
+              <a:defRPr sz="3170"/>
             </a:pPr>
             <a:r>
               <a:t>echo "--------------------"</a:t>
             </a:r>
           </a:p>
           <a:p>
-            <a:pPr lvl="1" marL="774700" indent="-387350" defTabSz="503555">
+            <a:pPr marL="774700" lvl="1" indent="-387350" defTabSz="503555">
               <a:spcBef>
                 <a:spcPts val="3500"/>
               </a:spcBef>
-              <a:defRPr sz="3172"/>
+              <a:defRPr sz="3170"/>
             </a:pPr>
             <a:r>
               <a:t>cd home</a:t>
             </a:r>
           </a:p>
           <a:p>
-            <a:pPr lvl="1" marL="774700" indent="-387350" defTabSz="503555">
+            <a:pPr marL="774700" lvl="1" indent="-387350" defTabSz="503555">
               <a:spcBef>
                 <a:spcPts val="3500"/>
               </a:spcBef>
-              <a:defRPr sz="3172"/>
+              <a:defRPr sz="3170"/>
             </a:pPr>
             <a:r>
               <a:t>/bin/sh</a:t>
@@ -5001,18 +4921,18 @@
               <a:spcBef>
                 <a:spcPts val="3500"/>
               </a:spcBef>
-              <a:defRPr sz="3172"/>
+              <a:defRPr sz="3170"/>
             </a:pPr>
             <a:r>
               <a:t>给init脚本添加可执行权限</a:t>
             </a:r>
           </a:p>
           <a:p>
-            <a:pPr lvl="1" marL="774700" indent="-387350" defTabSz="503555">
+            <a:pPr marL="774700" lvl="1" indent="-387350" defTabSz="503555">
               <a:spcBef>
                 <a:spcPts val="3500"/>
               </a:spcBef>
-              <a:defRPr sz="3172"/>
+              <a:defRPr sz="3170"/>
             </a:pPr>
             <a:r>
               <a:t>chmod +x init</a:t>
@@ -5025,12 +4945,19 @@
   <p:clrMapOvr>
     <a:masterClrMapping/>
   </p:clrMapOvr>
-  <p:transition xmlns:p14="http://schemas.microsoft.com/office/powerpoint/2010/main" spd="med" advClick="1" p14:dur="1000"/>
+  <mc:AlternateContent xmlns:mc="http://schemas.openxmlformats.org/markup-compatibility/2006">
+    <mc:Choice xmlns:p14="http://schemas.microsoft.com/office/powerpoint/2010/main" Requires="p14">
+      <p:transition spd="med" p14:dur="1000"/>
+    </mc:Choice>
+    <mc:Fallback>
+      <p:transition spd="med"/>
+    </mc:Fallback>
+  </mc:AlternateContent>
 </p:sld>
 </file>
 
 <file path=ppt/slides/slide24.xml><?xml version="1.0" encoding="utf-8"?>
-<p:sld xmlns:a="http://schemas.openxmlformats.org/drawingml/2006/main" xmlns:r="http://schemas.openxmlformats.org/officeDocument/2006/relationships" xmlns:p="http://schemas.openxmlformats.org/presentationml/2006/main" showMasterSp="1" showMasterPhAnim="1">
+<p:sld xmlns:a="http://schemas.openxmlformats.org/drawingml/2006/main" xmlns:r="http://schemas.openxmlformats.org/officeDocument/2006/relationships" xmlns:p="http://schemas.openxmlformats.org/presentationml/2006/main">
   <p:cSld>
     <p:spTree>
       <p:nvGrpSpPr>
@@ -5063,7 +4990,6 @@
           <a:bodyPr/>
           <a:lstStyle/>
           <a:p>
-            <a:pPr/>
             <a:r>
               <a:t>制作内存根文件系统的过程</a:t>
             </a:r>
@@ -5087,25 +5013,21 @@
           <a:bodyPr/>
           <a:lstStyle/>
           <a:p>
-            <a:pPr/>
             <a:r>
               <a:t>打包成内存根文件系统镜像</a:t>
             </a:r>
           </a:p>
           <a:p>
-            <a:pPr/>
             <a:r>
               <a:t>find . -print0 | cpio --null -ov --format=newc | gzip -9 &gt; ../rootfs.cpio.gz </a:t>
             </a:r>
           </a:p>
           <a:p>
-            <a:pPr/>
             <a:r>
               <a:t>测试挂载根文件系统，看内核启动完成后是否执行init脚本</a:t>
             </a:r>
           </a:p>
           <a:p>
-            <a:pPr/>
             <a:r>
               <a:t>qemu-system-x86_64 -kernel linux-5.4.34/arch/x86/boot/bzImage -initrd rootfs.cpio.gz</a:t>
             </a:r>
@@ -5117,12 +5039,19 @@
   <p:clrMapOvr>
     <a:masterClrMapping/>
   </p:clrMapOvr>
-  <p:transition xmlns:p14="http://schemas.microsoft.com/office/powerpoint/2010/main" spd="med" advClick="1" p14:dur="1000"/>
+  <mc:AlternateContent xmlns:mc="http://schemas.openxmlformats.org/markup-compatibility/2006">
+    <mc:Choice xmlns:p14="http://schemas.microsoft.com/office/powerpoint/2010/main" Requires="p14">
+      <p:transition spd="med" p14:dur="1000"/>
+    </mc:Choice>
+    <mc:Fallback>
+      <p:transition spd="med"/>
+    </mc:Fallback>
+  </mc:AlternateContent>
 </p:sld>
 </file>
 
 <file path=ppt/slides/slide25.xml><?xml version="1.0" encoding="utf-8"?>
-<p:sld xmlns:a="http://schemas.openxmlformats.org/drawingml/2006/main" xmlns:r="http://schemas.openxmlformats.org/officeDocument/2006/relationships" xmlns:p="http://schemas.openxmlformats.org/presentationml/2006/main" showMasterSp="1" showMasterPhAnim="1">
+<p:sld xmlns:a="http://schemas.openxmlformats.org/drawingml/2006/main" xmlns:r="http://schemas.openxmlformats.org/officeDocument/2006/relationships" xmlns:p="http://schemas.openxmlformats.org/presentationml/2006/main">
   <p:cSld>
     <p:spTree>
       <p:nvGrpSpPr>
@@ -5155,7 +5084,6 @@
           <a:bodyPr/>
           <a:lstStyle/>
           <a:p>
-            <a:pPr/>
             <a:r>
               <a:t>跟踪调试Linux内核的基本方法</a:t>
             </a:r>
@@ -5179,7 +5107,6 @@
           <a:bodyPr/>
           <a:lstStyle/>
           <a:p>
-            <a:pPr/>
             <a:r>
               <a:t>下面具体看看如何使用gdb跟踪调试Linux内核。使用gdb跟踪调试内核，加两个参数，一个是-s，在TCP 1234端口上创建了一个gdb-server。可以另外打开一个窗口，用gdb把带有符号表的内核镜像vmlinux加载进来，然后连接gdb server，设置断点跟踪内核。若不想使用1234端口，可以使用-gdb tcp:xxxx来替代-s选项），另一个是-S代表启动时暂停虚拟机，等待 gdb 执行 continue指令（可以简写为c）。</a:t>
             </a:r>
@@ -5191,12 +5118,19 @@
   <p:clrMapOvr>
     <a:masterClrMapping/>
   </p:clrMapOvr>
-  <p:transition xmlns:p14="http://schemas.microsoft.com/office/powerpoint/2010/main" spd="med" advClick="1" p14:dur="1000"/>
+  <mc:AlternateContent xmlns:mc="http://schemas.openxmlformats.org/markup-compatibility/2006">
+    <mc:Choice xmlns:p14="http://schemas.microsoft.com/office/powerpoint/2010/main" Requires="p14">
+      <p:transition spd="med" p14:dur="1000"/>
+    </mc:Choice>
+    <mc:Fallback>
+      <p:transition spd="med"/>
+    </mc:Fallback>
+  </mc:AlternateContent>
 </p:sld>
 </file>
 
 <file path=ppt/slides/slide26.xml><?xml version="1.0" encoding="utf-8"?>
-<p:sld xmlns:a="http://schemas.openxmlformats.org/drawingml/2006/main" xmlns:r="http://schemas.openxmlformats.org/officeDocument/2006/relationships" xmlns:p="http://schemas.openxmlformats.org/presentationml/2006/main" showMasterSp="1" showMasterPhAnim="1">
+<p:sld xmlns:a="http://schemas.openxmlformats.org/drawingml/2006/main" xmlns:r="http://schemas.openxmlformats.org/officeDocument/2006/relationships" xmlns:p="http://schemas.openxmlformats.org/presentationml/2006/main">
   <p:cSld>
     <p:spTree>
       <p:nvGrpSpPr>
@@ -5229,7 +5163,6 @@
           <a:bodyPr/>
           <a:lstStyle/>
           <a:p>
-            <a:pPr/>
             <a:r>
               <a:t>跟踪调试Linux内核的基本方法</a:t>
             </a:r>
@@ -5257,7 +5190,7 @@
               <a:spcBef>
                 <a:spcPts val="5300"/>
               </a:spcBef>
-              <a:defRPr sz="4732"/>
+              <a:defRPr sz="4730"/>
             </a:pPr>
             <a:r>
               <a:t>qemu-system-x86_64 -kernel linux-5.4.34/arch/x86/boot/bzImage -initrd rootfs.cpio.gz -S -s</a:t>
@@ -5268,7 +5201,7 @@
               <a:spcBef>
                 <a:spcPts val="5300"/>
               </a:spcBef>
-              <a:defRPr sz="4732"/>
+              <a:defRPr sz="4730"/>
             </a:pPr>
             <a:r>
               <a:t># 纯命令行下启动虚拟机</a:t>
@@ -5279,7 +5212,7 @@
               <a:spcBef>
                 <a:spcPts val="5300"/>
               </a:spcBef>
-              <a:defRPr sz="4732"/>
+              <a:defRPr sz="4730"/>
             </a:pPr>
             <a:r>
               <a:t>qemu-system-x86_64 -kernel linux-5.4.34/arch/x86/boot/bzImage -initrd rootfs.cpio.gz -S -s -nographic -append "console=ttyS0"</a:t>
@@ -5290,7 +5223,7 @@
               <a:spcBef>
                 <a:spcPts val="5300"/>
               </a:spcBef>
-              <a:defRPr sz="4732"/>
+              <a:defRPr sz="4730"/>
             </a:pPr>
             <a:r>
               <a:t>用以上命令先启动，然后可以看到虚拟机一启动就暂停了。加-nographic -append "console=ttyS0"参数启动不会弹出QEMU虚拟机窗口，可以在纯命令行下启动虚拟机，此时可以通过“killall qemu-system-x86_64”命令强行关闭虚拟机。</a:t>
@@ -5303,12 +5236,19 @@
   <p:clrMapOvr>
     <a:masterClrMapping/>
   </p:clrMapOvr>
-  <p:transition xmlns:p14="http://schemas.microsoft.com/office/powerpoint/2010/main" spd="med" advClick="1" p14:dur="1000"/>
+  <mc:AlternateContent xmlns:mc="http://schemas.openxmlformats.org/markup-compatibility/2006">
+    <mc:Choice xmlns:p14="http://schemas.microsoft.com/office/powerpoint/2010/main" Requires="p14">
+      <p:transition spd="med" p14:dur="1000"/>
+    </mc:Choice>
+    <mc:Fallback>
+      <p:transition spd="med"/>
+    </mc:Fallback>
+  </mc:AlternateContent>
 </p:sld>
 </file>
 
 <file path=ppt/slides/slide27.xml><?xml version="1.0" encoding="utf-8"?>
-<p:sld xmlns:a="http://schemas.openxmlformats.org/drawingml/2006/main" xmlns:r="http://schemas.openxmlformats.org/officeDocument/2006/relationships" xmlns:p="http://schemas.openxmlformats.org/presentationml/2006/main" showMasterSp="1" showMasterPhAnim="1">
+<p:sld xmlns:a="http://schemas.openxmlformats.org/drawingml/2006/main" xmlns:r="http://schemas.openxmlformats.org/officeDocument/2006/relationships" xmlns:p="http://schemas.openxmlformats.org/presentationml/2006/main">
   <p:cSld>
     <p:spTree>
       <p:nvGrpSpPr>
@@ -5341,7 +5281,6 @@
           <a:bodyPr/>
           <a:lstStyle/>
           <a:p>
-            <a:pPr/>
             <a:r>
               <a:t>跟踪调试Linux内核的基本方法</a:t>
             </a:r>
@@ -5365,37 +5304,31 @@
           <a:bodyPr/>
           <a:lstStyle/>
           <a:p>
-            <a:pPr/>
             <a:r>
               <a:t>再打开一个窗口，启动gdb，把内核符号表加载进来，建立连接：</a:t>
             </a:r>
           </a:p>
           <a:p>
-            <a:pPr/>
             <a:r>
               <a:t>cd linux-5.4.34/</a:t>
             </a:r>
           </a:p>
           <a:p>
-            <a:pPr/>
             <a:r>
               <a:t>gdb vmlinux</a:t>
             </a:r>
           </a:p>
           <a:p>
-            <a:pPr/>
             <a:r>
               <a:t>(gdb) target remote:1234</a:t>
             </a:r>
           </a:p>
           <a:p>
-            <a:pPr/>
             <a:r>
               <a:t>(gdb) b start_kernel</a:t>
             </a:r>
           </a:p>
           <a:p>
-            <a:pPr/>
             <a:r>
               <a:t>c、bt、list、next、step....</a:t>
             </a:r>
@@ -5407,12 +5340,19 @@
   <p:clrMapOvr>
     <a:masterClrMapping/>
   </p:clrMapOvr>
-  <p:transition xmlns:p14="http://schemas.microsoft.com/office/powerpoint/2010/main" spd="med" advClick="1" p14:dur="1000"/>
+  <mc:AlternateContent xmlns:mc="http://schemas.openxmlformats.org/markup-compatibility/2006">
+    <mc:Choice xmlns:p14="http://schemas.microsoft.com/office/powerpoint/2010/main" Requires="p14">
+      <p:transition spd="med" p14:dur="1000"/>
+    </mc:Choice>
+    <mc:Fallback>
+      <p:transition spd="med"/>
+    </mc:Fallback>
+  </mc:AlternateContent>
 </p:sld>
 </file>
 
 <file path=ppt/slides/slide28.xml><?xml version="1.0" encoding="utf-8"?>
-<p:sld xmlns:a="http://schemas.openxmlformats.org/drawingml/2006/main" xmlns:r="http://schemas.openxmlformats.org/officeDocument/2006/relationships" xmlns:p="http://schemas.openxmlformats.org/presentationml/2006/main" showMasterSp="1" showMasterPhAnim="1">
+<p:sld xmlns:a="http://schemas.openxmlformats.org/drawingml/2006/main" xmlns:r="http://schemas.openxmlformats.org/officeDocument/2006/relationships" xmlns:p="http://schemas.openxmlformats.org/presentationml/2006/main">
   <p:cSld>
     <p:spTree>
       <p:nvGrpSpPr>
@@ -5445,7 +5385,6 @@
           <a:bodyPr/>
           <a:lstStyle/>
           <a:p>
-            <a:pPr/>
             <a:r>
               <a:t>配置VSCode调试Linux内核</a:t>
             </a:r>
@@ -5469,22 +5408,19 @@
           <a:bodyPr/>
           <a:lstStyle/>
           <a:p>
-            <a:pPr/>
             <a:r>
               <a:t>命令行下打断点跟踪代码还是不够方便，用VSCode边看代码随时打断点单步执行会更方便一些，这需要配置.vscode/tasks.json和.vscode/launch.json。</a:t>
             </a:r>
           </a:p>
           <a:p>
-            <a:pPr/>
             <a:r>
               <a:t>配置文件参见</a:t>
             </a:r>
             <a:r>
-              <a:rPr u="sng">
-                <a:hlinkClick r:id="rId2" invalidUrl="" action="" tgtFrame="" tooltip="" history="1" highlightClick="0" endSnd="0"/>
-              </a:rPr>
+              <a:rPr u="sng"/>
               <a:t>https://github.com/mengning/linuxkernel/tree/master/src/kerneldebuging</a:t>
             </a:r>
+            <a:endParaRPr u="sng"/>
           </a:p>
         </p:txBody>
       </p:sp>
@@ -5493,12 +5429,19 @@
   <p:clrMapOvr>
     <a:masterClrMapping/>
   </p:clrMapOvr>
-  <p:transition xmlns:p14="http://schemas.microsoft.com/office/powerpoint/2010/main" spd="med" advClick="1" p14:dur="1000"/>
+  <mc:AlternateContent xmlns:mc="http://schemas.openxmlformats.org/markup-compatibility/2006">
+    <mc:Choice xmlns:p14="http://schemas.microsoft.com/office/powerpoint/2010/main" Requires="p14">
+      <p:transition spd="med" p14:dur="1000"/>
+    </mc:Choice>
+    <mc:Fallback>
+      <p:transition spd="med"/>
+    </mc:Fallback>
+  </mc:AlternateContent>
 </p:sld>
 </file>
 
 <file path=ppt/slides/slide29.xml><?xml version="1.0" encoding="utf-8"?>
-<p:sld xmlns:a="http://schemas.openxmlformats.org/drawingml/2006/main" xmlns:r="http://schemas.openxmlformats.org/officeDocument/2006/relationships" xmlns:p="http://schemas.openxmlformats.org/presentationml/2006/main" showMasterSp="1" showMasterPhAnim="1">
+<p:sld xmlns:a="http://schemas.openxmlformats.org/drawingml/2006/main" xmlns:r="http://schemas.openxmlformats.org/officeDocument/2006/relationships" xmlns:p="http://schemas.openxmlformats.org/presentationml/2006/main">
   <p:cSld>
     <p:spTree>
       <p:nvGrpSpPr>
@@ -5531,7 +5474,6 @@
           <a:bodyPr/>
           <a:lstStyle/>
           <a:p>
-            <a:pPr/>
             <a:r>
               <a:t>跟踪Linux内核的启动过程</a:t>
             </a:r>
@@ -5559,37 +5501,31 @@
           <a:bodyPr/>
           <a:lstStyle/>
           <a:p>
-            <a:pPr/>
             <a:r>
               <a:t>start_kernel</a:t>
             </a:r>
           </a:p>
           <a:p>
-            <a:pPr/>
             <a:r>
               <a:t>0号进程init_task</a:t>
             </a:r>
           </a:p>
           <a:p>
-            <a:pPr/>
             <a:r>
               <a:t>kernel_thread - fork</a:t>
             </a:r>
           </a:p>
           <a:p>
-            <a:pPr/>
             <a:r>
               <a:t>run_init_process - execve</a:t>
             </a:r>
           </a:p>
           <a:p>
-            <a:pPr/>
             <a:r>
               <a:t>1号进程kernel_init</a:t>
             </a:r>
           </a:p>
           <a:p>
-            <a:pPr/>
             <a:r>
               <a:t>2号进程kthreadd</a:t>
             </a:r>
@@ -5611,13 +5547,13 @@
             <a:avLst/>
           </a:prstGeom>
           <a:blipFill>
-            <a:blip r:embed="rId2"/>
+            <a:blip r:embed="rId1"/>
           </a:blipFill>
           <a:ln w="12700">
             <a:miter lim="400000"/>
           </a:ln>
           <a:effectLst>
-            <a:outerShdw sx="100000" sy="100000" kx="0" ky="0" algn="b" rotWithShape="0" blurRad="38100" dist="25400" dir="5400000">
+            <a:outerShdw blurRad="38100" dist="25400" dir="5400000" rotWithShape="0">
               <a:srgbClr val="000000">
                 <a:alpha val="50000"/>
               </a:srgbClr>
@@ -5655,11 +5591,6 @@
           <a:ln w="12700">
             <a:miter lim="400000"/>
           </a:ln>
-          <a:extLst>
-            <a:ext uri="{C572A759-6A51-4108-AA02-DFA0A04FC94B}">
-              <ma14:wrappingTextBoxFlag xmlns:ma14="http://schemas.microsoft.com/office/mac/drawingml/2011/main" val="1"/>
-            </a:ext>
-          </a:extLst>
         </p:spPr>
         <p:txBody>
           <a:bodyPr wrap="none" lIns="50800" tIns="50800" rIns="50800" bIns="50800" anchor="ctr">
@@ -5675,7 +5606,6 @@
             </a:lvl1pPr>
           </a:lstStyle>
           <a:p>
-            <a:pPr/>
             <a:r>
               <a:t>0</a:t>
             </a:r>
@@ -5697,13 +5627,13 @@
             <a:avLst/>
           </a:prstGeom>
           <a:blipFill>
-            <a:blip r:embed="rId2"/>
+            <a:blip r:embed="rId1"/>
           </a:blipFill>
           <a:ln w="12700">
             <a:miter lim="400000"/>
           </a:ln>
           <a:effectLst>
-            <a:outerShdw sx="100000" sy="100000" kx="0" ky="0" algn="b" rotWithShape="0" blurRad="38100" dist="25400" dir="5400000">
+            <a:outerShdw blurRad="38100" dist="25400" dir="5400000" rotWithShape="0">
               <a:srgbClr val="000000">
                 <a:alpha val="50000"/>
               </a:srgbClr>
@@ -5741,11 +5671,6 @@
           <a:ln w="12700">
             <a:miter lim="400000"/>
           </a:ln>
-          <a:extLst>
-            <a:ext uri="{C572A759-6A51-4108-AA02-DFA0A04FC94B}">
-              <ma14:wrappingTextBoxFlag xmlns:ma14="http://schemas.microsoft.com/office/mac/drawingml/2011/main" val="1"/>
-            </a:ext>
-          </a:extLst>
         </p:spPr>
         <p:txBody>
           <a:bodyPr wrap="none" lIns="50800" tIns="50800" rIns="50800" bIns="50800" anchor="ctr">
@@ -5761,7 +5686,6 @@
             </a:lvl1pPr>
           </a:lstStyle>
           <a:p>
-            <a:pPr/>
             <a:r>
               <a:t>1</a:t>
             </a:r>
@@ -5783,13 +5707,13 @@
             <a:avLst/>
           </a:prstGeom>
           <a:blipFill>
-            <a:blip r:embed="rId2"/>
+            <a:blip r:embed="rId1"/>
           </a:blipFill>
           <a:ln w="12700">
             <a:miter lim="400000"/>
           </a:ln>
           <a:effectLst>
-            <a:outerShdw sx="100000" sy="100000" kx="0" ky="0" algn="b" rotWithShape="0" blurRad="38100" dist="25400" dir="5400000">
+            <a:outerShdw blurRad="38100" dist="25400" dir="5400000" rotWithShape="0">
               <a:srgbClr val="000000">
                 <a:alpha val="50000"/>
               </a:srgbClr>
@@ -5827,11 +5751,6 @@
           <a:ln w="12700">
             <a:miter lim="400000"/>
           </a:ln>
-          <a:extLst>
-            <a:ext uri="{C572A759-6A51-4108-AA02-DFA0A04FC94B}">
-              <ma14:wrappingTextBoxFlag xmlns:ma14="http://schemas.microsoft.com/office/mac/drawingml/2011/main" val="1"/>
-            </a:ext>
-          </a:extLst>
         </p:spPr>
         <p:txBody>
           <a:bodyPr wrap="none" lIns="50800" tIns="50800" rIns="50800" bIns="50800" anchor="ctr">
@@ -5847,7 +5766,6 @@
             </a:lvl1pPr>
           </a:lstStyle>
           <a:p>
-            <a:pPr/>
             <a:r>
               <a:t>2</a:t>
             </a:r>
@@ -5871,13 +5789,13 @@
             </a:avLst>
           </a:prstGeom>
           <a:blipFill>
-            <a:blip r:embed="rId2"/>
+            <a:blip r:embed="rId1"/>
           </a:blipFill>
           <a:ln w="12700">
             <a:miter lim="400000"/>
           </a:ln>
           <a:effectLst>
-            <a:outerShdw sx="100000" sy="100000" kx="0" ky="0" algn="b" rotWithShape="0" blurRad="38100" dist="25400" dir="5400000">
+            <a:outerShdw blurRad="38100" dist="25400" dir="5400000" rotWithShape="0">
               <a:srgbClr val="000000">
                 <a:alpha val="50000"/>
               </a:srgbClr>
@@ -5915,11 +5833,6 @@
           <a:ln w="12700">
             <a:miter lim="400000"/>
           </a:ln>
-          <a:extLst>
-            <a:ext uri="{C572A759-6A51-4108-AA02-DFA0A04FC94B}">
-              <ma14:wrappingTextBoxFlag xmlns:ma14="http://schemas.microsoft.com/office/mac/drawingml/2011/main" val="1"/>
-            </a:ext>
-          </a:extLst>
         </p:spPr>
         <p:txBody>
           <a:bodyPr wrap="none" lIns="50800" tIns="50800" rIns="50800" bIns="50800" anchor="ctr">
@@ -5935,7 +5848,6 @@
             </a:lvl1pPr>
           </a:lstStyle>
           <a:p>
-            <a:pPr/>
             <a:r>
               <a:t>用户进程</a:t>
             </a:r>
@@ -5959,13 +5871,13 @@
             </a:avLst>
           </a:prstGeom>
           <a:blipFill>
-            <a:blip r:embed="rId2"/>
+            <a:blip r:embed="rId1"/>
           </a:blipFill>
           <a:ln w="12700">
             <a:miter lim="400000"/>
           </a:ln>
           <a:effectLst>
-            <a:outerShdw sx="100000" sy="100000" kx="0" ky="0" algn="b" rotWithShape="0" blurRad="38100" dist="25400" dir="5400000">
+            <a:outerShdw blurRad="38100" dist="25400" dir="5400000" rotWithShape="0">
               <a:srgbClr val="000000">
                 <a:alpha val="50000"/>
               </a:srgbClr>
@@ -6003,11 +5915,6 @@
           <a:ln w="12700">
             <a:miter lim="400000"/>
           </a:ln>
-          <a:extLst>
-            <a:ext uri="{C572A759-6A51-4108-AA02-DFA0A04FC94B}">
-              <ma14:wrappingTextBoxFlag xmlns:ma14="http://schemas.microsoft.com/office/mac/drawingml/2011/main" val="1"/>
-            </a:ext>
-          </a:extLst>
         </p:spPr>
         <p:txBody>
           <a:bodyPr wrap="none" lIns="50800" tIns="50800" rIns="50800" bIns="50800" anchor="ctr">
@@ -6023,7 +5930,6 @@
             </a:lvl1pPr>
           </a:lstStyle>
           <a:p>
-            <a:pPr/>
             <a:r>
               <a:t>内核线程</a:t>
             </a:r>
@@ -6096,16 +6002,12 @@
       </p:sp>
       <p:pic>
         <p:nvPicPr>
-          <p:cNvPr id="224" name=""/>
-          <p:cNvPicPr>
-            <a:picLocks noChangeAspect="0"/>
-          </p:cNvPicPr>
+          <p:cNvPr id="224" name="图片 223"/>
+          <p:cNvPicPr/>
           <p:nvPr/>
         </p:nvPicPr>
         <p:blipFill>
-          <a:blip r:embed="rId3">
-            <a:extLst/>
-          </a:blip>
+          <a:blip r:embed="rId2"/>
           <a:stretch>
             <a:fillRect/>
           </a:stretch>
@@ -6122,16 +6024,12 @@
       </p:pic>
       <p:pic>
         <p:nvPicPr>
-          <p:cNvPr id="226" name=""/>
-          <p:cNvPicPr>
-            <a:picLocks noChangeAspect="0"/>
-          </p:cNvPicPr>
+          <p:cNvPr id="226" name="图片 225"/>
+          <p:cNvPicPr/>
           <p:nvPr/>
         </p:nvPicPr>
         <p:blipFill>
-          <a:blip r:embed="rId3">
-            <a:extLst/>
-          </a:blip>
+          <a:blip r:embed="rId2"/>
           <a:stretch>
             <a:fillRect/>
           </a:stretch>
@@ -6151,12 +6049,19 @@
   <p:clrMapOvr>
     <a:masterClrMapping/>
   </p:clrMapOvr>
-  <p:transition xmlns:p14="http://schemas.microsoft.com/office/powerpoint/2010/main" spd="med" advClick="1" p14:dur="1000"/>
+  <mc:AlternateContent xmlns:mc="http://schemas.openxmlformats.org/markup-compatibility/2006">
+    <mc:Choice xmlns:p14="http://schemas.microsoft.com/office/powerpoint/2010/main" Requires="p14">
+      <p:transition spd="med" p14:dur="1000"/>
+    </mc:Choice>
+    <mc:Fallback>
+      <p:transition spd="med"/>
+    </mc:Fallback>
+  </mc:AlternateContent>
 </p:sld>
 </file>
 
 <file path=ppt/slides/slide3.xml><?xml version="1.0" encoding="utf-8"?>
-<p:sld xmlns:a="http://schemas.openxmlformats.org/drawingml/2006/main" xmlns:r="http://schemas.openxmlformats.org/officeDocument/2006/relationships" xmlns:p="http://schemas.openxmlformats.org/presentationml/2006/main" showMasterSp="1" showMasterPhAnim="1">
+<p:sld xmlns:a="http://schemas.openxmlformats.org/drawingml/2006/main" xmlns:r="http://schemas.openxmlformats.org/officeDocument/2006/relationships" xmlns:p="http://schemas.openxmlformats.org/presentationml/2006/main">
   <p:cSld>
     <p:spTree>
       <p:nvGrpSpPr>
@@ -6172,116 +6077,246 @@
           <a:chExt cx="0" cy="0"/>
         </a:xfrm>
       </p:grpSpPr>
-      <p:sp>
-        <p:nvSpPr>
-          <p:cNvPr id="128" name="Shape 128"/>
-          <p:cNvSpPr/>
-          <p:nvPr>
-            <p:ph type="body" sz="half" idx="1"/>
-          </p:nvPr>
-        </p:nvSpPr>
-        <p:spPr>
-          <a:xfrm>
-            <a:off x="1689100" y="3238500"/>
-            <a:ext cx="13116870" cy="9207500"/>
-          </a:xfrm>
-          <a:prstGeom prst="rect">
-            <a:avLst/>
-          </a:prstGeom>
-        </p:spPr>
-        <p:txBody>
-          <a:bodyPr/>
-          <a:lstStyle/>
-          <a:p>
-            <a:pPr marL="520700" indent="-520700" defTabSz="676909">
-              <a:spcBef>
-                <a:spcPts val="4800"/>
-              </a:spcBef>
-              <a:defRPr sz="4264"/>
-            </a:pPr>
-            <a:r>
-              <a:t>Linux内核源代码非常庞大，截止到2015年据统计代码总量就已经超过1500万行（LOC，Line of Code），看代码总量非常吓人，具体看这1500万行代码的大致分布情况如图。</a:t>
-            </a:r>
-          </a:p>
-          <a:p>
-            <a:pPr marL="520700" indent="-520700" defTabSz="676909">
-              <a:spcBef>
-                <a:spcPts val="4800"/>
-              </a:spcBef>
-              <a:defRPr sz="4264"/>
-            </a:pPr>
-            <a:r>
-              <a:t>显然占比最大的drivers和arch目录下的代码合计占比超过70%，而驱动程序和体系结构需要支持大量相似的不同硬件，结构上重复代码居多，可称为繁杂（complicated），而占比很小的init、kernel、mm、ipc、net等目录，是Linux内核的核心，尽管代码总量不是特别大，但是却可以称为复杂（complex）。</a:t>
-            </a:r>
-          </a:p>
-        </p:txBody>
-      </p:sp>
-      <p:sp>
-        <p:nvSpPr>
-          <p:cNvPr id="129" name="Shape 129"/>
-          <p:cNvSpPr/>
-          <p:nvPr>
-            <p:ph type="title"/>
-          </p:nvPr>
-        </p:nvSpPr>
-        <p:spPr>
-          <a:prstGeom prst="rect">
-            <a:avLst/>
-          </a:prstGeom>
-        </p:spPr>
-        <p:txBody>
-          <a:bodyPr/>
-          <a:lstStyle>
-            <a:lvl1pPr algn="l"/>
-          </a:lstStyle>
-          <a:p>
-            <a:pPr/>
-            <a:r>
-              <a:t>Linux内核源代码概述</a:t>
-            </a:r>
-          </a:p>
-        </p:txBody>
-      </p:sp>
       <p:pic>
         <p:nvPicPr>
-          <p:cNvPr id="130" name="pasted-image.png"/>
+          <p:cNvPr id="2" name="图片 1"/>
           <p:cNvPicPr>
             <a:picLocks noChangeAspect="1"/>
           </p:cNvPicPr>
           <p:nvPr/>
         </p:nvPicPr>
         <p:blipFill>
-          <a:blip r:embed="rId2">
-            <a:extLst/>
-          </a:blip>
+          <a:blip r:embed="rId1"/>
           <a:stretch>
             <a:fillRect/>
           </a:stretch>
         </p:blipFill>
         <p:spPr>
           <a:xfrm>
-            <a:off x="15493161" y="259015"/>
-            <a:ext cx="8490695" cy="13197970"/>
+            <a:off x="14856460" y="2105660"/>
+            <a:ext cx="8987790" cy="10365105"/>
           </a:xfrm>
           <a:prstGeom prst="rect">
             <a:avLst/>
           </a:prstGeom>
-          <a:ln w="12700">
-            <a:miter lim="400000"/>
-          </a:ln>
         </p:spPr>
       </p:pic>
+      <p:sp>
+        <p:nvSpPr>
+          <p:cNvPr id="128" name="Shape 128"/>
+          <p:cNvSpPr/>
+          <p:nvPr>
+            <p:ph type="body" sz="half" idx="1"/>
+          </p:nvPr>
+        </p:nvSpPr>
+        <p:spPr>
+          <a:xfrm>
+            <a:off x="1689100" y="3238500"/>
+            <a:ext cx="13116870" cy="9207500"/>
+          </a:xfrm>
+          <a:prstGeom prst="rect">
+            <a:avLst/>
+          </a:prstGeom>
+        </p:spPr>
+        <p:txBody>
+          <a:bodyPr/>
+          <a:lstStyle/>
+          <a:p>
+            <a:pPr marL="520700" indent="-520700" defTabSz="676910">
+              <a:spcBef>
+                <a:spcPts val="4800"/>
+              </a:spcBef>
+              <a:defRPr sz="4265"/>
+            </a:pPr>
+            <a:r>
+              <a:rPr>
+                <a:sym typeface="+mn-ea"/>
+              </a:rPr>
+              <a:t>Linux内核源代码非常庞大，</a:t>
+            </a:r>
+            <a:r>
+              <a:rPr lang="en-US" altLang="zh-CN">
+                <a:sym typeface="+mn-ea"/>
+              </a:rPr>
+              <a:t>linux-5.4.34 2020</a:t>
+            </a:r>
+            <a:r>
+              <a:rPr lang="zh-CN" altLang="en-US">
+                <a:sym typeface="+mn-ea"/>
+              </a:rPr>
+              <a:t>年发布，</a:t>
+            </a:r>
+            <a:r>
+              <a:rPr lang="en-US" altLang="zh-CN">
+                <a:sym typeface="+mn-ea"/>
+              </a:rPr>
+              <a:t>Linux</a:t>
+            </a:r>
+            <a:r>
+              <a:rPr lang="zh-CN" altLang="en-US">
+                <a:sym typeface="+mn-ea"/>
+              </a:rPr>
+              <a:t>内核源代码有约</a:t>
+            </a:r>
+            <a:r>
+              <a:rPr lang="en-US" altLang="zh-CN">
+                <a:sym typeface="+mn-ea"/>
+              </a:rPr>
+              <a:t>1850</a:t>
+            </a:r>
+            <a:r>
+              <a:rPr lang="zh-CN" altLang="en-US">
+                <a:sym typeface="+mn-ea"/>
+              </a:rPr>
+              <a:t>万行代码，加上注释和空行合计约</a:t>
+            </a:r>
+            <a:r>
+              <a:rPr lang="en-US" altLang="zh-CN">
+                <a:sym typeface="+mn-ea"/>
+              </a:rPr>
+              <a:t>2500</a:t>
+            </a:r>
+            <a:r>
+              <a:rPr lang="zh-CN" altLang="en-US">
+                <a:sym typeface="+mn-ea"/>
+              </a:rPr>
+              <a:t>万行，代码统计</a:t>
+            </a:r>
+            <a:r>
+              <a:rPr lang="zh-CN" altLang="en-US">
+                <a:sym typeface="+mn-ea"/>
+              </a:rPr>
+              <a:t>数据如图。</a:t>
+            </a:r>
+            <a:endParaRPr lang="zh-CN" altLang="en-US"/>
+          </a:p>
+          <a:p>
+            <a:pPr marL="520700" indent="-520700" defTabSz="676910">
+              <a:spcBef>
+                <a:spcPts val="4800"/>
+              </a:spcBef>
+              <a:defRPr sz="4265"/>
+            </a:pPr>
+            <a:r>
+              <a:rPr lang="en-US" altLang="zh-CN"/>
+              <a:t>linux-6.3.8</a:t>
+            </a:r>
+            <a:r>
+              <a:rPr lang="zh-CN" altLang="en-US">
+                <a:ea typeface="宋体" panose="02010600030101010101" pitchFamily="2" charset="-122"/>
+              </a:rPr>
+              <a:t>（</a:t>
+            </a:r>
+            <a:r>
+              <a:rPr lang="en-US" altLang="zh-CN"/>
+              <a:t>2023</a:t>
+            </a:r>
+            <a:r>
+              <a:rPr lang="zh-CN" altLang="en-US"/>
+              <a:t>年</a:t>
+            </a:r>
+            <a:r>
+              <a:rPr lang="en-US" altLang="zh-CN"/>
+              <a:t>6</a:t>
+            </a:r>
+            <a:r>
+              <a:rPr lang="zh-CN" altLang="en-US"/>
+              <a:t>月</a:t>
+            </a:r>
+            <a:r>
+              <a:rPr lang="zh-CN" altLang="en-US">
+                <a:ea typeface="宋体" panose="02010600030101010101" pitchFamily="2" charset="-122"/>
+              </a:rPr>
+              <a:t>）</a:t>
+            </a:r>
+            <a:r>
+              <a:rPr lang="en-US" altLang="zh-CN"/>
+              <a:t>Linux</a:t>
+            </a:r>
+            <a:r>
+              <a:rPr lang="zh-CN" altLang="en-US"/>
+              <a:t>内核源代码有约</a:t>
+            </a:r>
+            <a:r>
+              <a:rPr lang="en-US" altLang="zh-CN"/>
+              <a:t>2500</a:t>
+            </a:r>
+            <a:r>
+              <a:rPr lang="zh-CN" altLang="en-US"/>
+              <a:t>万行，算上注释和空行总计有</a:t>
+            </a:r>
+            <a:r>
+              <a:rPr lang="en-US" altLang="zh-CN"/>
+              <a:t>3300</a:t>
+            </a:r>
+            <a:r>
+              <a:rPr lang="zh-CN" altLang="en-US"/>
+              <a:t>万行</a:t>
+            </a:r>
+            <a:r>
+              <a:t>。</a:t>
+            </a:r>
+          </a:p>
+          <a:p>
+            <a:pPr marL="520700" indent="-520700" defTabSz="676910">
+              <a:spcBef>
+                <a:spcPts val="4800"/>
+              </a:spcBef>
+              <a:defRPr sz="4265"/>
+            </a:pPr>
+            <a:r>
+              <a:rPr lang="zh-CN"/>
+              <a:t>其中</a:t>
+            </a:r>
+            <a:r>
+              <a:t>占比最大的drivers和arch目录下的代码合计占比超过70%，而驱动程序和体系结构需要支持大量相似的不同硬件，结构上重复代码居多，可称为繁杂（complicated），而占比很小的init、kernel、mm、ipc、net等目录，是Linux内核的核心，尽管代码总量不是特别大，但是却可以称为复杂（complex）。</a:t>
+            </a:r>
+          </a:p>
+        </p:txBody>
+      </p:sp>
+      <p:sp>
+        <p:nvSpPr>
+          <p:cNvPr id="129" name="Shape 129"/>
+          <p:cNvSpPr/>
+          <p:nvPr>
+            <p:ph type="title"/>
+          </p:nvPr>
+        </p:nvSpPr>
+        <p:spPr>
+          <a:prstGeom prst="rect">
+            <a:avLst/>
+          </a:prstGeom>
+        </p:spPr>
+        <p:txBody>
+          <a:bodyPr/>
+          <a:lstStyle>
+            <a:lvl1pPr algn="l"/>
+          </a:lstStyle>
+          <a:p>
+            <a:r>
+              <a:t>Linux内核源代码概述</a:t>
+            </a:r>
+          </a:p>
+        </p:txBody>
+      </p:sp>
     </p:spTree>
   </p:cSld>
   <p:clrMapOvr>
     <a:masterClrMapping/>
   </p:clrMapOvr>
-  <p:transition xmlns:p14="http://schemas.microsoft.com/office/powerpoint/2010/main" spd="med" advClick="1" p14:dur="1000"/>
+  <mc:AlternateContent xmlns:mc="http://schemas.openxmlformats.org/markup-compatibility/2006">
+    <mc:Choice xmlns:p14="http://schemas.microsoft.com/office/powerpoint/2010/main" Requires="p14">
+      <p:transition spd="med" p14:dur="1000"/>
+    </mc:Choice>
+    <mc:Fallback>
+      <p:transition spd="med"/>
+    </mc:Fallback>
+  </mc:AlternateContent>
 </p:sld>
 </file>
 
 <file path=ppt/slides/slide30.xml><?xml version="1.0" encoding="utf-8"?>
-<p:sld xmlns:a="http://schemas.openxmlformats.org/drawingml/2006/main" xmlns:r="http://schemas.openxmlformats.org/officeDocument/2006/relationships" xmlns:p="http://schemas.openxmlformats.org/presentationml/2006/main" showMasterSp="1" showMasterPhAnim="1">
+<p:sld xmlns:a="http://schemas.openxmlformats.org/drawingml/2006/main" xmlns:r="http://schemas.openxmlformats.org/officeDocument/2006/relationships" xmlns:p="http://schemas.openxmlformats.org/presentationml/2006/main">
   <p:cSld>
     <p:spTree>
       <p:nvGrpSpPr>
@@ -6314,7 +6349,6 @@
           <a:bodyPr/>
           <a:lstStyle/>
           <a:p>
-            <a:pPr/>
             <a:r>
               <a:t>实验任务</a:t>
             </a:r>
@@ -6338,7 +6372,6 @@
           <a:bodyPr/>
           <a:lstStyle/>
           <a:p>
-            <a:pPr/>
             <a:r>
               <a:t>构造一个Linux系统并跟踪分析Linux内核启动过程</a:t>
             </a:r>
@@ -6350,12 +6383,19 @@
   <p:clrMapOvr>
     <a:masterClrMapping/>
   </p:clrMapOvr>
-  <p:transition xmlns:p14="http://schemas.microsoft.com/office/powerpoint/2010/main" spd="med" advClick="1" p14:dur="1000"/>
+  <mc:AlternateContent xmlns:mc="http://schemas.openxmlformats.org/markup-compatibility/2006">
+    <mc:Choice xmlns:p14="http://schemas.microsoft.com/office/powerpoint/2010/main" Requires="p14">
+      <p:transition spd="med" p14:dur="1000"/>
+    </mc:Choice>
+    <mc:Fallback>
+      <p:transition spd="med"/>
+    </mc:Fallback>
+  </mc:AlternateContent>
 </p:sld>
 </file>
 
 <file path=ppt/slides/slide4.xml><?xml version="1.0" encoding="utf-8"?>
-<p:sld xmlns:a="http://schemas.openxmlformats.org/drawingml/2006/main" xmlns:r="http://schemas.openxmlformats.org/officeDocument/2006/relationships" xmlns:p="http://schemas.openxmlformats.org/presentationml/2006/main" showMasterSp="1" showMasterPhAnim="1">
+<p:sld xmlns:a="http://schemas.openxmlformats.org/drawingml/2006/main" xmlns:r="http://schemas.openxmlformats.org/officeDocument/2006/relationships" xmlns:p="http://schemas.openxmlformats.org/presentationml/2006/main">
   <p:cSld>
     <p:spTree>
       <p:nvGrpSpPr>
@@ -6388,7 +6428,6 @@
           <a:bodyPr/>
           <a:lstStyle/>
           <a:p>
-            <a:pPr/>
             <a:r>
               <a:t>主要的代码目录</a:t>
             </a:r>
@@ -6412,7 +6451,6 @@
           <a:bodyPr/>
           <a:lstStyle/>
           <a:p>
-            <a:pPr/>
             <a:r>
               <a:t>arch目录是与体系结构相关的子目录列表，里面存放了许多CPU体系结构的相关代码，比如arm、x86、MIPS、PPC等。arch目录中的代码在Linux内核代码中占比相当庞大，主要原因是arch目录中的代码可以使Linux内核支持不同的CPU和体系结构。alpha、arm、arm64等不同目录分别支持不同的CPU，我们最需要关心的是x86目录。</a:t>
             </a:r>
@@ -6424,12 +6462,19 @@
   <p:clrMapOvr>
     <a:masterClrMapping/>
   </p:clrMapOvr>
-  <p:transition xmlns:p14="http://schemas.microsoft.com/office/powerpoint/2010/main" spd="med" advClick="1" p14:dur="1000"/>
+  <mc:AlternateContent xmlns:mc="http://schemas.openxmlformats.org/markup-compatibility/2006">
+    <mc:Choice xmlns:p14="http://schemas.microsoft.com/office/powerpoint/2010/main" Requires="p14">
+      <p:transition spd="med" p14:dur="1000"/>
+    </mc:Choice>
+    <mc:Fallback>
+      <p:transition spd="med"/>
+    </mc:Fallback>
+  </mc:AlternateContent>
 </p:sld>
 </file>
 
 <file path=ppt/slides/slide5.xml><?xml version="1.0" encoding="utf-8"?>
-<p:sld xmlns:a="http://schemas.openxmlformats.org/drawingml/2006/main" xmlns:r="http://schemas.openxmlformats.org/officeDocument/2006/relationships" xmlns:p="http://schemas.openxmlformats.org/presentationml/2006/main" showMasterSp="1" showMasterPhAnim="1">
+<p:sld xmlns:a="http://schemas.openxmlformats.org/drawingml/2006/main" xmlns:r="http://schemas.openxmlformats.org/officeDocument/2006/relationships" xmlns:p="http://schemas.openxmlformats.org/presentationml/2006/main">
   <p:cSld>
     <p:spTree>
       <p:nvGrpSpPr>
@@ -6462,7 +6507,6 @@
           <a:bodyPr/>
           <a:lstStyle/>
           <a:p>
-            <a:pPr/>
             <a:r>
               <a:t>主要的代码目录</a:t>
             </a:r>
@@ -6486,13 +6530,11 @@
           <a:bodyPr/>
           <a:lstStyle/>
           <a:p>
-            <a:pPr/>
             <a:r>
               <a:t>	•	init目录，init是初始化的意思，存放Linux内核启动时的初始化代码。init目录中的main.c源文件负责整个Linux内核启动，而main.c源文件中的start_kernel函数是Linux内核启动过程的起点，</a:t>
             </a:r>
           </a:p>
           <a:p>
-            <a:pPr/>
             <a:r>
               <a:t>	•	kernel目录包含主内核代码，可谓Linux内核的内核，kernel的意思是内核，就是Linux内核，这个文件夹存放内核本身需要的一些核心代码文件，其中有很多关键代码。</a:t>
             </a:r>
@@ -6504,12 +6546,19 @@
   <p:clrMapOvr>
     <a:masterClrMapping/>
   </p:clrMapOvr>
-  <p:transition xmlns:p14="http://schemas.microsoft.com/office/powerpoint/2010/main" spd="med" advClick="1" p14:dur="1000"/>
+  <mc:AlternateContent xmlns:mc="http://schemas.openxmlformats.org/markup-compatibility/2006">
+    <mc:Choice xmlns:p14="http://schemas.microsoft.com/office/powerpoint/2010/main" Requires="p14">
+      <p:transition spd="med" p14:dur="1000"/>
+    </mc:Choice>
+    <mc:Fallback>
+      <p:transition spd="med"/>
+    </mc:Fallback>
+  </mc:AlternateContent>
 </p:sld>
 </file>
 
 <file path=ppt/slides/slide6.xml><?xml version="1.0" encoding="utf-8"?>
-<p:sld xmlns:a="http://schemas.openxmlformats.org/drawingml/2006/main" xmlns:r="http://schemas.openxmlformats.org/officeDocument/2006/relationships" xmlns:p="http://schemas.openxmlformats.org/presentationml/2006/main" showMasterSp="1" showMasterPhAnim="1">
+<p:sld xmlns:a="http://schemas.openxmlformats.org/drawingml/2006/main" xmlns:r="http://schemas.openxmlformats.org/officeDocument/2006/relationships" xmlns:p="http://schemas.openxmlformats.org/presentationml/2006/main">
   <p:cSld>
     <p:spTree>
       <p:nvGrpSpPr>
@@ -6542,7 +6591,6 @@
           <a:bodyPr/>
           <a:lstStyle/>
           <a:p>
-            <a:pPr/>
             <a:r>
               <a:t>主要的代码目录</a:t>
             </a:r>
@@ -6566,25 +6614,21 @@
           <a:bodyPr/>
           <a:lstStyle/>
           <a:p>
-            <a:pPr/>
             <a:r>
               <a:t>	•	mm目录包含所有的内存管理的代码，mm是memory management，即内存管理。</a:t>
             </a:r>
           </a:p>
           <a:p>
-            <a:pPr/>
             <a:r>
               <a:t>	•	fs目录，fs是指文件系统（file system），里面列出了Linux支持的各种文件系统的实现。</a:t>
             </a:r>
           </a:p>
           <a:p>
-            <a:pPr/>
             <a:r>
               <a:t>	•	ipc目录包含进程间通信的代码，IPC就是进程间通信（inter-process communication）。</a:t>
             </a:r>
           </a:p>
           <a:p>
-            <a:pPr/>
             <a:r>
               <a:t>	•	net目录包含内核中关于网络的代码，比如TCP/IP协议栈等。</a:t>
             </a:r>
@@ -6596,12 +6640,19 @@
   <p:clrMapOvr>
     <a:masterClrMapping/>
   </p:clrMapOvr>
-  <p:transition xmlns:p14="http://schemas.microsoft.com/office/powerpoint/2010/main" spd="med" advClick="1" p14:dur="1000"/>
+  <mc:AlternateContent xmlns:mc="http://schemas.openxmlformats.org/markup-compatibility/2006">
+    <mc:Choice xmlns:p14="http://schemas.microsoft.com/office/powerpoint/2010/main" Requires="p14">
+      <p:transition spd="med" p14:dur="1000"/>
+    </mc:Choice>
+    <mc:Fallback>
+      <p:transition spd="med"/>
+    </mc:Fallback>
+  </mc:AlternateContent>
 </p:sld>
 </file>
 
 <file path=ppt/slides/slide7.xml><?xml version="1.0" encoding="utf-8"?>
-<p:sld xmlns:a="http://schemas.openxmlformats.org/drawingml/2006/main" xmlns:r="http://schemas.openxmlformats.org/officeDocument/2006/relationships" xmlns:p="http://schemas.openxmlformats.org/presentationml/2006/main" showMasterSp="1" showMasterPhAnim="1">
+<p:sld xmlns:a="http://schemas.openxmlformats.org/drawingml/2006/main" xmlns:r="http://schemas.openxmlformats.org/officeDocument/2006/relationships" xmlns:p="http://schemas.openxmlformats.org/presentationml/2006/main">
   <p:cSld>
     <p:spTree>
       <p:nvGrpSpPr>
@@ -6634,7 +6685,6 @@
           <a:bodyPr/>
           <a:lstStyle/>
           <a:p>
-            <a:pPr/>
             <a:r>
               <a:t>主要的代码目录</a:t>
             </a:r>
@@ -6658,33 +6708,33 @@
           <a:bodyPr/>
           <a:lstStyle/>
           <a:p>
-            <a:pPr marL="533400" indent="-533400" defTabSz="693419">
+            <a:pPr marL="533400" indent="-533400" defTabSz="693420">
               <a:spcBef>
                 <a:spcPts val="4900"/>
               </a:spcBef>
-              <a:defRPr sz="4368"/>
+              <a:defRPr sz="4370"/>
             </a:pPr>
             <a:r>
               <a:t>	•	drivers目录包含内核中所有的设备驱动程序，如字符设备、块设备、SCSI设备等。</a:t>
             </a:r>
           </a:p>
           <a:p>
-            <a:pPr marL="533400" indent="-533400" defTabSz="693419">
+            <a:pPr marL="533400" indent="-533400" defTabSz="693420">
               <a:spcBef>
                 <a:spcPts val="4900"/>
               </a:spcBef>
-              <a:defRPr sz="4368"/>
+              <a:defRPr sz="4370"/>
             </a:pPr>
             <a:r>
               <a:t>	•	lib目录：公用的库文件，里面是一些公用的库函数。注意这里的库函数和C语言的库函数是不一样的，在内核编程中不能用C语言标准库函数，这里的lib目录下的库函数就是用来替代那些标准库函数的。譬如把字符串转成数字要用atoi函数，但是内核编程中只能用lib目录下的atoi函数，不能用标准C语言库中的atoi函数。譬如在内核中要打印信息时不能用printf，而要用printk，这个printk就是lib目录下的。</a:t>
             </a:r>
           </a:p>
           <a:p>
-            <a:pPr marL="533400" indent="-533400" defTabSz="693419">
+            <a:pPr marL="533400" indent="-533400" defTabSz="693420">
               <a:spcBef>
                 <a:spcPts val="4900"/>
               </a:spcBef>
-              <a:defRPr sz="4368"/>
+              <a:defRPr sz="4370"/>
             </a:pPr>
             <a:r>
               <a:t>	•	include目录包含建立内核代码时所需的公共的头文件，包括各种体系结构共用的头文件，而模块内部的头文件放在各自模块内部，比如ARM架构特有的一些头文件在arch/arm/include目录及其子目录下。</a:t>
@@ -6697,12 +6747,19 @@
   <p:clrMapOvr>
     <a:masterClrMapping/>
   </p:clrMapOvr>
-  <p:transition xmlns:p14="http://schemas.microsoft.com/office/powerpoint/2010/main" spd="med" advClick="1" p14:dur="1000"/>
+  <mc:AlternateContent xmlns:mc="http://schemas.openxmlformats.org/markup-compatibility/2006">
+    <mc:Choice xmlns:p14="http://schemas.microsoft.com/office/powerpoint/2010/main" Requires="p14">
+      <p:transition spd="med" p14:dur="1000"/>
+    </mc:Choice>
+    <mc:Fallback>
+      <p:transition spd="med"/>
+    </mc:Fallback>
+  </mc:AlternateContent>
 </p:sld>
 </file>
 
 <file path=ppt/slides/slide8.xml><?xml version="1.0" encoding="utf-8"?>
-<p:sld xmlns:a="http://schemas.openxmlformats.org/drawingml/2006/main" xmlns:r="http://schemas.openxmlformats.org/officeDocument/2006/relationships" xmlns:p="http://schemas.openxmlformats.org/presentationml/2006/main" showMasterSp="1" showMasterPhAnim="1">
+<p:sld xmlns:a="http://schemas.openxmlformats.org/drawingml/2006/main" xmlns:r="http://schemas.openxmlformats.org/officeDocument/2006/relationships" xmlns:p="http://schemas.openxmlformats.org/presentationml/2006/main">
   <p:cSld>
     <p:spTree>
       <p:nvGrpSpPr>
@@ -6735,7 +6792,6 @@
           <a:bodyPr/>
           <a:lstStyle/>
           <a:p>
-            <a:pPr/>
             <a:r>
               <a:t>主要的代码目录</a:t>
             </a:r>
@@ -6787,12 +6843,19 @@
   <p:clrMapOvr>
     <a:masterClrMapping/>
   </p:clrMapOvr>
-  <p:transition xmlns:p14="http://schemas.microsoft.com/office/powerpoint/2010/main" spd="med" advClick="1" p14:dur="1000"/>
+  <mc:AlternateContent xmlns:mc="http://schemas.openxmlformats.org/markup-compatibility/2006">
+    <mc:Choice xmlns:p14="http://schemas.microsoft.com/office/powerpoint/2010/main" Requires="p14">
+      <p:transition spd="med" p14:dur="1000"/>
+    </mc:Choice>
+    <mc:Fallback>
+      <p:transition spd="med"/>
+    </mc:Fallback>
+  </mc:AlternateContent>
 </p:sld>
 </file>
 
 <file path=ppt/slides/slide9.xml><?xml version="1.0" encoding="utf-8"?>
-<p:sld xmlns:a="http://schemas.openxmlformats.org/drawingml/2006/main" xmlns:r="http://schemas.openxmlformats.org/officeDocument/2006/relationships" xmlns:p="http://schemas.openxmlformats.org/presentationml/2006/main" showMasterSp="1" showMasterPhAnim="1">
+<p:sld xmlns:a="http://schemas.openxmlformats.org/drawingml/2006/main" xmlns:r="http://schemas.openxmlformats.org/officeDocument/2006/relationships" xmlns:p="http://schemas.openxmlformats.org/presentationml/2006/main">
   <p:cSld>
     <p:spTree>
       <p:nvGrpSpPr>
@@ -6824,9 +6887,7 @@
         <p:txBody>
           <a:bodyPr/>
           <a:lstStyle/>
-          <a:p>
-            <a:pPr/>
-          </a:p>
+          <a:p/>
         </p:txBody>
       </p:sp>
       <p:sp>
@@ -6845,9 +6906,7 @@
         <p:txBody>
           <a:bodyPr/>
           <a:lstStyle/>
-          <a:p>
-            <a:pPr/>
-          </a:p>
+          <a:p/>
         </p:txBody>
       </p:sp>
       <p:pic>
@@ -6859,9 +6918,7 @@
           <p:nvPr/>
         </p:nvPicPr>
         <p:blipFill>
-          <a:blip r:embed="rId2">
-            <a:extLst/>
-          </a:blip>
+          <a:blip r:embed="rId1"/>
           <a:stretch>
             <a:fillRect/>
           </a:stretch>
@@ -6876,6 +6933,8 @@
           </a:prstGeom>
           <a:ln w="12700">
             <a:miter lim="400000"/>
+            <a:headEnd/>
+            <a:tailEnd/>
           </a:ln>
         </p:spPr>
       </p:pic>
@@ -6884,12 +6943,19 @@
   <p:clrMapOvr>
     <a:masterClrMapping/>
   </p:clrMapOvr>
-  <p:transition xmlns:p14="http://schemas.microsoft.com/office/powerpoint/2010/main" spd="med" advClick="1" p14:dur="1000"/>
+  <mc:AlternateContent xmlns:mc="http://schemas.openxmlformats.org/markup-compatibility/2006">
+    <mc:Choice xmlns:p14="http://schemas.microsoft.com/office/powerpoint/2010/main" Requires="p14">
+      <p:transition spd="med" p14:dur="1000"/>
+    </mc:Choice>
+    <mc:Fallback>
+      <p:transition spd="med"/>
+    </mc:Fallback>
+  </mc:AlternateContent>
 </p:sld>
 </file>
 
 <file path=ppt/theme/theme1.xml><?xml version="1.0" encoding="utf-8"?>
-<a:theme xmlns:a="http://schemas.openxmlformats.org/drawingml/2006/main" xmlns:r="http://schemas.openxmlformats.org/officeDocument/2006/relationships" name="White">
+<a:theme xmlns:a="http://schemas.openxmlformats.org/drawingml/2006/main" name="White">
   <a:themeElements>
     <a:clrScheme name="White">
       <a:dk1>
@@ -7015,7 +7081,7 @@
       <a:effectStyleLst>
         <a:effectStyle>
           <a:effectLst>
-            <a:outerShdw sx="100000" sy="100000" kx="0" ky="0" algn="b" rotWithShape="0" blurRad="38100" dist="25400" dir="5400000">
+            <a:outerShdw blurRad="38100" dist="25400" dir="5400000" rotWithShape="0">
               <a:srgbClr val="000000">
                 <a:alpha val="50000"/>
               </a:srgbClr>
@@ -7024,7 +7090,7 @@
         </a:effectStyle>
         <a:effectStyle>
           <a:effectLst>
-            <a:outerShdw sx="100000" sy="100000" kx="0" ky="0" algn="b" rotWithShape="0" blurRad="50800" dist="12700" dir="0">
+            <a:outerShdw blurRad="50800" dist="12700" rotWithShape="0">
               <a:srgbClr val="000000">
                 <a:alpha val="50000"/>
               </a:srgbClr>
@@ -7033,7 +7099,7 @@
         </a:effectStyle>
         <a:effectStyle>
           <a:effectLst>
-            <a:outerShdw sx="100000" sy="100000" kx="0" ky="0" algn="b" rotWithShape="0" blurRad="38100" dist="25400" dir="5400000">
+            <a:outerShdw blurRad="38100" dist="25400" dir="5400000" rotWithShape="0">
               <a:srgbClr val="000000">
                 <a:alpha val="50000"/>
               </a:srgbClr>
@@ -7097,8 +7163,8 @@
     <a:spDef>
       <a:spPr>
         <a:blipFill rotWithShape="1">
-          <a:blip r:embed="rId1"/>
-          <a:srcRect l="0" t="0" r="0" b="0"/>
+          <a:blip xmlns:r="http://schemas.openxmlformats.org/officeDocument/2006/relationships" r:embed="rId1"/>
+          <a:srcRect/>
           <a:tile tx="0" ty="0" sx="100000" sy="100000" flip="none" algn="tl"/>
         </a:blipFill>
         <a:ln w="12700" cap="flat">
@@ -7106,13 +7172,12 @@
           <a:miter lim="400000"/>
         </a:ln>
         <a:effectLst>
-          <a:outerShdw sx="100000" sy="100000" kx="0" ky="0" algn="b" rotWithShape="0" blurRad="38100" dist="25400" dir="5400000">
+          <a:outerShdw blurRad="38100" dist="25400" dir="5400000" rotWithShape="0">
             <a:srgbClr val="000000">
               <a:alpha val="50000"/>
             </a:srgbClr>
           </a:outerShdw>
         </a:effectLst>
-        <a:sp3d/>
       </a:spPr>
       <a:bodyPr rot="0" spcFirstLastPara="1" vertOverflow="overflow" horzOverflow="overflow" vert="horz" wrap="square" lIns="50800" tIns="50800" rIns="50800" bIns="50800" numCol="1" spcCol="38100" rtlCol="0" anchor="ctr" upright="0">
         <a:spAutoFit/>
@@ -7132,8 +7197,7 @@
           <a:buSzTx/>
           <a:buFontTx/>
           <a:buNone/>
-          <a:tabLst/>
-          <a:defRPr b="0" baseline="0" cap="none" i="0" spc="0" strike="noStrike" sz="3200" u="none" kumimoji="0" normalizeH="0">
+          <a:defRPr kumimoji="0" sz="3200" b="0" i="0" u="none" strike="noStrike" cap="none" spc="0" normalizeH="0" baseline="0">
             <a:ln>
               <a:noFill/>
             </a:ln>
@@ -7162,8 +7226,7 @@
           <a:buSzTx/>
           <a:buFontTx/>
           <a:buNone/>
-          <a:tabLst/>
-          <a:defRPr b="0" baseline="0" cap="none" i="0" spc="0" strike="noStrike" sz="1800" u="none" kumimoji="0" normalizeH="0">
+          <a:defRPr kumimoji="0" sz="1800" b="0" i="0" u="none" strike="noStrike" cap="none" spc="0" normalizeH="0" baseline="0">
             <a:ln>
               <a:noFill/>
             </a:ln>
@@ -7188,8 +7251,7 @@
           <a:buSzTx/>
           <a:buFontTx/>
           <a:buNone/>
-          <a:tabLst/>
-          <a:defRPr b="0" baseline="0" cap="none" i="0" spc="0" strike="noStrike" sz="1800" u="none" kumimoji="0" normalizeH="0">
+          <a:defRPr kumimoji="0" sz="1800" b="0" i="0" u="none" strike="noStrike" cap="none" spc="0" normalizeH="0" baseline="0">
             <a:ln>
               <a:noFill/>
             </a:ln>
@@ -7214,8 +7276,7 @@
           <a:buSzTx/>
           <a:buFontTx/>
           <a:buNone/>
-          <a:tabLst/>
-          <a:defRPr b="0" baseline="0" cap="none" i="0" spc="0" strike="noStrike" sz="1800" u="none" kumimoji="0" normalizeH="0">
+          <a:defRPr kumimoji="0" sz="1800" b="0" i="0" u="none" strike="noStrike" cap="none" spc="0" normalizeH="0" baseline="0">
             <a:ln>
               <a:noFill/>
             </a:ln>
@@ -7240,8 +7301,7 @@
           <a:buSzTx/>
           <a:buFontTx/>
           <a:buNone/>
-          <a:tabLst/>
-          <a:defRPr b="0" baseline="0" cap="none" i="0" spc="0" strike="noStrike" sz="1800" u="none" kumimoji="0" normalizeH="0">
+          <a:defRPr kumimoji="0" sz="1800" b="0" i="0" u="none" strike="noStrike" cap="none" spc="0" normalizeH="0" baseline="0">
             <a:ln>
               <a:noFill/>
             </a:ln>
@@ -7266,8 +7326,7 @@
           <a:buSzTx/>
           <a:buFontTx/>
           <a:buNone/>
-          <a:tabLst/>
-          <a:defRPr b="0" baseline="0" cap="none" i="0" spc="0" strike="noStrike" sz="1800" u="none" kumimoji="0" normalizeH="0">
+          <a:defRPr kumimoji="0" sz="1800" b="0" i="0" u="none" strike="noStrike" cap="none" spc="0" normalizeH="0" baseline="0">
             <a:ln>
               <a:noFill/>
             </a:ln>
@@ -7292,8 +7351,7 @@
           <a:buSzTx/>
           <a:buFontTx/>
           <a:buNone/>
-          <a:tabLst/>
-          <a:defRPr b="0" baseline="0" cap="none" i="0" spc="0" strike="noStrike" sz="1800" u="none" kumimoji="0" normalizeH="0">
+          <a:defRPr kumimoji="0" sz="1800" b="0" i="0" u="none" strike="noStrike" cap="none" spc="0" normalizeH="0" baseline="0">
             <a:ln>
               <a:noFill/>
             </a:ln>
@@ -7318,8 +7376,7 @@
           <a:buSzTx/>
           <a:buFontTx/>
           <a:buNone/>
-          <a:tabLst/>
-          <a:defRPr b="0" baseline="0" cap="none" i="0" spc="0" strike="noStrike" sz="1800" u="none" kumimoji="0" normalizeH="0">
+          <a:defRPr kumimoji="0" sz="1800" b="0" i="0" u="none" strike="noStrike" cap="none" spc="0" normalizeH="0" baseline="0">
             <a:ln>
               <a:noFill/>
             </a:ln>
@@ -7344,8 +7401,7 @@
           <a:buSzTx/>
           <a:buFontTx/>
           <a:buNone/>
-          <a:tabLst/>
-          <a:defRPr b="0" baseline="0" cap="none" i="0" spc="0" strike="noStrike" sz="1800" u="none" kumimoji="0" normalizeH="0">
+          <a:defRPr kumimoji="0" sz="1800" b="0" i="0" u="none" strike="noStrike" cap="none" spc="0" normalizeH="0" baseline="0">
             <a:ln>
               <a:noFill/>
             </a:ln>
@@ -7370,8 +7426,7 @@
           <a:buSzTx/>
           <a:buFontTx/>
           <a:buNone/>
-          <a:tabLst/>
-          <a:defRPr b="0" baseline="0" cap="none" i="0" spc="0" strike="noStrike" sz="1800" u="none" kumimoji="0" normalizeH="0">
+          <a:defRPr kumimoji="0" sz="1800" b="0" i="0" u="none" strike="noStrike" cap="none" spc="0" normalizeH="0" baseline="0">
             <a:ln>
               <a:noFill/>
             </a:ln>
@@ -7384,9 +7439,15 @@
         </a:lvl9pPr>
       </a:lstStyle>
       <a:style>
-        <a:lnRef idx="0"/>
-        <a:fillRef idx="0"/>
-        <a:effectRef idx="0"/>
+        <a:lnRef idx="0">
+          <a:srgbClr val="FFFFFF"/>
+        </a:lnRef>
+        <a:fillRef idx="0">
+          <a:srgbClr val="FFFFFF"/>
+        </a:fillRef>
+        <a:effectRef idx="0">
+          <a:srgbClr val="FFFFFF"/>
+        </a:effectRef>
         <a:fontRef idx="none"/>
       </a:style>
     </a:spDef>
@@ -7400,8 +7461,6 @@
           <a:prstDash val="solid"/>
           <a:miter lim="400000"/>
         </a:ln>
-        <a:effectLst/>
-        <a:sp3d/>
       </a:spPr>
       <a:bodyPr rot="0" spcFirstLastPara="1" vertOverflow="overflow" horzOverflow="overflow" vert="horz" wrap="square" lIns="91439" tIns="45719" rIns="91439" bIns="45719" numCol="1" spcCol="38100" rtlCol="0" anchor="t" upright="0">
         <a:noAutofit/>
@@ -7421,8 +7480,7 @@
           <a:buSzTx/>
           <a:buFontTx/>
           <a:buNone/>
-          <a:tabLst/>
-          <a:defRPr b="0" baseline="0" cap="none" i="0" spc="0" strike="noStrike" sz="1800" u="none" kumimoji="0" normalizeH="0">
+          <a:defRPr kumimoji="0" sz="1800" b="0" i="0" u="none" strike="noStrike" cap="none" spc="0" normalizeH="0" baseline="0">
             <a:ln>
               <a:noFill/>
             </a:ln>
@@ -7447,8 +7505,7 @@
           <a:buSzTx/>
           <a:buFontTx/>
           <a:buNone/>
-          <a:tabLst/>
-          <a:defRPr b="0" baseline="0" cap="none" i="0" spc="0" strike="noStrike" sz="1800" u="none" kumimoji="0" normalizeH="0">
+          <a:defRPr kumimoji="0" sz="1800" b="0" i="0" u="none" strike="noStrike" cap="none" spc="0" normalizeH="0" baseline="0">
             <a:ln>
               <a:noFill/>
             </a:ln>
@@ -7473,8 +7530,7 @@
           <a:buSzTx/>
           <a:buFontTx/>
           <a:buNone/>
-          <a:tabLst/>
-          <a:defRPr b="0" baseline="0" cap="none" i="0" spc="0" strike="noStrike" sz="1800" u="none" kumimoji="0" normalizeH="0">
+          <a:defRPr kumimoji="0" sz="1800" b="0" i="0" u="none" strike="noStrike" cap="none" spc="0" normalizeH="0" baseline="0">
             <a:ln>
               <a:noFill/>
             </a:ln>
@@ -7499,8 +7555,7 @@
           <a:buSzTx/>
           <a:buFontTx/>
           <a:buNone/>
-          <a:tabLst/>
-          <a:defRPr b="0" baseline="0" cap="none" i="0" spc="0" strike="noStrike" sz="1800" u="none" kumimoji="0" normalizeH="0">
+          <a:defRPr kumimoji="0" sz="1800" b="0" i="0" u="none" strike="noStrike" cap="none" spc="0" normalizeH="0" baseline="0">
             <a:ln>
               <a:noFill/>
             </a:ln>
@@ -7525,8 +7580,7 @@
           <a:buSzTx/>
           <a:buFontTx/>
           <a:buNone/>
-          <a:tabLst/>
-          <a:defRPr b="0" baseline="0" cap="none" i="0" spc="0" strike="noStrike" sz="1800" u="none" kumimoji="0" normalizeH="0">
+          <a:defRPr kumimoji="0" sz="1800" b="0" i="0" u="none" strike="noStrike" cap="none" spc="0" normalizeH="0" baseline="0">
             <a:ln>
               <a:noFill/>
             </a:ln>
@@ -7551,8 +7605,7 @@
           <a:buSzTx/>
           <a:buFontTx/>
           <a:buNone/>
-          <a:tabLst/>
-          <a:defRPr b="0" baseline="0" cap="none" i="0" spc="0" strike="noStrike" sz="1800" u="none" kumimoji="0" normalizeH="0">
+          <a:defRPr kumimoji="0" sz="1800" b="0" i="0" u="none" strike="noStrike" cap="none" spc="0" normalizeH="0" baseline="0">
             <a:ln>
               <a:noFill/>
             </a:ln>
@@ -7577,8 +7630,7 @@
           <a:buSzTx/>
           <a:buFontTx/>
           <a:buNone/>
-          <a:tabLst/>
-          <a:defRPr b="0" baseline="0" cap="none" i="0" spc="0" strike="noStrike" sz="1800" u="none" kumimoji="0" normalizeH="0">
+          <a:defRPr kumimoji="0" sz="1800" b="0" i="0" u="none" strike="noStrike" cap="none" spc="0" normalizeH="0" baseline="0">
             <a:ln>
               <a:noFill/>
             </a:ln>
@@ -7603,8 +7655,7 @@
           <a:buSzTx/>
           <a:buFontTx/>
           <a:buNone/>
-          <a:tabLst/>
-          <a:defRPr b="0" baseline="0" cap="none" i="0" spc="0" strike="noStrike" sz="1800" u="none" kumimoji="0" normalizeH="0">
+          <a:defRPr kumimoji="0" sz="1800" b="0" i="0" u="none" strike="noStrike" cap="none" spc="0" normalizeH="0" baseline="0">
             <a:ln>
               <a:noFill/>
             </a:ln>
@@ -7629,8 +7680,7 @@
           <a:buSzTx/>
           <a:buFontTx/>
           <a:buNone/>
-          <a:tabLst/>
-          <a:defRPr b="0" baseline="0" cap="none" i="0" spc="0" strike="noStrike" sz="1800" u="none" kumimoji="0" normalizeH="0">
+          <a:defRPr kumimoji="0" sz="1800" b="0" i="0" u="none" strike="noStrike" cap="none" spc="0" normalizeH="0" baseline="0">
             <a:ln>
               <a:noFill/>
             </a:ln>
@@ -7655,8 +7705,7 @@
           <a:buSzTx/>
           <a:buFontTx/>
           <a:buNone/>
-          <a:tabLst/>
-          <a:defRPr b="0" baseline="0" cap="none" i="0" spc="0" strike="noStrike" sz="1800" u="none" kumimoji="0" normalizeH="0">
+          <a:defRPr kumimoji="0" sz="1800" b="0" i="0" u="none" strike="noStrike" cap="none" spc="0" normalizeH="0" baseline="0">
             <a:ln>
               <a:noFill/>
             </a:ln>
@@ -7669,9 +7718,15 @@
         </a:lvl9pPr>
       </a:lstStyle>
       <a:style>
-        <a:lnRef idx="0"/>
-        <a:fillRef idx="0"/>
-        <a:effectRef idx="0"/>
+        <a:lnRef idx="0">
+          <a:srgbClr val="FFFFFF"/>
+        </a:lnRef>
+        <a:fillRef idx="0">
+          <a:srgbClr val="FFFFFF"/>
+        </a:fillRef>
+        <a:effectRef idx="0">
+          <a:srgbClr val="FFFFFF"/>
+        </a:effectRef>
         <a:fontRef idx="none"/>
       </a:style>
     </a:lnDef>
@@ -7682,8 +7737,6 @@
           <a:noFill/>
           <a:miter lim="400000"/>
         </a:ln>
-        <a:effectLst/>
-        <a:sp3d/>
       </a:spPr>
       <a:bodyPr rot="0" spcFirstLastPara="1" vertOverflow="overflow" horzOverflow="overflow" vert="horz" wrap="square" lIns="50800" tIns="50800" rIns="50800" bIns="50800" numCol="1" spcCol="38100" rtlCol="0" anchor="ctr" upright="0">
         <a:spAutoFit/>
@@ -7703,8 +7756,7 @@
           <a:buSzTx/>
           <a:buFontTx/>
           <a:buNone/>
-          <a:tabLst/>
-          <a:defRPr b="0" baseline="0" cap="none" i="0" spc="0" strike="noStrike" sz="5000" u="none" kumimoji="0" normalizeH="0">
+          <a:defRPr kumimoji="0" sz="5000" b="0" i="0" u="none" strike="noStrike" cap="none" spc="0" normalizeH="0" baseline="0">
             <a:ln>
               <a:noFill/>
             </a:ln>
@@ -7733,8 +7785,7 @@
           <a:buSzTx/>
           <a:buFontTx/>
           <a:buNone/>
-          <a:tabLst/>
-          <a:defRPr b="0" baseline="0" cap="none" i="0" spc="0" strike="noStrike" sz="1800" u="none" kumimoji="0" normalizeH="0">
+          <a:defRPr kumimoji="0" sz="1800" b="0" i="0" u="none" strike="noStrike" cap="none" spc="0" normalizeH="0" baseline="0">
             <a:ln>
               <a:noFill/>
             </a:ln>
@@ -7759,8 +7810,7 @@
           <a:buSzTx/>
           <a:buFontTx/>
           <a:buNone/>
-          <a:tabLst/>
-          <a:defRPr b="0" baseline="0" cap="none" i="0" spc="0" strike="noStrike" sz="1800" u="none" kumimoji="0" normalizeH="0">
+          <a:defRPr kumimoji="0" sz="1800" b="0" i="0" u="none" strike="noStrike" cap="none" spc="0" normalizeH="0" baseline="0">
             <a:ln>
               <a:noFill/>
             </a:ln>
@@ -7785,8 +7835,7 @@
           <a:buSzTx/>
           <a:buFontTx/>
           <a:buNone/>
-          <a:tabLst/>
-          <a:defRPr b="0" baseline="0" cap="none" i="0" spc="0" strike="noStrike" sz="1800" u="none" kumimoji="0" normalizeH="0">
+          <a:defRPr kumimoji="0" sz="1800" b="0" i="0" u="none" strike="noStrike" cap="none" spc="0" normalizeH="0" baseline="0">
             <a:ln>
               <a:noFill/>
             </a:ln>
@@ -7811,8 +7860,7 @@
           <a:buSzTx/>
           <a:buFontTx/>
           <a:buNone/>
-          <a:tabLst/>
-          <a:defRPr b="0" baseline="0" cap="none" i="0" spc="0" strike="noStrike" sz="1800" u="none" kumimoji="0" normalizeH="0">
+          <a:defRPr kumimoji="0" sz="1800" b="0" i="0" u="none" strike="noStrike" cap="none" spc="0" normalizeH="0" baseline="0">
             <a:ln>
               <a:noFill/>
             </a:ln>
@@ -7837,8 +7885,7 @@
           <a:buSzTx/>
           <a:buFontTx/>
           <a:buNone/>
-          <a:tabLst/>
-          <a:defRPr b="0" baseline="0" cap="none" i="0" spc="0" strike="noStrike" sz="1800" u="none" kumimoji="0" normalizeH="0">
+          <a:defRPr kumimoji="0" sz="1800" b="0" i="0" u="none" strike="noStrike" cap="none" spc="0" normalizeH="0" baseline="0">
             <a:ln>
               <a:noFill/>
             </a:ln>
@@ -7863,8 +7910,7 @@
           <a:buSzTx/>
           <a:buFontTx/>
           <a:buNone/>
-          <a:tabLst/>
-          <a:defRPr b="0" baseline="0" cap="none" i="0" spc="0" strike="noStrike" sz="1800" u="none" kumimoji="0" normalizeH="0">
+          <a:defRPr kumimoji="0" sz="1800" b="0" i="0" u="none" strike="noStrike" cap="none" spc="0" normalizeH="0" baseline="0">
             <a:ln>
               <a:noFill/>
             </a:ln>
@@ -7889,8 +7935,7 @@
           <a:buSzTx/>
           <a:buFontTx/>
           <a:buNone/>
-          <a:tabLst/>
-          <a:defRPr b="0" baseline="0" cap="none" i="0" spc="0" strike="noStrike" sz="1800" u="none" kumimoji="0" normalizeH="0">
+          <a:defRPr kumimoji="0" sz="1800" b="0" i="0" u="none" strike="noStrike" cap="none" spc="0" normalizeH="0" baseline="0">
             <a:ln>
               <a:noFill/>
             </a:ln>
@@ -7915,8 +7960,7 @@
           <a:buSzTx/>
           <a:buFontTx/>
           <a:buNone/>
-          <a:tabLst/>
-          <a:defRPr b="0" baseline="0" cap="none" i="0" spc="0" strike="noStrike" sz="1800" u="none" kumimoji="0" normalizeH="0">
+          <a:defRPr kumimoji="0" sz="1800" b="0" i="0" u="none" strike="noStrike" cap="none" spc="0" normalizeH="0" baseline="0">
             <a:ln>
               <a:noFill/>
             </a:ln>
@@ -7941,8 +7985,7 @@
           <a:buSzTx/>
           <a:buFontTx/>
           <a:buNone/>
-          <a:tabLst/>
-          <a:defRPr b="0" baseline="0" cap="none" i="0" spc="0" strike="noStrike" sz="1800" u="none" kumimoji="0" normalizeH="0">
+          <a:defRPr kumimoji="0" sz="1800" b="0" i="0" u="none" strike="noStrike" cap="none" spc="0" normalizeH="0" baseline="0">
             <a:ln>
               <a:noFill/>
             </a:ln>
@@ -7955,18 +7998,29 @@
         </a:lvl9pPr>
       </a:lstStyle>
       <a:style>
-        <a:lnRef idx="0"/>
-        <a:fillRef idx="0"/>
-        <a:effectRef idx="0"/>
+        <a:lnRef idx="0">
+          <a:srgbClr val="FFFFFF"/>
+        </a:lnRef>
+        <a:fillRef idx="0">
+          <a:srgbClr val="FFFFFF"/>
+        </a:fillRef>
+        <a:effectRef idx="0">
+          <a:srgbClr val="FFFFFF"/>
+        </a:effectRef>
         <a:fontRef idx="none"/>
       </a:style>
     </a:txDef>
   </a:objectDefaults>
+  <a:extLst>
+    <a:ext uri="{05A4C25C-085E-4340-85A3-A5531E510DB2}">
+      <thm15:themeFamily xmlns:thm15="http://schemas.microsoft.com/office/thememl/2012/main" name="Office Theme" id="{62F939B6-93AF-4DB8-9C6B-D6C7DFDC589F}" vid="{4A3C46E8-61CC-4603-A589-7422A47A8E4A}"/>
+    </a:ext>
+  </a:extLst>
 </a:theme>
 </file>
 
 <file path=ppt/theme/theme2.xml><?xml version="1.0" encoding="utf-8"?>
-<a:theme xmlns:a="http://schemas.openxmlformats.org/drawingml/2006/main" xmlns:r="http://schemas.openxmlformats.org/officeDocument/2006/relationships" name="White">
+<a:theme xmlns:a="http://schemas.openxmlformats.org/drawingml/2006/main" name="White">
   <a:themeElements>
     <a:clrScheme name="White">
       <a:dk1>
@@ -8092,7 +8146,7 @@
       <a:effectStyleLst>
         <a:effectStyle>
           <a:effectLst>
-            <a:outerShdw sx="100000" sy="100000" kx="0" ky="0" algn="b" rotWithShape="0" blurRad="38100" dist="25400" dir="5400000">
+            <a:outerShdw blurRad="38100" dist="25400" dir="5400000" rotWithShape="0">
               <a:srgbClr val="000000">
                 <a:alpha val="50000"/>
               </a:srgbClr>
@@ -8101,7 +8155,7 @@
         </a:effectStyle>
         <a:effectStyle>
           <a:effectLst>
-            <a:outerShdw sx="100000" sy="100000" kx="0" ky="0" algn="b" rotWithShape="0" blurRad="50800" dist="12700" dir="0">
+            <a:outerShdw blurRad="50800" dist="12700" rotWithShape="0">
               <a:srgbClr val="000000">
                 <a:alpha val="50000"/>
               </a:srgbClr>
@@ -8110,7 +8164,7 @@
         </a:effectStyle>
         <a:effectStyle>
           <a:effectLst>
-            <a:outerShdw sx="100000" sy="100000" kx="0" ky="0" algn="b" rotWithShape="0" blurRad="38100" dist="25400" dir="5400000">
+            <a:outerShdw blurRad="38100" dist="25400" dir="5400000" rotWithShape="0">
               <a:srgbClr val="000000">
                 <a:alpha val="50000"/>
               </a:srgbClr>
@@ -8174,8 +8228,8 @@
     <a:spDef>
       <a:spPr>
         <a:blipFill rotWithShape="1">
-          <a:blip r:embed="rId1"/>
-          <a:srcRect l="0" t="0" r="0" b="0"/>
+          <a:blip xmlns:r="http://schemas.openxmlformats.org/officeDocument/2006/relationships" r:embed="rId1"/>
+          <a:srcRect/>
           <a:tile tx="0" ty="0" sx="100000" sy="100000" flip="none" algn="tl"/>
         </a:blipFill>
         <a:ln w="12700" cap="flat">
@@ -8183,13 +8237,12 @@
           <a:miter lim="400000"/>
         </a:ln>
         <a:effectLst>
-          <a:outerShdw sx="100000" sy="100000" kx="0" ky="0" algn="b" rotWithShape="0" blurRad="38100" dist="25400" dir="5400000">
+          <a:outerShdw blurRad="38100" dist="25400" dir="5400000" rotWithShape="0">
             <a:srgbClr val="000000">
               <a:alpha val="50000"/>
             </a:srgbClr>
           </a:outerShdw>
         </a:effectLst>
-        <a:sp3d/>
       </a:spPr>
       <a:bodyPr rot="0" spcFirstLastPara="1" vertOverflow="overflow" horzOverflow="overflow" vert="horz" wrap="square" lIns="50800" tIns="50800" rIns="50800" bIns="50800" numCol="1" spcCol="38100" rtlCol="0" anchor="ctr" upright="0">
         <a:spAutoFit/>
@@ -8209,8 +8262,7 @@
           <a:buSzTx/>
           <a:buFontTx/>
           <a:buNone/>
-          <a:tabLst/>
-          <a:defRPr b="0" baseline="0" cap="none" i="0" spc="0" strike="noStrike" sz="3200" u="none" kumimoji="0" normalizeH="0">
+          <a:defRPr kumimoji="0" sz="3200" b="0" i="0" u="none" strike="noStrike" cap="none" spc="0" normalizeH="0" baseline="0">
             <a:ln>
               <a:noFill/>
             </a:ln>
@@ -8239,8 +8291,7 @@
           <a:buSzTx/>
           <a:buFontTx/>
           <a:buNone/>
-          <a:tabLst/>
-          <a:defRPr b="0" baseline="0" cap="none" i="0" spc="0" strike="noStrike" sz="1800" u="none" kumimoji="0" normalizeH="0">
+          <a:defRPr kumimoji="0" sz="1800" b="0" i="0" u="none" strike="noStrike" cap="none" spc="0" normalizeH="0" baseline="0">
             <a:ln>
               <a:noFill/>
             </a:ln>
@@ -8265,8 +8316,7 @@
           <a:buSzTx/>
           <a:buFontTx/>
           <a:buNone/>
-          <a:tabLst/>
-          <a:defRPr b="0" baseline="0" cap="none" i="0" spc="0" strike="noStrike" sz="1800" u="none" kumimoji="0" normalizeH="0">
+          <a:defRPr kumimoji="0" sz="1800" b="0" i="0" u="none" strike="noStrike" cap="none" spc="0" normalizeH="0" baseline="0">
             <a:ln>
               <a:noFill/>
             </a:ln>
@@ -8291,8 +8341,7 @@
           <a:buSzTx/>
           <a:buFontTx/>
           <a:buNone/>
-          <a:tabLst/>
-          <a:defRPr b="0" baseline="0" cap="none" i="0" spc="0" strike="noStrike" sz="1800" u="none" kumimoji="0" normalizeH="0">
+          <a:defRPr kumimoji="0" sz="1800" b="0" i="0" u="none" strike="noStrike" cap="none" spc="0" normalizeH="0" baseline="0">
             <a:ln>
               <a:noFill/>
             </a:ln>
@@ -8317,8 +8366,7 @@
           <a:buSzTx/>
           <a:buFontTx/>
           <a:buNone/>
-          <a:tabLst/>
-          <a:defRPr b="0" baseline="0" cap="none" i="0" spc="0" strike="noStrike" sz="1800" u="none" kumimoji="0" normalizeH="0">
+          <a:defRPr kumimoji="0" sz="1800" b="0" i="0" u="none" strike="noStrike" cap="none" spc="0" normalizeH="0" baseline="0">
             <a:ln>
               <a:noFill/>
             </a:ln>
@@ -8343,8 +8391,7 @@
           <a:buSzTx/>
           <a:buFontTx/>
           <a:buNone/>
-          <a:tabLst/>
-          <a:defRPr b="0" baseline="0" cap="none" i="0" spc="0" strike="noStrike" sz="1800" u="none" kumimoji="0" normalizeH="0">
+          <a:defRPr kumimoji="0" sz="1800" b="0" i="0" u="none" strike="noStrike" cap="none" spc="0" normalizeH="0" baseline="0">
             <a:ln>
               <a:noFill/>
             </a:ln>
@@ -8369,8 +8416,7 @@
           <a:buSzTx/>
           <a:buFontTx/>
           <a:buNone/>
-          <a:tabLst/>
-          <a:defRPr b="0" baseline="0" cap="none" i="0" spc="0" strike="noStrike" sz="1800" u="none" kumimoji="0" normalizeH="0">
+          <a:defRPr kumimoji="0" sz="1800" b="0" i="0" u="none" strike="noStrike" cap="none" spc="0" normalizeH="0" baseline="0">
             <a:ln>
               <a:noFill/>
             </a:ln>
@@ -8395,8 +8441,7 @@
           <a:buSzTx/>
           <a:buFontTx/>
           <a:buNone/>
-          <a:tabLst/>
-          <a:defRPr b="0" baseline="0" cap="none" i="0" spc="0" strike="noStrike" sz="1800" u="none" kumimoji="0" normalizeH="0">
+          <a:defRPr kumimoji="0" sz="1800" b="0" i="0" u="none" strike="noStrike" cap="none" spc="0" normalizeH="0" baseline="0">
             <a:ln>
               <a:noFill/>
             </a:ln>
@@ -8421,8 +8466,7 @@
           <a:buSzTx/>
           <a:buFontTx/>
           <a:buNone/>
-          <a:tabLst/>
-          <a:defRPr b="0" baseline="0" cap="none" i="0" spc="0" strike="noStrike" sz="1800" u="none" kumimoji="0" normalizeH="0">
+          <a:defRPr kumimoji="0" sz="1800" b="0" i="0" u="none" strike="noStrike" cap="none" spc="0" normalizeH="0" baseline="0">
             <a:ln>
               <a:noFill/>
             </a:ln>
@@ -8447,8 +8491,7 @@
           <a:buSzTx/>
           <a:buFontTx/>
           <a:buNone/>
-          <a:tabLst/>
-          <a:defRPr b="0" baseline="0" cap="none" i="0" spc="0" strike="noStrike" sz="1800" u="none" kumimoji="0" normalizeH="0">
+          <a:defRPr kumimoji="0" sz="1800" b="0" i="0" u="none" strike="noStrike" cap="none" spc="0" normalizeH="0" baseline="0">
             <a:ln>
               <a:noFill/>
             </a:ln>
@@ -8461,9 +8504,15 @@
         </a:lvl9pPr>
       </a:lstStyle>
       <a:style>
-        <a:lnRef idx="0"/>
-        <a:fillRef idx="0"/>
-        <a:effectRef idx="0"/>
+        <a:lnRef idx="0">
+          <a:srgbClr val="FFFFFF"/>
+        </a:lnRef>
+        <a:fillRef idx="0">
+          <a:srgbClr val="FFFFFF"/>
+        </a:fillRef>
+        <a:effectRef idx="0">
+          <a:srgbClr val="FFFFFF"/>
+        </a:effectRef>
         <a:fontRef idx="none"/>
       </a:style>
     </a:spDef>
@@ -8477,8 +8526,6 @@
           <a:prstDash val="solid"/>
           <a:miter lim="400000"/>
         </a:ln>
-        <a:effectLst/>
-        <a:sp3d/>
       </a:spPr>
       <a:bodyPr rot="0" spcFirstLastPara="1" vertOverflow="overflow" horzOverflow="overflow" vert="horz" wrap="square" lIns="91439" tIns="45719" rIns="91439" bIns="45719" numCol="1" spcCol="38100" rtlCol="0" anchor="t" upright="0">
         <a:noAutofit/>
@@ -8498,8 +8545,7 @@
           <a:buSzTx/>
           <a:buFontTx/>
           <a:buNone/>
-          <a:tabLst/>
-          <a:defRPr b="0" baseline="0" cap="none" i="0" spc="0" strike="noStrike" sz="1800" u="none" kumimoji="0" normalizeH="0">
+          <a:defRPr kumimoji="0" sz="1800" b="0" i="0" u="none" strike="noStrike" cap="none" spc="0" normalizeH="0" baseline="0">
             <a:ln>
               <a:noFill/>
             </a:ln>
@@ -8524,8 +8570,7 @@
           <a:buSzTx/>
           <a:buFontTx/>
           <a:buNone/>
-          <a:tabLst/>
-          <a:defRPr b="0" baseline="0" cap="none" i="0" spc="0" strike="noStrike" sz="1800" u="none" kumimoji="0" normalizeH="0">
+          <a:defRPr kumimoji="0" sz="1800" b="0" i="0" u="none" strike="noStrike" cap="none" spc="0" normalizeH="0" baseline="0">
             <a:ln>
               <a:noFill/>
             </a:ln>
@@ -8550,8 +8595,7 @@
           <a:buSzTx/>
           <a:buFontTx/>
           <a:buNone/>
-          <a:tabLst/>
-          <a:defRPr b="0" baseline="0" cap="none" i="0" spc="0" strike="noStrike" sz="1800" u="none" kumimoji="0" normalizeH="0">
+          <a:defRPr kumimoji="0" sz="1800" b="0" i="0" u="none" strike="noStrike" cap="none" spc="0" normalizeH="0" baseline="0">
             <a:ln>
               <a:noFill/>
             </a:ln>
@@ -8576,8 +8620,7 @@
           <a:buSzTx/>
           <a:buFontTx/>
           <a:buNone/>
-          <a:tabLst/>
-          <a:defRPr b="0" baseline="0" cap="none" i="0" spc="0" strike="noStrike" sz="1800" u="none" kumimoji="0" normalizeH="0">
+          <a:defRPr kumimoji="0" sz="1800" b="0" i="0" u="none" strike="noStrike" cap="none" spc="0" normalizeH="0" baseline="0">
             <a:ln>
               <a:noFill/>
             </a:ln>
@@ -8602,8 +8645,7 @@
           <a:buSzTx/>
           <a:buFontTx/>
           <a:buNone/>
-          <a:tabLst/>
-          <a:defRPr b="0" baseline="0" cap="none" i="0" spc="0" strike="noStrike" sz="1800" u="none" kumimoji="0" normalizeH="0">
+          <a:defRPr kumimoji="0" sz="1800" b="0" i="0" u="none" strike="noStrike" cap="none" spc="0" normalizeH="0" baseline="0">
             <a:ln>
               <a:noFill/>
             </a:ln>
@@ -8628,8 +8670,7 @@
           <a:buSzTx/>
           <a:buFontTx/>
           <a:buNone/>
-          <a:tabLst/>
-          <a:defRPr b="0" baseline="0" cap="none" i="0" spc="0" strike="noStrike" sz="1800" u="none" kumimoji="0" normalizeH="0">
+          <a:defRPr kumimoji="0" sz="1800" b="0" i="0" u="none" strike="noStrike" cap="none" spc="0" normalizeH="0" baseline="0">
             <a:ln>
               <a:noFill/>
             </a:ln>
@@ -8654,8 +8695,7 @@
           <a:buSzTx/>
           <a:buFontTx/>
           <a:buNone/>
-          <a:tabLst/>
-          <a:defRPr b="0" baseline="0" cap="none" i="0" spc="0" strike="noStrike" sz="1800" u="none" kumimoji="0" normalizeH="0">
+          <a:defRPr kumimoji="0" sz="1800" b="0" i="0" u="none" strike="noStrike" cap="none" spc="0" normalizeH="0" baseline="0">
             <a:ln>
               <a:noFill/>
             </a:ln>
@@ -8680,8 +8720,7 @@
           <a:buSzTx/>
           <a:buFontTx/>
           <a:buNone/>
-          <a:tabLst/>
-          <a:defRPr b="0" baseline="0" cap="none" i="0" spc="0" strike="noStrike" sz="1800" u="none" kumimoji="0" normalizeH="0">
+          <a:defRPr kumimoji="0" sz="1800" b="0" i="0" u="none" strike="noStrike" cap="none" spc="0" normalizeH="0" baseline="0">
             <a:ln>
               <a:noFill/>
             </a:ln>
@@ -8706,8 +8745,7 @@
           <a:buSzTx/>
           <a:buFontTx/>
           <a:buNone/>
-          <a:tabLst/>
-          <a:defRPr b="0" baseline="0" cap="none" i="0" spc="0" strike="noStrike" sz="1800" u="none" kumimoji="0" normalizeH="0">
+          <a:defRPr kumimoji="0" sz="1800" b="0" i="0" u="none" strike="noStrike" cap="none" spc="0" normalizeH="0" baseline="0">
             <a:ln>
               <a:noFill/>
             </a:ln>
@@ -8732,8 +8770,7 @@
           <a:buSzTx/>
           <a:buFontTx/>
           <a:buNone/>
-          <a:tabLst/>
-          <a:defRPr b="0" baseline="0" cap="none" i="0" spc="0" strike="noStrike" sz="1800" u="none" kumimoji="0" normalizeH="0">
+          <a:defRPr kumimoji="0" sz="1800" b="0" i="0" u="none" strike="noStrike" cap="none" spc="0" normalizeH="0" baseline="0">
             <a:ln>
               <a:noFill/>
             </a:ln>
@@ -8746,9 +8783,15 @@
         </a:lvl9pPr>
       </a:lstStyle>
       <a:style>
-        <a:lnRef idx="0"/>
-        <a:fillRef idx="0"/>
-        <a:effectRef idx="0"/>
+        <a:lnRef idx="0">
+          <a:srgbClr val="FFFFFF"/>
+        </a:lnRef>
+        <a:fillRef idx="0">
+          <a:srgbClr val="FFFFFF"/>
+        </a:fillRef>
+        <a:effectRef idx="0">
+          <a:srgbClr val="FFFFFF"/>
+        </a:effectRef>
         <a:fontRef idx="none"/>
       </a:style>
     </a:lnDef>
@@ -8759,8 +8802,6 @@
           <a:noFill/>
           <a:miter lim="400000"/>
         </a:ln>
-        <a:effectLst/>
-        <a:sp3d/>
       </a:spPr>
       <a:bodyPr rot="0" spcFirstLastPara="1" vertOverflow="overflow" horzOverflow="overflow" vert="horz" wrap="square" lIns="50800" tIns="50800" rIns="50800" bIns="50800" numCol="1" spcCol="38100" rtlCol="0" anchor="ctr" upright="0">
         <a:spAutoFit/>
@@ -8780,8 +8821,7 @@
           <a:buSzTx/>
           <a:buFontTx/>
           <a:buNone/>
-          <a:tabLst/>
-          <a:defRPr b="0" baseline="0" cap="none" i="0" spc="0" strike="noStrike" sz="5000" u="none" kumimoji="0" normalizeH="0">
+          <a:defRPr kumimoji="0" sz="5000" b="0" i="0" u="none" strike="noStrike" cap="none" spc="0" normalizeH="0" baseline="0">
             <a:ln>
               <a:noFill/>
             </a:ln>
@@ -8810,8 +8850,7 @@
           <a:buSzTx/>
           <a:buFontTx/>
           <a:buNone/>
-          <a:tabLst/>
-          <a:defRPr b="0" baseline="0" cap="none" i="0" spc="0" strike="noStrike" sz="1800" u="none" kumimoji="0" normalizeH="0">
+          <a:defRPr kumimoji="0" sz="1800" b="0" i="0" u="none" strike="noStrike" cap="none" spc="0" normalizeH="0" baseline="0">
             <a:ln>
               <a:noFill/>
             </a:ln>
@@ -8836,8 +8875,7 @@
           <a:buSzTx/>
           <a:buFontTx/>
           <a:buNone/>
-          <a:tabLst/>
-          <a:defRPr b="0" baseline="0" cap="none" i="0" spc="0" strike="noStrike" sz="1800" u="none" kumimoji="0" normalizeH="0">
+          <a:defRPr kumimoji="0" sz="1800" b="0" i="0" u="none" strike="noStrike" cap="none" spc="0" normalizeH="0" baseline="0">
             <a:ln>
               <a:noFill/>
             </a:ln>
@@ -8862,8 +8900,7 @@
           <a:buSzTx/>
           <a:buFontTx/>
           <a:buNone/>
-          <a:tabLst/>
-          <a:defRPr b="0" baseline="0" cap="none" i="0" spc="0" strike="noStrike" sz="1800" u="none" kumimoji="0" normalizeH="0">
+          <a:defRPr kumimoji="0" sz="1800" b="0" i="0" u="none" strike="noStrike" cap="none" spc="0" normalizeH="0" baseline="0">
             <a:ln>
               <a:noFill/>
             </a:ln>
@@ -8888,8 +8925,7 @@
           <a:buSzTx/>
           <a:buFontTx/>
           <a:buNone/>
-          <a:tabLst/>
-          <a:defRPr b="0" baseline="0" cap="none" i="0" spc="0" strike="noStrike" sz="1800" u="none" kumimoji="0" normalizeH="0">
+          <a:defRPr kumimoji="0" sz="1800" b="0" i="0" u="none" strike="noStrike" cap="none" spc="0" normalizeH="0" baseline="0">
             <a:ln>
               <a:noFill/>
             </a:ln>
@@ -8914,8 +8950,7 @@
           <a:buSzTx/>
           <a:buFontTx/>
           <a:buNone/>
-          <a:tabLst/>
-          <a:defRPr b="0" baseline="0" cap="none" i="0" spc="0" strike="noStrike" sz="1800" u="none" kumimoji="0" normalizeH="0">
+          <a:defRPr kumimoji="0" sz="1800" b="0" i="0" u="none" strike="noStrike" cap="none" spc="0" normalizeH="0" baseline="0">
             <a:ln>
               <a:noFill/>
             </a:ln>
@@ -8940,8 +8975,7 @@
           <a:buSzTx/>
           <a:buFontTx/>
           <a:buNone/>
-          <a:tabLst/>
-          <a:defRPr b="0" baseline="0" cap="none" i="0" spc="0" strike="noStrike" sz="1800" u="none" kumimoji="0" normalizeH="0">
+          <a:defRPr kumimoji="0" sz="1800" b="0" i="0" u="none" strike="noStrike" cap="none" spc="0" normalizeH="0" baseline="0">
             <a:ln>
               <a:noFill/>
             </a:ln>
@@ -8966,8 +9000,7 @@
           <a:buSzTx/>
           <a:buFontTx/>
           <a:buNone/>
-          <a:tabLst/>
-          <a:defRPr b="0" baseline="0" cap="none" i="0" spc="0" strike="noStrike" sz="1800" u="none" kumimoji="0" normalizeH="0">
+          <a:defRPr kumimoji="0" sz="1800" b="0" i="0" u="none" strike="noStrike" cap="none" spc="0" normalizeH="0" baseline="0">
             <a:ln>
               <a:noFill/>
             </a:ln>
@@ -8992,8 +9025,7 @@
           <a:buSzTx/>
           <a:buFontTx/>
           <a:buNone/>
-          <a:tabLst/>
-          <a:defRPr b="0" baseline="0" cap="none" i="0" spc="0" strike="noStrike" sz="1800" u="none" kumimoji="0" normalizeH="0">
+          <a:defRPr kumimoji="0" sz="1800" b="0" i="0" u="none" strike="noStrike" cap="none" spc="0" normalizeH="0" baseline="0">
             <a:ln>
               <a:noFill/>
             </a:ln>
@@ -9018,8 +9050,7 @@
           <a:buSzTx/>
           <a:buFontTx/>
           <a:buNone/>
-          <a:tabLst/>
-          <a:defRPr b="0" baseline="0" cap="none" i="0" spc="0" strike="noStrike" sz="1800" u="none" kumimoji="0" normalizeH="0">
+          <a:defRPr kumimoji="0" sz="1800" b="0" i="0" u="none" strike="noStrike" cap="none" spc="0" normalizeH="0" baseline="0">
             <a:ln>
               <a:noFill/>
             </a:ln>
@@ -9032,12 +9063,23 @@
         </a:lvl9pPr>
       </a:lstStyle>
       <a:style>
-        <a:lnRef idx="0"/>
-        <a:fillRef idx="0"/>
-        <a:effectRef idx="0"/>
+        <a:lnRef idx="0">
+          <a:srgbClr val="FFFFFF"/>
+        </a:lnRef>
+        <a:fillRef idx="0">
+          <a:srgbClr val="FFFFFF"/>
+        </a:fillRef>
+        <a:effectRef idx="0">
+          <a:srgbClr val="FFFFFF"/>
+        </a:effectRef>
         <a:fontRef idx="none"/>
       </a:style>
     </a:txDef>
   </a:objectDefaults>
+  <a:extLst>
+    <a:ext uri="{05A4C25C-085E-4340-85A3-A5531E510DB2}">
+      <thm15:themeFamily xmlns:thm15="http://schemas.microsoft.com/office/thememl/2012/main" name="Office Theme" id="{62F939B6-93AF-4DB8-9C6B-D6C7DFDC589F}" vid="{4A3C46E8-61CC-4603-A589-7422A47A8E4A}"/>
+    </a:ext>
+  </a:extLst>
 </a:theme>
 </file>